--- a/DAtalink.pptx
+++ b/DAtalink.pptx
@@ -8,10 +8,10 @@
     <p:sldMasterId id="2147483741" r:id="rId4"/>
   </p:sldMasterIdLst>
   <p:notesMasterIdLst>
-    <p:notesMasterId r:id="rId11"/>
+    <p:notesMasterId r:id="rId26"/>
   </p:notesMasterIdLst>
   <p:handoutMasterIdLst>
-    <p:handoutMasterId r:id="rId12"/>
+    <p:handoutMasterId r:id="rId27"/>
   </p:handoutMasterIdLst>
   <p:sldIdLst>
     <p:sldId id="258" r:id="rId5"/>
@@ -20,6 +20,21 @@
     <p:sldId id="261" r:id="rId8"/>
     <p:sldId id="262" r:id="rId9"/>
     <p:sldId id="263" r:id="rId10"/>
+    <p:sldId id="264" r:id="rId11"/>
+    <p:sldId id="265" r:id="rId12"/>
+    <p:sldId id="266" r:id="rId13"/>
+    <p:sldId id="272" r:id="rId14"/>
+    <p:sldId id="273" r:id="rId15"/>
+    <p:sldId id="274" r:id="rId16"/>
+    <p:sldId id="275" r:id="rId17"/>
+    <p:sldId id="276" r:id="rId18"/>
+    <p:sldId id="277" r:id="rId19"/>
+    <p:sldId id="278" r:id="rId20"/>
+    <p:sldId id="271" r:id="rId21"/>
+    <p:sldId id="267" r:id="rId22"/>
+    <p:sldId id="268" r:id="rId23"/>
+    <p:sldId id="269" r:id="rId24"/>
+    <p:sldId id="270" r:id="rId25"/>
   </p:sldIdLst>
   <p:sldSz cx="12192000" cy="6858000"/>
   <p:notesSz cx="6858000" cy="9144000"/>
@@ -129,6 +144,21 @@
             <p14:sldId id="261"/>
             <p14:sldId id="262"/>
             <p14:sldId id="263"/>
+            <p14:sldId id="264"/>
+            <p14:sldId id="265"/>
+            <p14:sldId id="266"/>
+            <p14:sldId id="272"/>
+            <p14:sldId id="273"/>
+            <p14:sldId id="274"/>
+            <p14:sldId id="275"/>
+            <p14:sldId id="276"/>
+            <p14:sldId id="277"/>
+            <p14:sldId id="278"/>
+            <p14:sldId id="271"/>
+            <p14:sldId id="267"/>
+            <p14:sldId id="268"/>
+            <p14:sldId id="269"/>
+            <p14:sldId id="270"/>
           </p14:sldIdLst>
         </p14:section>
       </p14:sectionLst>
@@ -204,7 +234,7 @@
           <p:cNvPr id="2" name="Header Placeholder 1">
             <a:extLst>
               <a:ext uri="{FF2B5EF4-FFF2-40B4-BE49-F238E27FC236}">
-                <a16:creationId xmlns:a16="http://schemas.microsoft.com/office/drawing/2014/main" xmlns="" id="{ED8B6225-3E94-4525-8747-A8CEEE07C472}"/>
+                <a16:creationId xmlns="" xmlns:a16="http://schemas.microsoft.com/office/drawing/2014/main" id="{ED8B6225-3E94-4525-8747-A8CEEE07C472}"/>
               </a:ext>
             </a:extLst>
           </p:cNvPr>
@@ -241,7 +271,7 @@
           <p:cNvPr id="3" name="Date Placeholder 2">
             <a:extLst>
               <a:ext uri="{FF2B5EF4-FFF2-40B4-BE49-F238E27FC236}">
-                <a16:creationId xmlns:a16="http://schemas.microsoft.com/office/drawing/2014/main" xmlns="" id="{1EE33FD8-B984-44FE-83F0-5C989EE62491}"/>
+                <a16:creationId xmlns="" xmlns:a16="http://schemas.microsoft.com/office/drawing/2014/main" id="{1EE33FD8-B984-44FE-83F0-5C989EE62491}"/>
               </a:ext>
             </a:extLst>
           </p:cNvPr>
@@ -272,7 +302,7 @@
             <a:fld id="{86C988DC-9DE3-4390-97AB-D61B85DACE57}" type="datetimeFigureOut">
               <a:rPr lang="pt-PT" smtClean="0"/>
               <a:pPr/>
-              <a:t>30-03-2018</a:t>
+              <a:t>31-03-2018</a:t>
             </a:fld>
             <a:endParaRPr lang="pt-PT"/>
           </a:p>
@@ -283,7 +313,7 @@
           <p:cNvPr id="4" name="Footer Placeholder 3">
             <a:extLst>
               <a:ext uri="{FF2B5EF4-FFF2-40B4-BE49-F238E27FC236}">
-                <a16:creationId xmlns:a16="http://schemas.microsoft.com/office/drawing/2014/main" xmlns="" id="{88AD1E4F-EFF7-4551-A0B7-35D2A74F4F4D}"/>
+                <a16:creationId xmlns="" xmlns:a16="http://schemas.microsoft.com/office/drawing/2014/main" id="{88AD1E4F-EFF7-4551-A0B7-35D2A74F4F4D}"/>
               </a:ext>
             </a:extLst>
           </p:cNvPr>
@@ -320,7 +350,7 @@
           <p:cNvPr id="5" name="Slide Number Placeholder 4">
             <a:extLst>
               <a:ext uri="{FF2B5EF4-FFF2-40B4-BE49-F238E27FC236}">
-                <a16:creationId xmlns:a16="http://schemas.microsoft.com/office/drawing/2014/main" xmlns="" id="{5C3F35C8-35E9-48DD-971F-B2366CC5B7DE}"/>
+                <a16:creationId xmlns="" xmlns:a16="http://schemas.microsoft.com/office/drawing/2014/main" id="{5C3F35C8-35E9-48DD-971F-B2366CC5B7DE}"/>
               </a:ext>
             </a:extLst>
           </p:cNvPr>
@@ -451,7 +481,7 @@
             <a:fld id="{0835B8F7-DAC4-4931-8AED-4356A8B2FD64}" type="datetimeFigureOut">
               <a:rPr lang="pt-BR" smtClean="0"/>
               <a:pPr/>
-              <a:t>30/03/2018</a:t>
+              <a:t>31/03/2018</a:t>
             </a:fld>
             <a:endParaRPr lang="pt-BR"/>
           </a:p>
@@ -788,7 +818,7 @@
           <p:cNvPr id="6" name="Graphic 17">
             <a:extLst>
               <a:ext uri="{FF2B5EF4-FFF2-40B4-BE49-F238E27FC236}">
-                <a16:creationId xmlns:a16="http://schemas.microsoft.com/office/drawing/2014/main" xmlns="" id="{829BBBD1-ECF6-4131-A3B0-11EFC39DB482}"/>
+                <a16:creationId xmlns="" xmlns:a16="http://schemas.microsoft.com/office/drawing/2014/main" id="{829BBBD1-ECF6-4131-A3B0-11EFC39DB482}"/>
               </a:ext>
             </a:extLst>
           </p:cNvPr>
@@ -801,7 +831,7 @@
           <a:blip r:embed="rId2" cstate="print">
             <a:extLst>
               <a:ext uri="{96DAC541-7B7A-43D3-8B79-37D633B846F1}">
-                <asvg:svgBlip xmlns:asvg="http://schemas.microsoft.com/office/drawing/2016/SVG/main" xmlns="" r:embed="rId3"/>
+                <asvg:svgBlip xmlns="" xmlns:asvg="http://schemas.microsoft.com/office/drawing/2016/SVG/main" r:embed="rId3"/>
               </a:ext>
             </a:extLst>
           </a:blip>
@@ -823,7 +853,7 @@
           <p:cNvPr id="5" name="Graphic 9">
             <a:extLst>
               <a:ext uri="{FF2B5EF4-FFF2-40B4-BE49-F238E27FC236}">
-                <a16:creationId xmlns:a16="http://schemas.microsoft.com/office/drawing/2014/main" xmlns="" id="{C3D2EC56-D17C-4A75-8178-C69397BC7353}"/>
+                <a16:creationId xmlns="" xmlns:a16="http://schemas.microsoft.com/office/drawing/2014/main" id="{C3D2EC56-D17C-4A75-8178-C69397BC7353}"/>
               </a:ext>
             </a:extLst>
           </p:cNvPr>
@@ -836,7 +866,7 @@
           <a:blip r:embed="rId4" cstate="print">
             <a:extLst>
               <a:ext uri="{96DAC541-7B7A-43D3-8B79-37D633B846F1}">
-                <asvg:svgBlip xmlns:asvg="http://schemas.microsoft.com/office/drawing/2016/SVG/main" xmlns="" r:embed="rId5"/>
+                <asvg:svgBlip xmlns="" xmlns:asvg="http://schemas.microsoft.com/office/drawing/2016/SVG/main" r:embed="rId5"/>
               </a:ext>
             </a:extLst>
           </a:blip>
@@ -859,7 +889,7 @@
           <p:cNvPr id="14" name="Text Placeholder 13">
             <a:extLst>
               <a:ext uri="{FF2B5EF4-FFF2-40B4-BE49-F238E27FC236}">
-                <a16:creationId xmlns:a16="http://schemas.microsoft.com/office/drawing/2014/main" xmlns="" id="{4252348C-45B4-48E3-B74B-8E834575C8AA}"/>
+                <a16:creationId xmlns="" xmlns:a16="http://schemas.microsoft.com/office/drawing/2014/main" id="{4252348C-45B4-48E3-B74B-8E834575C8AA}"/>
               </a:ext>
             </a:extLst>
           </p:cNvPr>
@@ -906,7 +936,7 @@
           <p:cNvPr id="15" name="Text Placeholder 13">
             <a:extLst>
               <a:ext uri="{FF2B5EF4-FFF2-40B4-BE49-F238E27FC236}">
-                <a16:creationId xmlns:a16="http://schemas.microsoft.com/office/drawing/2014/main" xmlns="" id="{97620309-84FF-4D53-AD39-936B55216B4B}"/>
+                <a16:creationId xmlns="" xmlns:a16="http://schemas.microsoft.com/office/drawing/2014/main" id="{97620309-84FF-4D53-AD39-936B55216B4B}"/>
               </a:ext>
             </a:extLst>
           </p:cNvPr>
@@ -983,7 +1013,7 @@
           <p:cNvPr id="12" name="Graphic 11">
             <a:extLst>
               <a:ext uri="{FF2B5EF4-FFF2-40B4-BE49-F238E27FC236}">
-                <a16:creationId xmlns:a16="http://schemas.microsoft.com/office/drawing/2014/main" xmlns="" id="{10113F8D-52D8-4246-B9BC-1A6D3EF8C72C}"/>
+                <a16:creationId xmlns="" xmlns:a16="http://schemas.microsoft.com/office/drawing/2014/main" id="{10113F8D-52D8-4246-B9BC-1A6D3EF8C72C}"/>
               </a:ext>
             </a:extLst>
           </p:cNvPr>
@@ -996,7 +1026,7 @@
           <a:blip r:embed="rId2" cstate="print">
             <a:extLst>
               <a:ext uri="{96DAC541-7B7A-43D3-8B79-37D633B846F1}">
-                <asvg:svgBlip xmlns:asvg="http://schemas.microsoft.com/office/drawing/2016/SVG/main" xmlns="" r:embed="rId3"/>
+                <asvg:svgBlip xmlns="" xmlns:asvg="http://schemas.microsoft.com/office/drawing/2016/SVG/main" r:embed="rId3"/>
               </a:ext>
             </a:extLst>
           </a:blip>
@@ -1063,7 +1093,7 @@
           <p:cNvPr id="39" name="Text Placeholder 7">
             <a:extLst>
               <a:ext uri="{FF2B5EF4-FFF2-40B4-BE49-F238E27FC236}">
-                <a16:creationId xmlns:a16="http://schemas.microsoft.com/office/drawing/2014/main" xmlns="" id="{3E908611-FBB7-4987-BE0F-F09EAF1FFC80}"/>
+                <a16:creationId xmlns="" xmlns:a16="http://schemas.microsoft.com/office/drawing/2014/main" id="{3E908611-FBB7-4987-BE0F-F09EAF1FFC80}"/>
               </a:ext>
             </a:extLst>
           </p:cNvPr>
@@ -1143,7 +1173,7 @@
           <p:cNvPr id="40" name="Text Placeholder 7">
             <a:extLst>
               <a:ext uri="{FF2B5EF4-FFF2-40B4-BE49-F238E27FC236}">
-                <a16:creationId xmlns:a16="http://schemas.microsoft.com/office/drawing/2014/main" xmlns="" id="{306025B9-0362-4974-8920-7C764289CBA0}"/>
+                <a16:creationId xmlns="" xmlns:a16="http://schemas.microsoft.com/office/drawing/2014/main" id="{306025B9-0362-4974-8920-7C764289CBA0}"/>
               </a:ext>
             </a:extLst>
           </p:cNvPr>
@@ -1244,7 +1274,7 @@
           <p:cNvPr id="41" name="Text Placeholder 7">
             <a:extLst>
               <a:ext uri="{FF2B5EF4-FFF2-40B4-BE49-F238E27FC236}">
-                <a16:creationId xmlns:a16="http://schemas.microsoft.com/office/drawing/2014/main" xmlns="" id="{257644F2-F28D-4087-B791-1E7F26C4AD1C}"/>
+                <a16:creationId xmlns="" xmlns:a16="http://schemas.microsoft.com/office/drawing/2014/main" id="{257644F2-F28D-4087-B791-1E7F26C4AD1C}"/>
               </a:ext>
             </a:extLst>
           </p:cNvPr>
@@ -1324,7 +1354,7 @@
           <p:cNvPr id="42" name="Text Placeholder 7">
             <a:extLst>
               <a:ext uri="{FF2B5EF4-FFF2-40B4-BE49-F238E27FC236}">
-                <a16:creationId xmlns:a16="http://schemas.microsoft.com/office/drawing/2014/main" xmlns="" id="{25F62A33-F672-4099-9B72-9B2267F22ACF}"/>
+                <a16:creationId xmlns="" xmlns:a16="http://schemas.microsoft.com/office/drawing/2014/main" id="{25F62A33-F672-4099-9B72-9B2267F22ACF}"/>
               </a:ext>
             </a:extLst>
           </p:cNvPr>
@@ -1404,7 +1434,7 @@
           <p:cNvPr id="43" name="Text Placeholder 7">
             <a:extLst>
               <a:ext uri="{FF2B5EF4-FFF2-40B4-BE49-F238E27FC236}">
-                <a16:creationId xmlns:a16="http://schemas.microsoft.com/office/drawing/2014/main" xmlns="" id="{72FF6EE1-C46D-4DEB-A508-49B5101CF26E}"/>
+                <a16:creationId xmlns="" xmlns:a16="http://schemas.microsoft.com/office/drawing/2014/main" id="{72FF6EE1-C46D-4DEB-A508-49B5101CF26E}"/>
               </a:ext>
             </a:extLst>
           </p:cNvPr>
@@ -1484,7 +1514,7 @@
           <p:cNvPr id="44" name="Text Placeholder 7">
             <a:extLst>
               <a:ext uri="{FF2B5EF4-FFF2-40B4-BE49-F238E27FC236}">
-                <a16:creationId xmlns:a16="http://schemas.microsoft.com/office/drawing/2014/main" xmlns="" id="{931D06D9-EA9B-42A0-81EE-D669D6CA5F33}"/>
+                <a16:creationId xmlns="" xmlns:a16="http://schemas.microsoft.com/office/drawing/2014/main" id="{931D06D9-EA9B-42A0-81EE-D669D6CA5F33}"/>
               </a:ext>
             </a:extLst>
           </p:cNvPr>
@@ -1564,7 +1594,7 @@
           <p:cNvPr id="45" name="Text Placeholder 7">
             <a:extLst>
               <a:ext uri="{FF2B5EF4-FFF2-40B4-BE49-F238E27FC236}">
-                <a16:creationId xmlns:a16="http://schemas.microsoft.com/office/drawing/2014/main" xmlns="" id="{EFEA829A-6217-4965-B7BD-6BC37F7849AB}"/>
+                <a16:creationId xmlns="" xmlns:a16="http://schemas.microsoft.com/office/drawing/2014/main" id="{EFEA829A-6217-4965-B7BD-6BC37F7849AB}"/>
               </a:ext>
             </a:extLst>
           </p:cNvPr>
@@ -1644,7 +1674,7 @@
           <p:cNvPr id="46" name="Text Placeholder 7">
             <a:extLst>
               <a:ext uri="{FF2B5EF4-FFF2-40B4-BE49-F238E27FC236}">
-                <a16:creationId xmlns:a16="http://schemas.microsoft.com/office/drawing/2014/main" xmlns="" id="{E05DDB93-91CA-4BAF-9D63-E4134B435D8F}"/>
+                <a16:creationId xmlns="" xmlns:a16="http://schemas.microsoft.com/office/drawing/2014/main" id="{E05DDB93-91CA-4BAF-9D63-E4134B435D8F}"/>
               </a:ext>
             </a:extLst>
           </p:cNvPr>
@@ -1724,7 +1754,7 @@
           <p:cNvPr id="48" name="Picture Placeholder 47">
             <a:extLst>
               <a:ext uri="{FF2B5EF4-FFF2-40B4-BE49-F238E27FC236}">
-                <a16:creationId xmlns:a16="http://schemas.microsoft.com/office/drawing/2014/main" xmlns="" id="{51CA337D-4B25-44C1-847A-AC0D74277B60}"/>
+                <a16:creationId xmlns="" xmlns:a16="http://schemas.microsoft.com/office/drawing/2014/main" id="{51CA337D-4B25-44C1-847A-AC0D74277B60}"/>
               </a:ext>
             </a:extLst>
           </p:cNvPr>
@@ -1761,7 +1791,7 @@
           <p:cNvPr id="13" name="Title Placeholder 1">
             <a:extLst>
               <a:ext uri="{FF2B5EF4-FFF2-40B4-BE49-F238E27FC236}">
-                <a16:creationId xmlns:a16="http://schemas.microsoft.com/office/drawing/2014/main" xmlns="" id="{552BBB0A-405D-419D-8BD5-EC8D9F84B795}"/>
+                <a16:creationId xmlns="" xmlns:a16="http://schemas.microsoft.com/office/drawing/2014/main" id="{552BBB0A-405D-419D-8BD5-EC8D9F84B795}"/>
               </a:ext>
             </a:extLst>
           </p:cNvPr>
@@ -1813,7 +1843,7 @@
           <p:cNvPr id="15" name="Retângulo 43">
             <a:extLst>
               <a:ext uri="{FF2B5EF4-FFF2-40B4-BE49-F238E27FC236}">
-                <a16:creationId xmlns:a16="http://schemas.microsoft.com/office/drawing/2014/main" xmlns="" id="{25FC8637-25BD-4C09-AF25-56B4243DAB3D}"/>
+                <a16:creationId xmlns="" xmlns:a16="http://schemas.microsoft.com/office/drawing/2014/main" id="{25FC8637-25BD-4C09-AF25-56B4243DAB3D}"/>
               </a:ext>
             </a:extLst>
           </p:cNvPr>
@@ -1866,7 +1896,7 @@
           <p:cNvPr id="16" name="Conector reto 49">
             <a:extLst>
               <a:ext uri="{FF2B5EF4-FFF2-40B4-BE49-F238E27FC236}">
-                <a16:creationId xmlns:a16="http://schemas.microsoft.com/office/drawing/2014/main" xmlns="" id="{6B6D7F6B-C184-4C2B-8EB7-067E0C1E8DF2}"/>
+                <a16:creationId xmlns="" xmlns:a16="http://schemas.microsoft.com/office/drawing/2014/main" id="{6B6D7F6B-C184-4C2B-8EB7-067E0C1E8DF2}"/>
               </a:ext>
             </a:extLst>
           </p:cNvPr>
@@ -1916,7 +1946,7 @@
             <a:hlinkClick r:id="rId4"/>
             <a:extLst>
               <a:ext uri="{FF2B5EF4-FFF2-40B4-BE49-F238E27FC236}">
-                <a16:creationId xmlns:a16="http://schemas.microsoft.com/office/drawing/2014/main" xmlns="" id="{F376ABD1-4930-42EB-9A73-9A9C7C6BF2D3}"/>
+                <a16:creationId xmlns="" xmlns:a16="http://schemas.microsoft.com/office/drawing/2014/main" id="{F376ABD1-4930-42EB-9A73-9A9C7C6BF2D3}"/>
               </a:ext>
             </a:extLst>
           </p:cNvPr>
@@ -1962,7 +1992,7 @@
           <p:cNvPr id="18" name="Retângulo 43">
             <a:extLst>
               <a:ext uri="{FF2B5EF4-FFF2-40B4-BE49-F238E27FC236}">
-                <a16:creationId xmlns:a16="http://schemas.microsoft.com/office/drawing/2014/main" xmlns="" id="{834ADCB4-BFB1-450D-8F6D-64217F4CD92C}"/>
+                <a16:creationId xmlns="" xmlns:a16="http://schemas.microsoft.com/office/drawing/2014/main" id="{834ADCB4-BFB1-450D-8F6D-64217F4CD92C}"/>
               </a:ext>
             </a:extLst>
           </p:cNvPr>
@@ -2032,7 +2062,7 @@
           <p:cNvPr id="8" name="Text Placeholder 7">
             <a:extLst>
               <a:ext uri="{FF2B5EF4-FFF2-40B4-BE49-F238E27FC236}">
-                <a16:creationId xmlns:a16="http://schemas.microsoft.com/office/drawing/2014/main" xmlns="" id="{27CE2609-37DA-4C4C-BF45-E56CE85AA41D}"/>
+                <a16:creationId xmlns="" xmlns:a16="http://schemas.microsoft.com/office/drawing/2014/main" id="{27CE2609-37DA-4C4C-BF45-E56CE85AA41D}"/>
               </a:ext>
             </a:extLst>
           </p:cNvPr>
@@ -2106,7 +2136,7 @@
           <p:cNvPr id="11" name="Text Placeholder 7">
             <a:extLst>
               <a:ext uri="{FF2B5EF4-FFF2-40B4-BE49-F238E27FC236}">
-                <a16:creationId xmlns:a16="http://schemas.microsoft.com/office/drawing/2014/main" xmlns="" id="{4F279807-494A-45DD-A5C6-24F625316B92}"/>
+                <a16:creationId xmlns="" xmlns:a16="http://schemas.microsoft.com/office/drawing/2014/main" id="{4F279807-494A-45DD-A5C6-24F625316B92}"/>
               </a:ext>
             </a:extLst>
           </p:cNvPr>
@@ -2180,7 +2210,7 @@
           <p:cNvPr id="13" name="Text Placeholder 7">
             <a:extLst>
               <a:ext uri="{FF2B5EF4-FFF2-40B4-BE49-F238E27FC236}">
-                <a16:creationId xmlns:a16="http://schemas.microsoft.com/office/drawing/2014/main" xmlns="" id="{D8D7F005-BA7C-423E-87B0-6782D88233F6}"/>
+                <a16:creationId xmlns="" xmlns:a16="http://schemas.microsoft.com/office/drawing/2014/main" id="{D8D7F005-BA7C-423E-87B0-6782D88233F6}"/>
               </a:ext>
             </a:extLst>
           </p:cNvPr>
@@ -2254,7 +2284,7 @@
           <p:cNvPr id="14" name="Text Placeholder 7">
             <a:extLst>
               <a:ext uri="{FF2B5EF4-FFF2-40B4-BE49-F238E27FC236}">
-                <a16:creationId xmlns:a16="http://schemas.microsoft.com/office/drawing/2014/main" xmlns="" id="{47BDC0DA-1585-454D-9E74-41D2AFC0FEE5}"/>
+                <a16:creationId xmlns="" xmlns:a16="http://schemas.microsoft.com/office/drawing/2014/main" id="{47BDC0DA-1585-454D-9E74-41D2AFC0FEE5}"/>
               </a:ext>
             </a:extLst>
           </p:cNvPr>
@@ -2328,7 +2358,7 @@
           <p:cNvPr id="9" name="Title Placeholder 1">
             <a:extLst>
               <a:ext uri="{FF2B5EF4-FFF2-40B4-BE49-F238E27FC236}">
-                <a16:creationId xmlns:a16="http://schemas.microsoft.com/office/drawing/2014/main" xmlns="" id="{6733E381-C11A-4F10-88ED-DDEA4B9167E2}"/>
+                <a16:creationId xmlns="" xmlns:a16="http://schemas.microsoft.com/office/drawing/2014/main" id="{6733E381-C11A-4F10-88ED-DDEA4B9167E2}"/>
               </a:ext>
             </a:extLst>
           </p:cNvPr>
@@ -2380,7 +2410,7 @@
           <p:cNvPr id="16" name="Retângulo 43">
             <a:extLst>
               <a:ext uri="{FF2B5EF4-FFF2-40B4-BE49-F238E27FC236}">
-                <a16:creationId xmlns:a16="http://schemas.microsoft.com/office/drawing/2014/main" xmlns="" id="{25FC8637-25BD-4C09-AF25-56B4243DAB3D}"/>
+                <a16:creationId xmlns="" xmlns:a16="http://schemas.microsoft.com/office/drawing/2014/main" id="{25FC8637-25BD-4C09-AF25-56B4243DAB3D}"/>
               </a:ext>
             </a:extLst>
           </p:cNvPr>
@@ -2433,7 +2463,7 @@
           <p:cNvPr id="20" name="Conector reto 49">
             <a:extLst>
               <a:ext uri="{FF2B5EF4-FFF2-40B4-BE49-F238E27FC236}">
-                <a16:creationId xmlns:a16="http://schemas.microsoft.com/office/drawing/2014/main" xmlns="" id="{6B6D7F6B-C184-4C2B-8EB7-067E0C1E8DF2}"/>
+                <a16:creationId xmlns="" xmlns:a16="http://schemas.microsoft.com/office/drawing/2014/main" id="{6B6D7F6B-C184-4C2B-8EB7-067E0C1E8DF2}"/>
               </a:ext>
             </a:extLst>
           </p:cNvPr>
@@ -2481,7 +2511,7 @@
             <a:hlinkClick r:id="rId2"/>
             <a:extLst>
               <a:ext uri="{FF2B5EF4-FFF2-40B4-BE49-F238E27FC236}">
-                <a16:creationId xmlns:a16="http://schemas.microsoft.com/office/drawing/2014/main" xmlns="" id="{F376ABD1-4930-42EB-9A73-9A9C7C6BF2D3}"/>
+                <a16:creationId xmlns="" xmlns:a16="http://schemas.microsoft.com/office/drawing/2014/main" id="{F376ABD1-4930-42EB-9A73-9A9C7C6BF2D3}"/>
               </a:ext>
             </a:extLst>
           </p:cNvPr>
@@ -2527,7 +2557,7 @@
           <p:cNvPr id="22" name="Retângulo 43">
             <a:extLst>
               <a:ext uri="{FF2B5EF4-FFF2-40B4-BE49-F238E27FC236}">
-                <a16:creationId xmlns:a16="http://schemas.microsoft.com/office/drawing/2014/main" xmlns="" id="{834ADCB4-BFB1-450D-8F6D-64217F4CD92C}"/>
+                <a16:creationId xmlns="" xmlns:a16="http://schemas.microsoft.com/office/drawing/2014/main" id="{834ADCB4-BFB1-450D-8F6D-64217F4CD92C}"/>
               </a:ext>
             </a:extLst>
           </p:cNvPr>
@@ -2607,7 +2637,7 @@
           <p:cNvPr id="13" name="Rectangle 12">
             <a:extLst>
               <a:ext uri="{FF2B5EF4-FFF2-40B4-BE49-F238E27FC236}">
-                <a16:creationId xmlns:a16="http://schemas.microsoft.com/office/drawing/2014/main" xmlns="" id="{279F1DAD-5BB1-4142-B838-01DB99370135}"/>
+                <a16:creationId xmlns="" xmlns:a16="http://schemas.microsoft.com/office/drawing/2014/main" id="{279F1DAD-5BB1-4142-B838-01DB99370135}"/>
               </a:ext>
             </a:extLst>
           </p:cNvPr>
@@ -2659,7 +2689,7 @@
           <p:cNvPr id="9" name="Text Placeholder 4">
             <a:extLst>
               <a:ext uri="{FF2B5EF4-FFF2-40B4-BE49-F238E27FC236}">
-                <a16:creationId xmlns:a16="http://schemas.microsoft.com/office/drawing/2014/main" xmlns="" id="{04C1CAD0-39C3-4CE2-A9E9-8CA99EFF5357}"/>
+                <a16:creationId xmlns="" xmlns:a16="http://schemas.microsoft.com/office/drawing/2014/main" id="{04C1CAD0-39C3-4CE2-A9E9-8CA99EFF5357}"/>
               </a:ext>
             </a:extLst>
           </p:cNvPr>
@@ -2719,7 +2749,7 @@
           <p:cNvPr id="37" name="Text Placeholder 4">
             <a:extLst>
               <a:ext uri="{FF2B5EF4-FFF2-40B4-BE49-F238E27FC236}">
-                <a16:creationId xmlns:a16="http://schemas.microsoft.com/office/drawing/2014/main" xmlns="" id="{8D6FD04F-776D-4BC2-9828-DC149A95B778}"/>
+                <a16:creationId xmlns="" xmlns:a16="http://schemas.microsoft.com/office/drawing/2014/main" id="{8D6FD04F-776D-4BC2-9828-DC149A95B778}"/>
               </a:ext>
             </a:extLst>
           </p:cNvPr>
@@ -2779,7 +2809,7 @@
           <p:cNvPr id="39" name="Text Placeholder 4">
             <a:extLst>
               <a:ext uri="{FF2B5EF4-FFF2-40B4-BE49-F238E27FC236}">
-                <a16:creationId xmlns:a16="http://schemas.microsoft.com/office/drawing/2014/main" xmlns="" id="{5A2CDF95-9D29-4775-8BEF-90BC5372B782}"/>
+                <a16:creationId xmlns="" xmlns:a16="http://schemas.microsoft.com/office/drawing/2014/main" id="{5A2CDF95-9D29-4775-8BEF-90BC5372B782}"/>
               </a:ext>
             </a:extLst>
           </p:cNvPr>
@@ -2839,7 +2869,7 @@
           <p:cNvPr id="41" name="Text Placeholder 4">
             <a:extLst>
               <a:ext uri="{FF2B5EF4-FFF2-40B4-BE49-F238E27FC236}">
-                <a16:creationId xmlns:a16="http://schemas.microsoft.com/office/drawing/2014/main" xmlns="" id="{6012FFDA-311F-429E-998E-F6E6B0A7186E}"/>
+                <a16:creationId xmlns="" xmlns:a16="http://schemas.microsoft.com/office/drawing/2014/main" id="{6012FFDA-311F-429E-998E-F6E6B0A7186E}"/>
               </a:ext>
             </a:extLst>
           </p:cNvPr>
@@ -2887,7 +2917,7 @@
           <p:cNvPr id="42" name="Text Placeholder 7">
             <a:extLst>
               <a:ext uri="{FF2B5EF4-FFF2-40B4-BE49-F238E27FC236}">
-                <a16:creationId xmlns:a16="http://schemas.microsoft.com/office/drawing/2014/main" xmlns="" id="{9228FC83-C11D-47F2-8BDE-B10D125E5E87}"/>
+                <a16:creationId xmlns="" xmlns:a16="http://schemas.microsoft.com/office/drawing/2014/main" id="{9228FC83-C11D-47F2-8BDE-B10D125E5E87}"/>
               </a:ext>
             </a:extLst>
           </p:cNvPr>
@@ -2998,7 +3028,7 @@
           <p:cNvPr id="18" name="Retângulo 43">
             <a:extLst>
               <a:ext uri="{FF2B5EF4-FFF2-40B4-BE49-F238E27FC236}">
-                <a16:creationId xmlns:a16="http://schemas.microsoft.com/office/drawing/2014/main" xmlns="" id="{25FC8637-25BD-4C09-AF25-56B4243DAB3D}"/>
+                <a16:creationId xmlns="" xmlns:a16="http://schemas.microsoft.com/office/drawing/2014/main" id="{25FC8637-25BD-4C09-AF25-56B4243DAB3D}"/>
               </a:ext>
             </a:extLst>
           </p:cNvPr>
@@ -3051,7 +3081,7 @@
           <p:cNvPr id="19" name="Conector reto 49">
             <a:extLst>
               <a:ext uri="{FF2B5EF4-FFF2-40B4-BE49-F238E27FC236}">
-                <a16:creationId xmlns:a16="http://schemas.microsoft.com/office/drawing/2014/main" xmlns="" id="{6B6D7F6B-C184-4C2B-8EB7-067E0C1E8DF2}"/>
+                <a16:creationId xmlns="" xmlns:a16="http://schemas.microsoft.com/office/drawing/2014/main" id="{6B6D7F6B-C184-4C2B-8EB7-067E0C1E8DF2}"/>
               </a:ext>
             </a:extLst>
           </p:cNvPr>
@@ -3099,7 +3129,7 @@
             <a:hlinkClick r:id="rId2"/>
             <a:extLst>
               <a:ext uri="{FF2B5EF4-FFF2-40B4-BE49-F238E27FC236}">
-                <a16:creationId xmlns:a16="http://schemas.microsoft.com/office/drawing/2014/main" xmlns="" id="{F376ABD1-4930-42EB-9A73-9A9C7C6BF2D3}"/>
+                <a16:creationId xmlns="" xmlns:a16="http://schemas.microsoft.com/office/drawing/2014/main" id="{F376ABD1-4930-42EB-9A73-9A9C7C6BF2D3}"/>
               </a:ext>
             </a:extLst>
           </p:cNvPr>
@@ -3145,7 +3175,7 @@
           <p:cNvPr id="21" name="Retângulo 43">
             <a:extLst>
               <a:ext uri="{FF2B5EF4-FFF2-40B4-BE49-F238E27FC236}">
-                <a16:creationId xmlns:a16="http://schemas.microsoft.com/office/drawing/2014/main" xmlns="" id="{834ADCB4-BFB1-450D-8F6D-64217F4CD92C}"/>
+                <a16:creationId xmlns="" xmlns:a16="http://schemas.microsoft.com/office/drawing/2014/main" id="{834ADCB4-BFB1-450D-8F6D-64217F4CD92C}"/>
               </a:ext>
             </a:extLst>
           </p:cNvPr>
@@ -3187,7 +3217,7 @@
           <p:cNvPr id="23" name="Title Placeholder 1">
             <a:extLst>
               <a:ext uri="{FF2B5EF4-FFF2-40B4-BE49-F238E27FC236}">
-                <a16:creationId xmlns:a16="http://schemas.microsoft.com/office/drawing/2014/main" xmlns="" id="{552BBB0A-405D-419D-8BD5-EC8D9F84B795}"/>
+                <a16:creationId xmlns="" xmlns:a16="http://schemas.microsoft.com/office/drawing/2014/main" id="{552BBB0A-405D-419D-8BD5-EC8D9F84B795}"/>
               </a:ext>
             </a:extLst>
           </p:cNvPr>
@@ -3235,7 +3265,7 @@
           <p:cNvPr id="24" name="Text Placeholder 7">
             <a:extLst>
               <a:ext uri="{FF2B5EF4-FFF2-40B4-BE49-F238E27FC236}">
-                <a16:creationId xmlns:a16="http://schemas.microsoft.com/office/drawing/2014/main" xmlns="" id="{9228FC83-C11D-47F2-8BDE-B10D125E5E87}"/>
+                <a16:creationId xmlns="" xmlns:a16="http://schemas.microsoft.com/office/drawing/2014/main" id="{9228FC83-C11D-47F2-8BDE-B10D125E5E87}"/>
               </a:ext>
             </a:extLst>
           </p:cNvPr>
@@ -3346,7 +3376,7 @@
           <p:cNvPr id="25" name="Text Placeholder 7">
             <a:extLst>
               <a:ext uri="{FF2B5EF4-FFF2-40B4-BE49-F238E27FC236}">
-                <a16:creationId xmlns:a16="http://schemas.microsoft.com/office/drawing/2014/main" xmlns="" id="{9228FC83-C11D-47F2-8BDE-B10D125E5E87}"/>
+                <a16:creationId xmlns="" xmlns:a16="http://schemas.microsoft.com/office/drawing/2014/main" id="{9228FC83-C11D-47F2-8BDE-B10D125E5E87}"/>
               </a:ext>
             </a:extLst>
           </p:cNvPr>
@@ -3457,7 +3487,7 @@
           <p:cNvPr id="26" name="Text Placeholder 7">
             <a:extLst>
               <a:ext uri="{FF2B5EF4-FFF2-40B4-BE49-F238E27FC236}">
-                <a16:creationId xmlns:a16="http://schemas.microsoft.com/office/drawing/2014/main" xmlns="" id="{9228FC83-C11D-47F2-8BDE-B10D125E5E87}"/>
+                <a16:creationId xmlns="" xmlns:a16="http://schemas.microsoft.com/office/drawing/2014/main" id="{9228FC83-C11D-47F2-8BDE-B10D125E5E87}"/>
               </a:ext>
             </a:extLst>
           </p:cNvPr>
@@ -3644,7 +3674,7 @@
           <p:cNvPr id="6" name="Graphic 17">
             <a:extLst>
               <a:ext uri="{FF2B5EF4-FFF2-40B4-BE49-F238E27FC236}">
-                <a16:creationId xmlns:a16="http://schemas.microsoft.com/office/drawing/2014/main" xmlns="" id="{829BBBD1-ECF6-4131-A3B0-11EFC39DB482}"/>
+                <a16:creationId xmlns="" xmlns:a16="http://schemas.microsoft.com/office/drawing/2014/main" id="{829BBBD1-ECF6-4131-A3B0-11EFC39DB482}"/>
               </a:ext>
             </a:extLst>
           </p:cNvPr>
@@ -3657,7 +3687,7 @@
           <a:blip r:embed="rId2" cstate="print">
             <a:extLst>
               <a:ext uri="{96DAC541-7B7A-43D3-8B79-37D633B846F1}">
-                <asvg:svgBlip xmlns:asvg="http://schemas.microsoft.com/office/drawing/2016/SVG/main" xmlns="" r:embed="rId3"/>
+                <asvg:svgBlip xmlns="" xmlns:asvg="http://schemas.microsoft.com/office/drawing/2016/SVG/main" r:embed="rId3"/>
               </a:ext>
             </a:extLst>
           </a:blip>
@@ -3679,7 +3709,7 @@
           <p:cNvPr id="5" name="Graphic 9">
             <a:extLst>
               <a:ext uri="{FF2B5EF4-FFF2-40B4-BE49-F238E27FC236}">
-                <a16:creationId xmlns:a16="http://schemas.microsoft.com/office/drawing/2014/main" xmlns="" id="{C3D2EC56-D17C-4A75-8178-C69397BC7353}"/>
+                <a16:creationId xmlns="" xmlns:a16="http://schemas.microsoft.com/office/drawing/2014/main" id="{C3D2EC56-D17C-4A75-8178-C69397BC7353}"/>
               </a:ext>
             </a:extLst>
           </p:cNvPr>
@@ -3692,7 +3722,7 @@
           <a:blip r:embed="rId4" cstate="print">
             <a:extLst>
               <a:ext uri="{96DAC541-7B7A-43D3-8B79-37D633B846F1}">
-                <asvg:svgBlip xmlns:asvg="http://schemas.microsoft.com/office/drawing/2016/SVG/main" xmlns="" r:embed="rId5"/>
+                <asvg:svgBlip xmlns="" xmlns:asvg="http://schemas.microsoft.com/office/drawing/2016/SVG/main" r:embed="rId5"/>
               </a:ext>
             </a:extLst>
           </a:blip>
@@ -3715,7 +3745,7 @@
           <p:cNvPr id="14" name="Text Placeholder 13">
             <a:extLst>
               <a:ext uri="{FF2B5EF4-FFF2-40B4-BE49-F238E27FC236}">
-                <a16:creationId xmlns:a16="http://schemas.microsoft.com/office/drawing/2014/main" xmlns="" id="{4252348C-45B4-48E3-B74B-8E834575C8AA}"/>
+                <a16:creationId xmlns="" xmlns:a16="http://schemas.microsoft.com/office/drawing/2014/main" id="{4252348C-45B4-48E3-B74B-8E834575C8AA}"/>
               </a:ext>
             </a:extLst>
           </p:cNvPr>
@@ -3762,7 +3792,7 @@
           <p:cNvPr id="15" name="Text Placeholder 13">
             <a:extLst>
               <a:ext uri="{FF2B5EF4-FFF2-40B4-BE49-F238E27FC236}">
-                <a16:creationId xmlns:a16="http://schemas.microsoft.com/office/drawing/2014/main" xmlns="" id="{97620309-84FF-4D53-AD39-936B55216B4B}"/>
+                <a16:creationId xmlns="" xmlns:a16="http://schemas.microsoft.com/office/drawing/2014/main" id="{97620309-84FF-4D53-AD39-936B55216B4B}"/>
               </a:ext>
             </a:extLst>
           </p:cNvPr>
@@ -3808,6 +3838,466 @@
     <p:extLst>
       <p:ext uri="{BB962C8B-B14F-4D97-AF65-F5344CB8AC3E}">
         <p14:creationId xmlns:p14="http://schemas.microsoft.com/office/powerpoint/2010/main" val="1538613185"/>
+      </p:ext>
+    </p:extLst>
+  </p:cSld>
+  <p:clrMapOvr>
+    <a:masterClrMapping/>
+  </p:clrMapOvr>
+</p:sldLayout>
+</file>
+
+<file path=ppt/slideLayouts/slideLayout14.xml><?xml version="1.0" encoding="utf-8"?>
+<p:sldLayout xmlns:a="http://schemas.openxmlformats.org/drawingml/2006/main" xmlns:r="http://schemas.openxmlformats.org/officeDocument/2006/relationships" xmlns:p="http://schemas.openxmlformats.org/presentationml/2006/main" type="title">
+  <p:cSld name="Title Slide">
+    <p:spTree>
+      <p:nvGrpSpPr>
+        <p:cNvPr id="1" name=""/>
+        <p:cNvGrpSpPr/>
+        <p:nvPr/>
+      </p:nvGrpSpPr>
+      <p:grpSpPr>
+        <a:xfrm>
+          <a:off x="0" y="0"/>
+          <a:ext cx="0" cy="0"/>
+          <a:chOff x="0" y="0"/>
+          <a:chExt cx="0" cy="0"/>
+        </a:xfrm>
+      </p:grpSpPr>
+      <p:sp>
+        <p:nvSpPr>
+          <p:cNvPr id="2" name="Title 1"/>
+          <p:cNvSpPr>
+            <a:spLocks noGrp="1"/>
+          </p:cNvSpPr>
+          <p:nvPr>
+            <p:ph type="ctrTitle"/>
+          </p:nvPr>
+        </p:nvSpPr>
+        <p:spPr>
+          <a:xfrm>
+            <a:off x="914400" y="2130426"/>
+            <a:ext cx="10363200" cy="1470025"/>
+          </a:xfrm>
+        </p:spPr>
+        <p:txBody>
+          <a:bodyPr/>
+          <a:lstStyle/>
+          <a:p>
+            <a:r>
+              <a:rPr lang="en-US" smtClean="0"/>
+              <a:t>Click to edit Master title style</a:t>
+            </a:r>
+            <a:endParaRPr lang="en-US"/>
+          </a:p>
+        </p:txBody>
+      </p:sp>
+      <p:sp>
+        <p:nvSpPr>
+          <p:cNvPr id="3" name="Subtitle 2"/>
+          <p:cNvSpPr>
+            <a:spLocks noGrp="1"/>
+          </p:cNvSpPr>
+          <p:nvPr>
+            <p:ph type="subTitle" idx="1"/>
+          </p:nvPr>
+        </p:nvSpPr>
+        <p:spPr>
+          <a:xfrm>
+            <a:off x="1828800" y="3886200"/>
+            <a:ext cx="8534400" cy="1752600"/>
+          </a:xfrm>
+        </p:spPr>
+        <p:txBody>
+          <a:bodyPr/>
+          <a:lstStyle>
+            <a:lvl1pPr marL="0" indent="0" algn="ctr">
+              <a:buNone/>
+              <a:defRPr>
+                <a:solidFill>
+                  <a:schemeClr val="tx1">
+                    <a:tint val="75000"/>
+                  </a:schemeClr>
+                </a:solidFill>
+              </a:defRPr>
+            </a:lvl1pPr>
+            <a:lvl2pPr marL="457200" indent="0" algn="ctr">
+              <a:buNone/>
+              <a:defRPr>
+                <a:solidFill>
+                  <a:schemeClr val="tx1">
+                    <a:tint val="75000"/>
+                  </a:schemeClr>
+                </a:solidFill>
+              </a:defRPr>
+            </a:lvl2pPr>
+            <a:lvl3pPr marL="914400" indent="0" algn="ctr">
+              <a:buNone/>
+              <a:defRPr>
+                <a:solidFill>
+                  <a:schemeClr val="tx1">
+                    <a:tint val="75000"/>
+                  </a:schemeClr>
+                </a:solidFill>
+              </a:defRPr>
+            </a:lvl3pPr>
+            <a:lvl4pPr marL="1371600" indent="0" algn="ctr">
+              <a:buNone/>
+              <a:defRPr>
+                <a:solidFill>
+                  <a:schemeClr val="tx1">
+                    <a:tint val="75000"/>
+                  </a:schemeClr>
+                </a:solidFill>
+              </a:defRPr>
+            </a:lvl4pPr>
+            <a:lvl5pPr marL="1828800" indent="0" algn="ctr">
+              <a:buNone/>
+              <a:defRPr>
+                <a:solidFill>
+                  <a:schemeClr val="tx1">
+                    <a:tint val="75000"/>
+                  </a:schemeClr>
+                </a:solidFill>
+              </a:defRPr>
+            </a:lvl5pPr>
+            <a:lvl6pPr marL="2286000" indent="0" algn="ctr">
+              <a:buNone/>
+              <a:defRPr>
+                <a:solidFill>
+                  <a:schemeClr val="tx1">
+                    <a:tint val="75000"/>
+                  </a:schemeClr>
+                </a:solidFill>
+              </a:defRPr>
+            </a:lvl6pPr>
+            <a:lvl7pPr marL="2743200" indent="0" algn="ctr">
+              <a:buNone/>
+              <a:defRPr>
+                <a:solidFill>
+                  <a:schemeClr val="tx1">
+                    <a:tint val="75000"/>
+                  </a:schemeClr>
+                </a:solidFill>
+              </a:defRPr>
+            </a:lvl7pPr>
+            <a:lvl8pPr marL="3200400" indent="0" algn="ctr">
+              <a:buNone/>
+              <a:defRPr>
+                <a:solidFill>
+                  <a:schemeClr val="tx1">
+                    <a:tint val="75000"/>
+                  </a:schemeClr>
+                </a:solidFill>
+              </a:defRPr>
+            </a:lvl8pPr>
+            <a:lvl9pPr marL="3657600" indent="0" algn="ctr">
+              <a:buNone/>
+              <a:defRPr>
+                <a:solidFill>
+                  <a:schemeClr val="tx1">
+                    <a:tint val="75000"/>
+                  </a:schemeClr>
+                </a:solidFill>
+              </a:defRPr>
+            </a:lvl9pPr>
+          </a:lstStyle>
+          <a:p>
+            <a:r>
+              <a:rPr lang="en-US" smtClean="0"/>
+              <a:t>Click to edit Master subtitle style</a:t>
+            </a:r>
+            <a:endParaRPr lang="en-US"/>
+          </a:p>
+        </p:txBody>
+      </p:sp>
+      <p:sp>
+        <p:nvSpPr>
+          <p:cNvPr id="4" name="Date Placeholder 3"/>
+          <p:cNvSpPr>
+            <a:spLocks noGrp="1"/>
+          </p:cNvSpPr>
+          <p:nvPr>
+            <p:ph type="dt" sz="half" idx="10"/>
+          </p:nvPr>
+        </p:nvSpPr>
+        <p:spPr>
+          <a:xfrm>
+            <a:off x="609600" y="6356351"/>
+            <a:ext cx="2844800" cy="365125"/>
+          </a:xfrm>
+          <a:prstGeom prst="rect">
+            <a:avLst/>
+          </a:prstGeom>
+        </p:spPr>
+        <p:txBody>
+          <a:bodyPr/>
+          <a:lstStyle/>
+          <a:p>
+            <a:fld id="{C1C96C00-D03B-43EF-821A-C7436DAFE7EF}" type="datetimeFigureOut">
+              <a:rPr lang="en-US" smtClean="0"/>
+              <a:t>3/31/2018</a:t>
+            </a:fld>
+            <a:endParaRPr lang="en-US"/>
+          </a:p>
+        </p:txBody>
+      </p:sp>
+      <p:sp>
+        <p:nvSpPr>
+          <p:cNvPr id="5" name="Footer Placeholder 4"/>
+          <p:cNvSpPr>
+            <a:spLocks noGrp="1"/>
+          </p:cNvSpPr>
+          <p:nvPr>
+            <p:ph type="ftr" sz="quarter" idx="11"/>
+          </p:nvPr>
+        </p:nvSpPr>
+        <p:spPr>
+          <a:xfrm>
+            <a:off x="4165600" y="6356351"/>
+            <a:ext cx="3860800" cy="365125"/>
+          </a:xfrm>
+          <a:prstGeom prst="rect">
+            <a:avLst/>
+          </a:prstGeom>
+        </p:spPr>
+        <p:txBody>
+          <a:bodyPr/>
+          <a:lstStyle/>
+          <a:p>
+            <a:endParaRPr lang="en-US"/>
+          </a:p>
+        </p:txBody>
+      </p:sp>
+      <p:sp>
+        <p:nvSpPr>
+          <p:cNvPr id="6" name="Slide Number Placeholder 5"/>
+          <p:cNvSpPr>
+            <a:spLocks noGrp="1"/>
+          </p:cNvSpPr>
+          <p:nvPr>
+            <p:ph type="sldNum" sz="quarter" idx="12"/>
+          </p:nvPr>
+        </p:nvSpPr>
+        <p:spPr>
+          <a:xfrm>
+            <a:off x="8737600" y="6356351"/>
+            <a:ext cx="2844800" cy="365125"/>
+          </a:xfrm>
+          <a:prstGeom prst="rect">
+            <a:avLst/>
+          </a:prstGeom>
+        </p:spPr>
+        <p:txBody>
+          <a:bodyPr/>
+          <a:lstStyle/>
+          <a:p>
+            <a:fld id="{9210D1FB-BF16-455B-913F-8E9DADC69FA5}" type="slidenum">
+              <a:rPr lang="en-US" smtClean="0"/>
+              <a:t>‹#›</a:t>
+            </a:fld>
+            <a:endParaRPr lang="en-US"/>
+          </a:p>
+        </p:txBody>
+      </p:sp>
+    </p:spTree>
+    <p:extLst>
+      <p:ext uri="{BB962C8B-B14F-4D97-AF65-F5344CB8AC3E}">
+        <p14:creationId xmlns:p14="http://schemas.microsoft.com/office/powerpoint/2010/main" val="2668717314"/>
+      </p:ext>
+    </p:extLst>
+  </p:cSld>
+  <p:clrMapOvr>
+    <a:masterClrMapping/>
+  </p:clrMapOvr>
+</p:sldLayout>
+</file>
+
+<file path=ppt/slideLayouts/slideLayout15.xml><?xml version="1.0" encoding="utf-8"?>
+<p:sldLayout xmlns:a="http://schemas.openxmlformats.org/drawingml/2006/main" xmlns:r="http://schemas.openxmlformats.org/officeDocument/2006/relationships" xmlns:p="http://schemas.openxmlformats.org/presentationml/2006/main" type="obj">
+  <p:cSld name="Title and Content">
+    <p:spTree>
+      <p:nvGrpSpPr>
+        <p:cNvPr id="1" name=""/>
+        <p:cNvGrpSpPr/>
+        <p:nvPr/>
+      </p:nvGrpSpPr>
+      <p:grpSpPr>
+        <a:xfrm>
+          <a:off x="0" y="0"/>
+          <a:ext cx="0" cy="0"/>
+          <a:chOff x="0" y="0"/>
+          <a:chExt cx="0" cy="0"/>
+        </a:xfrm>
+      </p:grpSpPr>
+      <p:sp>
+        <p:nvSpPr>
+          <p:cNvPr id="2" name="Title 1"/>
+          <p:cNvSpPr>
+            <a:spLocks noGrp="1"/>
+          </p:cNvSpPr>
+          <p:nvPr>
+            <p:ph type="title"/>
+          </p:nvPr>
+        </p:nvSpPr>
+        <p:spPr/>
+        <p:txBody>
+          <a:bodyPr/>
+          <a:lstStyle/>
+          <a:p>
+            <a:r>
+              <a:rPr lang="en-US" smtClean="0"/>
+              <a:t>Click to edit Master title style</a:t>
+            </a:r>
+            <a:endParaRPr lang="en-US"/>
+          </a:p>
+        </p:txBody>
+      </p:sp>
+      <p:sp>
+        <p:nvSpPr>
+          <p:cNvPr id="3" name="Content Placeholder 2"/>
+          <p:cNvSpPr>
+            <a:spLocks noGrp="1"/>
+          </p:cNvSpPr>
+          <p:nvPr>
+            <p:ph idx="1"/>
+          </p:nvPr>
+        </p:nvSpPr>
+        <p:spPr/>
+        <p:txBody>
+          <a:bodyPr/>
+          <a:lstStyle/>
+          <a:p>
+            <a:pPr lvl="0"/>
+            <a:r>
+              <a:rPr lang="en-US" smtClean="0"/>
+              <a:t>Click to edit Master text styles</a:t>
+            </a:r>
+          </a:p>
+          <a:p>
+            <a:pPr lvl="1"/>
+            <a:r>
+              <a:rPr lang="en-US" smtClean="0"/>
+              <a:t>Second level</a:t>
+            </a:r>
+          </a:p>
+          <a:p>
+            <a:pPr lvl="2"/>
+            <a:r>
+              <a:rPr lang="en-US" smtClean="0"/>
+              <a:t>Third level</a:t>
+            </a:r>
+          </a:p>
+          <a:p>
+            <a:pPr lvl="3"/>
+            <a:r>
+              <a:rPr lang="en-US" smtClean="0"/>
+              <a:t>Fourth level</a:t>
+            </a:r>
+          </a:p>
+          <a:p>
+            <a:pPr lvl="4"/>
+            <a:r>
+              <a:rPr lang="en-US" smtClean="0"/>
+              <a:t>Fifth level</a:t>
+            </a:r>
+            <a:endParaRPr lang="en-US"/>
+          </a:p>
+        </p:txBody>
+      </p:sp>
+      <p:sp>
+        <p:nvSpPr>
+          <p:cNvPr id="4" name="Date Placeholder 3"/>
+          <p:cNvSpPr>
+            <a:spLocks noGrp="1"/>
+          </p:cNvSpPr>
+          <p:nvPr>
+            <p:ph type="dt" sz="half" idx="10"/>
+          </p:nvPr>
+        </p:nvSpPr>
+        <p:spPr>
+          <a:xfrm>
+            <a:off x="609600" y="6356351"/>
+            <a:ext cx="2844800" cy="365125"/>
+          </a:xfrm>
+          <a:prstGeom prst="rect">
+            <a:avLst/>
+          </a:prstGeom>
+        </p:spPr>
+        <p:txBody>
+          <a:bodyPr/>
+          <a:lstStyle/>
+          <a:p>
+            <a:fld id="{C1C96C00-D03B-43EF-821A-C7436DAFE7EF}" type="datetimeFigureOut">
+              <a:rPr lang="en-US" smtClean="0"/>
+              <a:t>3/31/2018</a:t>
+            </a:fld>
+            <a:endParaRPr lang="en-US"/>
+          </a:p>
+        </p:txBody>
+      </p:sp>
+      <p:sp>
+        <p:nvSpPr>
+          <p:cNvPr id="5" name="Footer Placeholder 4"/>
+          <p:cNvSpPr>
+            <a:spLocks noGrp="1"/>
+          </p:cNvSpPr>
+          <p:nvPr>
+            <p:ph type="ftr" sz="quarter" idx="11"/>
+          </p:nvPr>
+        </p:nvSpPr>
+        <p:spPr>
+          <a:xfrm>
+            <a:off x="4165600" y="6356351"/>
+            <a:ext cx="3860800" cy="365125"/>
+          </a:xfrm>
+          <a:prstGeom prst="rect">
+            <a:avLst/>
+          </a:prstGeom>
+        </p:spPr>
+        <p:txBody>
+          <a:bodyPr/>
+          <a:lstStyle/>
+          <a:p>
+            <a:endParaRPr lang="en-US"/>
+          </a:p>
+        </p:txBody>
+      </p:sp>
+      <p:sp>
+        <p:nvSpPr>
+          <p:cNvPr id="6" name="Slide Number Placeholder 5"/>
+          <p:cNvSpPr>
+            <a:spLocks noGrp="1"/>
+          </p:cNvSpPr>
+          <p:nvPr>
+            <p:ph type="sldNum" sz="quarter" idx="12"/>
+          </p:nvPr>
+        </p:nvSpPr>
+        <p:spPr>
+          <a:xfrm>
+            <a:off x="8737600" y="6356351"/>
+            <a:ext cx="2844800" cy="365125"/>
+          </a:xfrm>
+          <a:prstGeom prst="rect">
+            <a:avLst/>
+          </a:prstGeom>
+        </p:spPr>
+        <p:txBody>
+          <a:bodyPr/>
+          <a:lstStyle/>
+          <a:p>
+            <a:fld id="{9210D1FB-BF16-455B-913F-8E9DADC69FA5}" type="slidenum">
+              <a:rPr lang="en-US" smtClean="0"/>
+              <a:t>‹#›</a:t>
+            </a:fld>
+            <a:endParaRPr lang="en-US"/>
+          </a:p>
+        </p:txBody>
+      </p:sp>
+    </p:spTree>
+    <p:extLst>
+      <p:ext uri="{BB962C8B-B14F-4D97-AF65-F5344CB8AC3E}">
+        <p14:creationId xmlns:p14="http://schemas.microsoft.com/office/powerpoint/2010/main" val="2217949172"/>
       </p:ext>
     </p:extLst>
   </p:cSld>
@@ -3893,7 +4383,7 @@
           <p:cNvPr id="10" name="Text Placeholder 13">
             <a:extLst>
               <a:ext uri="{FF2B5EF4-FFF2-40B4-BE49-F238E27FC236}">
-                <a16:creationId xmlns:a16="http://schemas.microsoft.com/office/drawing/2014/main" xmlns="" id="{7D1DC75A-C7A4-44A4-B19C-D445335545B0}"/>
+                <a16:creationId xmlns="" xmlns:a16="http://schemas.microsoft.com/office/drawing/2014/main" id="{7D1DC75A-C7A4-44A4-B19C-D445335545B0}"/>
               </a:ext>
             </a:extLst>
           </p:cNvPr>
@@ -3948,7 +4438,7 @@
           <p:cNvPr id="11" name="Text Placeholder 13">
             <a:extLst>
               <a:ext uri="{FF2B5EF4-FFF2-40B4-BE49-F238E27FC236}">
-                <a16:creationId xmlns:a16="http://schemas.microsoft.com/office/drawing/2014/main" xmlns="" id="{563879A0-0979-491A-8758-371BB7AD935B}"/>
+                <a16:creationId xmlns="" xmlns:a16="http://schemas.microsoft.com/office/drawing/2014/main" id="{563879A0-0979-491A-8758-371BB7AD935B}"/>
               </a:ext>
             </a:extLst>
           </p:cNvPr>
@@ -4095,7 +4585,7 @@
           <p:cNvPr id="9" name="Graphic 9">
             <a:extLst>
               <a:ext uri="{FF2B5EF4-FFF2-40B4-BE49-F238E27FC236}">
-                <a16:creationId xmlns:a16="http://schemas.microsoft.com/office/drawing/2014/main" xmlns="" id="{C3D2EC56-D17C-4A75-8178-C69397BC7353}"/>
+                <a16:creationId xmlns="" xmlns:a16="http://schemas.microsoft.com/office/drawing/2014/main" id="{C3D2EC56-D17C-4A75-8178-C69397BC7353}"/>
               </a:ext>
             </a:extLst>
           </p:cNvPr>
@@ -4108,7 +4598,7 @@
           <a:blip r:embed="rId2" cstate="print">
             <a:extLst>
               <a:ext uri="{96DAC541-7B7A-43D3-8B79-37D633B846F1}">
-                <asvg:svgBlip xmlns:asvg="http://schemas.microsoft.com/office/drawing/2016/SVG/main" xmlns="" r:embed="rId3"/>
+                <asvg:svgBlip xmlns="" xmlns:asvg="http://schemas.microsoft.com/office/drawing/2016/SVG/main" r:embed="rId3"/>
               </a:ext>
             </a:extLst>
           </a:blip>
@@ -4215,7 +4705,7 @@
           <p:cNvPr id="12" name="Picture Placeholder 11">
             <a:extLst>
               <a:ext uri="{FF2B5EF4-FFF2-40B4-BE49-F238E27FC236}">
-                <a16:creationId xmlns:a16="http://schemas.microsoft.com/office/drawing/2014/main" xmlns="" id="{25D6B527-14EF-4F30-9C9C-691EC4327EE7}"/>
+                <a16:creationId xmlns="" xmlns:a16="http://schemas.microsoft.com/office/drawing/2014/main" id="{25D6B527-14EF-4F30-9C9C-691EC4327EE7}"/>
               </a:ext>
             </a:extLst>
           </p:cNvPr>
@@ -4253,7 +4743,7 @@
           <p:cNvPr id="14" name="Text Placeholder 13">
             <a:extLst>
               <a:ext uri="{FF2B5EF4-FFF2-40B4-BE49-F238E27FC236}">
-                <a16:creationId xmlns:a16="http://schemas.microsoft.com/office/drawing/2014/main" xmlns="" id="{B83CBA49-BBF9-4CF0-9E0B-FF67BA149660}"/>
+                <a16:creationId xmlns="" xmlns:a16="http://schemas.microsoft.com/office/drawing/2014/main" id="{B83CBA49-BBF9-4CF0-9E0B-FF67BA149660}"/>
               </a:ext>
             </a:extLst>
           </p:cNvPr>
@@ -4308,7 +4798,7 @@
           <p:cNvPr id="15" name="Text Placeholder 13">
             <a:extLst>
               <a:ext uri="{FF2B5EF4-FFF2-40B4-BE49-F238E27FC236}">
-                <a16:creationId xmlns:a16="http://schemas.microsoft.com/office/drawing/2014/main" xmlns="" id="{F4C94DDB-5E07-4F17-ABAA-3E9C5E8683A1}"/>
+                <a16:creationId xmlns="" xmlns:a16="http://schemas.microsoft.com/office/drawing/2014/main" id="{F4C94DDB-5E07-4F17-ABAA-3E9C5E8683A1}"/>
               </a:ext>
             </a:extLst>
           </p:cNvPr>
@@ -4363,7 +4853,7 @@
           <p:cNvPr id="9" name="Graphic 9">
             <a:extLst>
               <a:ext uri="{FF2B5EF4-FFF2-40B4-BE49-F238E27FC236}">
-                <a16:creationId xmlns:a16="http://schemas.microsoft.com/office/drawing/2014/main" xmlns="" id="{C3D2EC56-D17C-4A75-8178-C69397BC7353}"/>
+                <a16:creationId xmlns="" xmlns:a16="http://schemas.microsoft.com/office/drawing/2014/main" id="{C3D2EC56-D17C-4A75-8178-C69397BC7353}"/>
               </a:ext>
             </a:extLst>
           </p:cNvPr>
@@ -4376,7 +4866,7 @@
           <a:blip r:embed="rId2" cstate="print">
             <a:extLst>
               <a:ext uri="{96DAC541-7B7A-43D3-8B79-37D633B846F1}">
-                <asvg:svgBlip xmlns:asvg="http://schemas.microsoft.com/office/drawing/2016/SVG/main" xmlns="" r:embed="rId3"/>
+                <asvg:svgBlip xmlns="" xmlns:asvg="http://schemas.microsoft.com/office/drawing/2016/SVG/main" r:embed="rId3"/>
               </a:ext>
             </a:extLst>
           </a:blip>
@@ -4637,7 +5127,7 @@
           <p:cNvPr id="7" name="Text Placeholder 13">
             <a:extLst>
               <a:ext uri="{FF2B5EF4-FFF2-40B4-BE49-F238E27FC236}">
-                <a16:creationId xmlns:a16="http://schemas.microsoft.com/office/drawing/2014/main" xmlns="" id="{5C674D03-4995-4743-8CE4-61CF32CFBDDE}"/>
+                <a16:creationId xmlns="" xmlns:a16="http://schemas.microsoft.com/office/drawing/2014/main" id="{5C674D03-4995-4743-8CE4-61CF32CFBDDE}"/>
               </a:ext>
             </a:extLst>
           </p:cNvPr>
@@ -4697,7 +5187,7 @@
           <p:cNvPr id="11" name="Graphic 4">
             <a:extLst>
               <a:ext uri="{FF2B5EF4-FFF2-40B4-BE49-F238E27FC236}">
-                <a16:creationId xmlns:a16="http://schemas.microsoft.com/office/drawing/2014/main" xmlns="" id="{25EEA1D4-3AF7-42D7-AE97-AE404AECFAEB}"/>
+                <a16:creationId xmlns="" xmlns:a16="http://schemas.microsoft.com/office/drawing/2014/main" id="{25EEA1D4-3AF7-42D7-AE97-AE404AECFAEB}"/>
               </a:ext>
             </a:extLst>
           </p:cNvPr>
@@ -4710,7 +5200,7 @@
           <a:blip r:embed="rId2" cstate="print">
             <a:extLst>
               <a:ext uri="{96DAC541-7B7A-43D3-8B79-37D633B846F1}">
-                <asvg:svgBlip xmlns:asvg="http://schemas.microsoft.com/office/drawing/2016/SVG/main" xmlns="" r:embed="rId3"/>
+                <asvg:svgBlip xmlns="" xmlns:asvg="http://schemas.microsoft.com/office/drawing/2016/SVG/main" r:embed="rId3"/>
               </a:ext>
             </a:extLst>
           </a:blip>
@@ -4767,7 +5257,7 @@
           <p:cNvPr id="8" name="Graphic 7">
             <a:extLst>
               <a:ext uri="{FF2B5EF4-FFF2-40B4-BE49-F238E27FC236}">
-                <a16:creationId xmlns:a16="http://schemas.microsoft.com/office/drawing/2014/main" xmlns="" id="{E94103CC-22C5-4F38-9B77-3524E8A553F9}"/>
+                <a16:creationId xmlns="" xmlns:a16="http://schemas.microsoft.com/office/drawing/2014/main" id="{E94103CC-22C5-4F38-9B77-3524E8A553F9}"/>
               </a:ext>
             </a:extLst>
           </p:cNvPr>
@@ -4780,7 +5270,7 @@
           <a:blip r:embed="rId2" cstate="print">
             <a:extLst>
               <a:ext uri="{96DAC541-7B7A-43D3-8B79-37D633B846F1}">
-                <asvg:svgBlip xmlns:asvg="http://schemas.microsoft.com/office/drawing/2016/SVG/main" xmlns="" r:embed="rId3"/>
+                <asvg:svgBlip xmlns="" xmlns:asvg="http://schemas.microsoft.com/office/drawing/2016/SVG/main" r:embed="rId3"/>
               </a:ext>
             </a:extLst>
           </a:blip>
@@ -4802,7 +5292,7 @@
           <p:cNvPr id="50" name="Text Placeholder 7">
             <a:extLst>
               <a:ext uri="{FF2B5EF4-FFF2-40B4-BE49-F238E27FC236}">
-                <a16:creationId xmlns:a16="http://schemas.microsoft.com/office/drawing/2014/main" xmlns="" id="{4E956B68-B273-4648-AC4B-C9A05A745160}"/>
+                <a16:creationId xmlns="" xmlns:a16="http://schemas.microsoft.com/office/drawing/2014/main" id="{4E956B68-B273-4648-AC4B-C9A05A745160}"/>
               </a:ext>
             </a:extLst>
           </p:cNvPr>
@@ -4899,7 +5389,7 @@
           <p:cNvPr id="51" name="Text Placeholder 7">
             <a:extLst>
               <a:ext uri="{FF2B5EF4-FFF2-40B4-BE49-F238E27FC236}">
-                <a16:creationId xmlns:a16="http://schemas.microsoft.com/office/drawing/2014/main" xmlns="" id="{F12D7C74-E8A0-4A7D-95DA-A14111669514}"/>
+                <a16:creationId xmlns="" xmlns:a16="http://schemas.microsoft.com/office/drawing/2014/main" id="{F12D7C74-E8A0-4A7D-95DA-A14111669514}"/>
               </a:ext>
             </a:extLst>
           </p:cNvPr>
@@ -4996,7 +5486,7 @@
           <p:cNvPr id="49" name="Picture Placeholder 48">
             <a:extLst>
               <a:ext uri="{FF2B5EF4-FFF2-40B4-BE49-F238E27FC236}">
-                <a16:creationId xmlns:a16="http://schemas.microsoft.com/office/drawing/2014/main" xmlns="" id="{4212BD44-DEDF-4B08-8824-204652F9616E}"/>
+                <a16:creationId xmlns="" xmlns:a16="http://schemas.microsoft.com/office/drawing/2014/main" id="{4212BD44-DEDF-4B08-8824-204652F9616E}"/>
               </a:ext>
             </a:extLst>
           </p:cNvPr>
@@ -5033,7 +5523,7 @@
           <p:cNvPr id="52" name="Text Placeholder 7">
             <a:extLst>
               <a:ext uri="{FF2B5EF4-FFF2-40B4-BE49-F238E27FC236}">
-                <a16:creationId xmlns:a16="http://schemas.microsoft.com/office/drawing/2014/main" xmlns="" id="{92D6AE9D-467E-46C0-B32B-79A9B07CDD13}"/>
+                <a16:creationId xmlns="" xmlns:a16="http://schemas.microsoft.com/office/drawing/2014/main" id="{92D6AE9D-467E-46C0-B32B-79A9B07CDD13}"/>
               </a:ext>
             </a:extLst>
           </p:cNvPr>
@@ -5130,7 +5620,7 @@
           <p:cNvPr id="7" name="Title Placeholder 1">
             <a:extLst>
               <a:ext uri="{FF2B5EF4-FFF2-40B4-BE49-F238E27FC236}">
-                <a16:creationId xmlns:a16="http://schemas.microsoft.com/office/drawing/2014/main" xmlns="" id="{552BBB0A-405D-419D-8BD5-EC8D9F84B795}"/>
+                <a16:creationId xmlns="" xmlns:a16="http://schemas.microsoft.com/office/drawing/2014/main" id="{552BBB0A-405D-419D-8BD5-EC8D9F84B795}"/>
               </a:ext>
             </a:extLst>
           </p:cNvPr>
@@ -5178,7 +5668,7 @@
           <p:cNvPr id="9" name="Graphic 4">
             <a:extLst>
               <a:ext uri="{FF2B5EF4-FFF2-40B4-BE49-F238E27FC236}">
-                <a16:creationId xmlns:a16="http://schemas.microsoft.com/office/drawing/2014/main" xmlns="" id="{D67A1EFD-D78D-4138-B2FE-E0A098B59C34}"/>
+                <a16:creationId xmlns="" xmlns:a16="http://schemas.microsoft.com/office/drawing/2014/main" id="{D67A1EFD-D78D-4138-B2FE-E0A098B59C34}"/>
               </a:ext>
             </a:extLst>
           </p:cNvPr>
@@ -5191,7 +5681,7 @@
           <a:blip r:embed="rId4" cstate="print">
             <a:extLst>
               <a:ext uri="{96DAC541-7B7A-43D3-8B79-37D633B846F1}">
-                <asvg:svgBlip xmlns:asvg="http://schemas.microsoft.com/office/drawing/2016/SVG/main" xmlns="" r:embed="rId5"/>
+                <asvg:svgBlip xmlns="" xmlns:asvg="http://schemas.microsoft.com/office/drawing/2016/SVG/main" r:embed="rId5"/>
               </a:ext>
             </a:extLst>
           </a:blip>
@@ -5213,7 +5703,7 @@
           <p:cNvPr id="11" name="Conector reto 49">
             <a:extLst>
               <a:ext uri="{FF2B5EF4-FFF2-40B4-BE49-F238E27FC236}">
-                <a16:creationId xmlns:a16="http://schemas.microsoft.com/office/drawing/2014/main" xmlns="" id="{6B6D7F6B-C184-4C2B-8EB7-067E0C1E8DF2}"/>
+                <a16:creationId xmlns="" xmlns:a16="http://schemas.microsoft.com/office/drawing/2014/main" id="{6B6D7F6B-C184-4C2B-8EB7-067E0C1E8DF2}"/>
               </a:ext>
             </a:extLst>
           </p:cNvPr>
@@ -5261,7 +5751,7 @@
             <a:hlinkClick r:id="rId6"/>
             <a:extLst>
               <a:ext uri="{FF2B5EF4-FFF2-40B4-BE49-F238E27FC236}">
-                <a16:creationId xmlns:a16="http://schemas.microsoft.com/office/drawing/2014/main" xmlns="" id="{F376ABD1-4930-42EB-9A73-9A9C7C6BF2D3}"/>
+                <a16:creationId xmlns="" xmlns:a16="http://schemas.microsoft.com/office/drawing/2014/main" id="{F376ABD1-4930-42EB-9A73-9A9C7C6BF2D3}"/>
               </a:ext>
             </a:extLst>
           </p:cNvPr>
@@ -5307,7 +5797,7 @@
           <p:cNvPr id="13" name="Retângulo 43">
             <a:extLst>
               <a:ext uri="{FF2B5EF4-FFF2-40B4-BE49-F238E27FC236}">
-                <a16:creationId xmlns:a16="http://schemas.microsoft.com/office/drawing/2014/main" xmlns="" id="{25FC8637-25BD-4C09-AF25-56B4243DAB3D}"/>
+                <a16:creationId xmlns="" xmlns:a16="http://schemas.microsoft.com/office/drawing/2014/main" id="{25FC8637-25BD-4C09-AF25-56B4243DAB3D}"/>
               </a:ext>
             </a:extLst>
           </p:cNvPr>
@@ -5354,7 +5844,7 @@
           <p:cNvPr id="14" name="Retângulo 43">
             <a:extLst>
               <a:ext uri="{FF2B5EF4-FFF2-40B4-BE49-F238E27FC236}">
-                <a16:creationId xmlns:a16="http://schemas.microsoft.com/office/drawing/2014/main" xmlns="" id="{834ADCB4-BFB1-450D-8F6D-64217F4CD92C}"/>
+                <a16:creationId xmlns="" xmlns:a16="http://schemas.microsoft.com/office/drawing/2014/main" id="{834ADCB4-BFB1-450D-8F6D-64217F4CD92C}"/>
               </a:ext>
             </a:extLst>
           </p:cNvPr>
@@ -5434,7 +5924,7 @@
           <p:cNvPr id="10" name="Text Placeholder 13">
             <a:extLst>
               <a:ext uri="{FF2B5EF4-FFF2-40B4-BE49-F238E27FC236}">
-                <a16:creationId xmlns:a16="http://schemas.microsoft.com/office/drawing/2014/main" xmlns="" id="{7D1DC75A-C7A4-44A4-B19C-D445335545B0}"/>
+                <a16:creationId xmlns="" xmlns:a16="http://schemas.microsoft.com/office/drawing/2014/main" id="{7D1DC75A-C7A4-44A4-B19C-D445335545B0}"/>
               </a:ext>
             </a:extLst>
           </p:cNvPr>
@@ -5495,7 +5985,7 @@
           <p:cNvPr id="11" name="Text Placeholder 13">
             <a:extLst>
               <a:ext uri="{FF2B5EF4-FFF2-40B4-BE49-F238E27FC236}">
-                <a16:creationId xmlns:a16="http://schemas.microsoft.com/office/drawing/2014/main" xmlns="" id="{563879A0-0979-491A-8758-371BB7AD935B}"/>
+                <a16:creationId xmlns="" xmlns:a16="http://schemas.microsoft.com/office/drawing/2014/main" id="{563879A0-0979-491A-8758-371BB7AD935B}"/>
               </a:ext>
             </a:extLst>
           </p:cNvPr>
@@ -5553,7 +6043,7 @@
           <p:cNvPr id="9" name="Group 8">
             <a:extLst>
               <a:ext uri="{FF2B5EF4-FFF2-40B4-BE49-F238E27FC236}">
-                <a16:creationId xmlns:a16="http://schemas.microsoft.com/office/drawing/2014/main" xmlns="" id="{A76958A6-8FB1-445D-BB17-D619DC39E089}"/>
+                <a16:creationId xmlns="" xmlns:a16="http://schemas.microsoft.com/office/drawing/2014/main" id="{A76958A6-8FB1-445D-BB17-D619DC39E089}"/>
               </a:ext>
             </a:extLst>
           </p:cNvPr>
@@ -5573,7 +6063,7 @@
             <p:cNvPr id="12" name="Freeform: Shape 11">
               <a:extLst>
                 <a:ext uri="{FF2B5EF4-FFF2-40B4-BE49-F238E27FC236}">
-                  <a16:creationId xmlns:a16="http://schemas.microsoft.com/office/drawing/2014/main" xmlns="" id="{3C37792F-39D6-4A1F-BE84-103229E3E4C7}"/>
+                  <a16:creationId xmlns="" xmlns:a16="http://schemas.microsoft.com/office/drawing/2014/main" id="{3C37792F-39D6-4A1F-BE84-103229E3E4C7}"/>
                 </a:ext>
               </a:extLst>
             </p:cNvPr>
@@ -5864,7 +6354,7 @@
             <p:cNvPr id="13" name="Freeform 10">
               <a:extLst>
                 <a:ext uri="{FF2B5EF4-FFF2-40B4-BE49-F238E27FC236}">
-                  <a16:creationId xmlns:a16="http://schemas.microsoft.com/office/drawing/2014/main" xmlns="" id="{D9D750E2-E6DE-4123-9001-1391D1C49BBA}"/>
+                  <a16:creationId xmlns="" xmlns:a16="http://schemas.microsoft.com/office/drawing/2014/main" id="{D9D750E2-E6DE-4123-9001-1391D1C49BBA}"/>
                 </a:ext>
               </a:extLst>
             </p:cNvPr>
@@ -6015,7 +6505,7 @@
             <p:cNvPr id="14" name="Freeform 11">
               <a:extLst>
                 <a:ext uri="{FF2B5EF4-FFF2-40B4-BE49-F238E27FC236}">
-                  <a16:creationId xmlns:a16="http://schemas.microsoft.com/office/drawing/2014/main" xmlns="" id="{53936070-5445-4D5B-B6F0-A72D3CC87FBE}"/>
+                  <a16:creationId xmlns="" xmlns:a16="http://schemas.microsoft.com/office/drawing/2014/main" id="{53936070-5445-4D5B-B6F0-A72D3CC87FBE}"/>
                 </a:ext>
               </a:extLst>
             </p:cNvPr>
@@ -6197,7 +6687,7 @@
           <p:cNvPr id="8" name="Retângulo 43">
             <a:extLst>
               <a:ext uri="{FF2B5EF4-FFF2-40B4-BE49-F238E27FC236}">
-                <a16:creationId xmlns:a16="http://schemas.microsoft.com/office/drawing/2014/main" xmlns="" id="{834ADCB4-BFB1-450D-8F6D-64217F4CD92C}"/>
+                <a16:creationId xmlns="" xmlns:a16="http://schemas.microsoft.com/office/drawing/2014/main" id="{834ADCB4-BFB1-450D-8F6D-64217F4CD92C}"/>
               </a:ext>
             </a:extLst>
           </p:cNvPr>
@@ -6237,7 +6727,7 @@
           <p:cNvPr id="15" name="Retângulo 43">
             <a:extLst>
               <a:ext uri="{FF2B5EF4-FFF2-40B4-BE49-F238E27FC236}">
-                <a16:creationId xmlns:a16="http://schemas.microsoft.com/office/drawing/2014/main" xmlns="" id="{25FC8637-25BD-4C09-AF25-56B4243DAB3D}"/>
+                <a16:creationId xmlns="" xmlns:a16="http://schemas.microsoft.com/office/drawing/2014/main" id="{25FC8637-25BD-4C09-AF25-56B4243DAB3D}"/>
               </a:ext>
             </a:extLst>
           </p:cNvPr>
@@ -6285,7 +6775,7 @@
             <a:hlinkClick r:id="rId2"/>
             <a:extLst>
               <a:ext uri="{FF2B5EF4-FFF2-40B4-BE49-F238E27FC236}">
-                <a16:creationId xmlns:a16="http://schemas.microsoft.com/office/drawing/2014/main" xmlns="" id="{F376ABD1-4930-42EB-9A73-9A9C7C6BF2D3}"/>
+                <a16:creationId xmlns="" xmlns:a16="http://schemas.microsoft.com/office/drawing/2014/main" id="{F376ABD1-4930-42EB-9A73-9A9C7C6BF2D3}"/>
               </a:ext>
             </a:extLst>
           </p:cNvPr>
@@ -6361,7 +6851,7 @@
           <p:cNvPr id="3" name="Retângulo 43">
             <a:extLst>
               <a:ext uri="{FF2B5EF4-FFF2-40B4-BE49-F238E27FC236}">
-                <a16:creationId xmlns:a16="http://schemas.microsoft.com/office/drawing/2014/main" xmlns="" id="{25FC8637-25BD-4C09-AF25-56B4243DAB3D}"/>
+                <a16:creationId xmlns="" xmlns:a16="http://schemas.microsoft.com/office/drawing/2014/main" id="{25FC8637-25BD-4C09-AF25-56B4243DAB3D}"/>
               </a:ext>
             </a:extLst>
           </p:cNvPr>
@@ -6414,7 +6904,7 @@
           <p:cNvPr id="7" name="Conector reto 49">
             <a:extLst>
               <a:ext uri="{FF2B5EF4-FFF2-40B4-BE49-F238E27FC236}">
-                <a16:creationId xmlns:a16="http://schemas.microsoft.com/office/drawing/2014/main" xmlns="" id="{6B6D7F6B-C184-4C2B-8EB7-067E0C1E8DF2}"/>
+                <a16:creationId xmlns="" xmlns:a16="http://schemas.microsoft.com/office/drawing/2014/main" id="{6B6D7F6B-C184-4C2B-8EB7-067E0C1E8DF2}"/>
               </a:ext>
             </a:extLst>
           </p:cNvPr>
@@ -6462,7 +6952,7 @@
             <a:hlinkClick r:id="rId2"/>
             <a:extLst>
               <a:ext uri="{FF2B5EF4-FFF2-40B4-BE49-F238E27FC236}">
-                <a16:creationId xmlns:a16="http://schemas.microsoft.com/office/drawing/2014/main" xmlns="" id="{F376ABD1-4930-42EB-9A73-9A9C7C6BF2D3}"/>
+                <a16:creationId xmlns="" xmlns:a16="http://schemas.microsoft.com/office/drawing/2014/main" id="{F376ABD1-4930-42EB-9A73-9A9C7C6BF2D3}"/>
               </a:ext>
             </a:extLst>
           </p:cNvPr>
@@ -6508,7 +6998,7 @@
           <p:cNvPr id="9" name="Retângulo 43">
             <a:extLst>
               <a:ext uri="{FF2B5EF4-FFF2-40B4-BE49-F238E27FC236}">
-                <a16:creationId xmlns:a16="http://schemas.microsoft.com/office/drawing/2014/main" xmlns="" id="{834ADCB4-BFB1-450D-8F6D-64217F4CD92C}"/>
+                <a16:creationId xmlns="" xmlns:a16="http://schemas.microsoft.com/office/drawing/2014/main" id="{834ADCB4-BFB1-450D-8F6D-64217F4CD92C}"/>
               </a:ext>
             </a:extLst>
           </p:cNvPr>
@@ -6626,7 +7116,7 @@
           <p:cNvPr id="3" name="Retângulo 43">
             <a:extLst>
               <a:ext uri="{FF2B5EF4-FFF2-40B4-BE49-F238E27FC236}">
-                <a16:creationId xmlns:a16="http://schemas.microsoft.com/office/drawing/2014/main" xmlns="" id="{25FC8637-25BD-4C09-AF25-56B4243DAB3D}"/>
+                <a16:creationId xmlns="" xmlns:a16="http://schemas.microsoft.com/office/drawing/2014/main" id="{25FC8637-25BD-4C09-AF25-56B4243DAB3D}"/>
               </a:ext>
             </a:extLst>
           </p:cNvPr>
@@ -6679,7 +7169,7 @@
           <p:cNvPr id="8" name="Conector reto 49">
             <a:extLst>
               <a:ext uri="{FF2B5EF4-FFF2-40B4-BE49-F238E27FC236}">
-                <a16:creationId xmlns:a16="http://schemas.microsoft.com/office/drawing/2014/main" xmlns="" id="{6B6D7F6B-C184-4C2B-8EB7-067E0C1E8DF2}"/>
+                <a16:creationId xmlns="" xmlns:a16="http://schemas.microsoft.com/office/drawing/2014/main" id="{6B6D7F6B-C184-4C2B-8EB7-067E0C1E8DF2}"/>
               </a:ext>
             </a:extLst>
           </p:cNvPr>
@@ -6727,7 +7217,7 @@
             <a:hlinkClick r:id="rId2"/>
             <a:extLst>
               <a:ext uri="{FF2B5EF4-FFF2-40B4-BE49-F238E27FC236}">
-                <a16:creationId xmlns:a16="http://schemas.microsoft.com/office/drawing/2014/main" xmlns="" id="{F376ABD1-4930-42EB-9A73-9A9C7C6BF2D3}"/>
+                <a16:creationId xmlns="" xmlns:a16="http://schemas.microsoft.com/office/drawing/2014/main" id="{F376ABD1-4930-42EB-9A73-9A9C7C6BF2D3}"/>
               </a:ext>
             </a:extLst>
           </p:cNvPr>
@@ -6773,7 +7263,7 @@
           <p:cNvPr id="10" name="Retângulo 43">
             <a:extLst>
               <a:ext uri="{FF2B5EF4-FFF2-40B4-BE49-F238E27FC236}">
-                <a16:creationId xmlns:a16="http://schemas.microsoft.com/office/drawing/2014/main" xmlns="" id="{834ADCB4-BFB1-450D-8F6D-64217F4CD92C}"/>
+                <a16:creationId xmlns="" xmlns:a16="http://schemas.microsoft.com/office/drawing/2014/main" id="{834ADCB4-BFB1-450D-8F6D-64217F4CD92C}"/>
               </a:ext>
             </a:extLst>
           </p:cNvPr>
@@ -6850,7 +7340,7 @@
           <p:cNvPr id="21" name="Text Placeholder 4">
             <a:extLst>
               <a:ext uri="{FF2B5EF4-FFF2-40B4-BE49-F238E27FC236}">
-                <a16:creationId xmlns:a16="http://schemas.microsoft.com/office/drawing/2014/main" xmlns="" id="{7B710EB7-4E56-449A-B5D4-12A5A50A258D}"/>
+                <a16:creationId xmlns="" xmlns:a16="http://schemas.microsoft.com/office/drawing/2014/main" id="{7B710EB7-4E56-449A-B5D4-12A5A50A258D}"/>
               </a:ext>
             </a:extLst>
           </p:cNvPr>
@@ -6913,7 +7403,7 @@
           <p:cNvPr id="17" name="Chart Placeholder 16">
             <a:extLst>
               <a:ext uri="{FF2B5EF4-FFF2-40B4-BE49-F238E27FC236}">
-                <a16:creationId xmlns:a16="http://schemas.microsoft.com/office/drawing/2014/main" xmlns="" id="{6093AB2F-A9E2-4259-8D2A-0E33C88FF1BC}"/>
+                <a16:creationId xmlns="" xmlns:a16="http://schemas.microsoft.com/office/drawing/2014/main" id="{6093AB2F-A9E2-4259-8D2A-0E33C88FF1BC}"/>
               </a:ext>
             </a:extLst>
           </p:cNvPr>
@@ -6950,7 +7440,7 @@
           <p:cNvPr id="18" name="Chart Placeholder 16">
             <a:extLst>
               <a:ext uri="{FF2B5EF4-FFF2-40B4-BE49-F238E27FC236}">
-                <a16:creationId xmlns:a16="http://schemas.microsoft.com/office/drawing/2014/main" xmlns="" id="{FFC514B9-95FB-485B-B1AD-4193B2310907}"/>
+                <a16:creationId xmlns="" xmlns:a16="http://schemas.microsoft.com/office/drawing/2014/main" id="{FFC514B9-95FB-485B-B1AD-4193B2310907}"/>
               </a:ext>
             </a:extLst>
           </p:cNvPr>
@@ -6987,7 +7477,7 @@
           <p:cNvPr id="22" name="Text Placeholder 4">
             <a:extLst>
               <a:ext uri="{FF2B5EF4-FFF2-40B4-BE49-F238E27FC236}">
-                <a16:creationId xmlns:a16="http://schemas.microsoft.com/office/drawing/2014/main" xmlns="" id="{212267A8-F086-40EB-BC5F-D9FE81725052}"/>
+                <a16:creationId xmlns="" xmlns:a16="http://schemas.microsoft.com/office/drawing/2014/main" id="{212267A8-F086-40EB-BC5F-D9FE81725052}"/>
               </a:ext>
             </a:extLst>
           </p:cNvPr>
@@ -7050,7 +7540,7 @@
           <p:cNvPr id="12" name="Retângulo 43">
             <a:extLst>
               <a:ext uri="{FF2B5EF4-FFF2-40B4-BE49-F238E27FC236}">
-                <a16:creationId xmlns:a16="http://schemas.microsoft.com/office/drawing/2014/main" xmlns="" id="{25FC8637-25BD-4C09-AF25-56B4243DAB3D}"/>
+                <a16:creationId xmlns="" xmlns:a16="http://schemas.microsoft.com/office/drawing/2014/main" id="{25FC8637-25BD-4C09-AF25-56B4243DAB3D}"/>
               </a:ext>
             </a:extLst>
           </p:cNvPr>
@@ -7103,7 +7593,7 @@
           <p:cNvPr id="13" name="Conector reto 49">
             <a:extLst>
               <a:ext uri="{FF2B5EF4-FFF2-40B4-BE49-F238E27FC236}">
-                <a16:creationId xmlns:a16="http://schemas.microsoft.com/office/drawing/2014/main" xmlns="" id="{6B6D7F6B-C184-4C2B-8EB7-067E0C1E8DF2}"/>
+                <a16:creationId xmlns="" xmlns:a16="http://schemas.microsoft.com/office/drawing/2014/main" id="{6B6D7F6B-C184-4C2B-8EB7-067E0C1E8DF2}"/>
               </a:ext>
             </a:extLst>
           </p:cNvPr>
@@ -7151,7 +7641,7 @@
             <a:hlinkClick r:id="rId2"/>
             <a:extLst>
               <a:ext uri="{FF2B5EF4-FFF2-40B4-BE49-F238E27FC236}">
-                <a16:creationId xmlns:a16="http://schemas.microsoft.com/office/drawing/2014/main" xmlns="" id="{F376ABD1-4930-42EB-9A73-9A9C7C6BF2D3}"/>
+                <a16:creationId xmlns="" xmlns:a16="http://schemas.microsoft.com/office/drawing/2014/main" id="{F376ABD1-4930-42EB-9A73-9A9C7C6BF2D3}"/>
               </a:ext>
             </a:extLst>
           </p:cNvPr>
@@ -7197,7 +7687,7 @@
           <p:cNvPr id="16" name="Title Placeholder 1">
             <a:extLst>
               <a:ext uri="{FF2B5EF4-FFF2-40B4-BE49-F238E27FC236}">
-                <a16:creationId xmlns:a16="http://schemas.microsoft.com/office/drawing/2014/main" xmlns="" id="{552BBB0A-405D-419D-8BD5-EC8D9F84B795}"/>
+                <a16:creationId xmlns="" xmlns:a16="http://schemas.microsoft.com/office/drawing/2014/main" id="{552BBB0A-405D-419D-8BD5-EC8D9F84B795}"/>
               </a:ext>
             </a:extLst>
           </p:cNvPr>
@@ -7245,7 +7735,7 @@
           <p:cNvPr id="25" name="Text Placeholder 4">
             <a:extLst>
               <a:ext uri="{FF2B5EF4-FFF2-40B4-BE49-F238E27FC236}">
-                <a16:creationId xmlns:a16="http://schemas.microsoft.com/office/drawing/2014/main" xmlns="" id="{7B710EB7-4E56-449A-B5D4-12A5A50A258D}"/>
+                <a16:creationId xmlns="" xmlns:a16="http://schemas.microsoft.com/office/drawing/2014/main" id="{7B710EB7-4E56-449A-B5D4-12A5A50A258D}"/>
               </a:ext>
             </a:extLst>
           </p:cNvPr>
@@ -7308,7 +7798,7 @@
           <p:cNvPr id="26" name="Chart Placeholder 16">
             <a:extLst>
               <a:ext uri="{FF2B5EF4-FFF2-40B4-BE49-F238E27FC236}">
-                <a16:creationId xmlns:a16="http://schemas.microsoft.com/office/drawing/2014/main" xmlns="" id="{6093AB2F-A9E2-4259-8D2A-0E33C88FF1BC}"/>
+                <a16:creationId xmlns="" xmlns:a16="http://schemas.microsoft.com/office/drawing/2014/main" id="{6093AB2F-A9E2-4259-8D2A-0E33C88FF1BC}"/>
               </a:ext>
             </a:extLst>
           </p:cNvPr>
@@ -7345,7 +7835,7 @@
           <p:cNvPr id="27" name="Chart Placeholder 16">
             <a:extLst>
               <a:ext uri="{FF2B5EF4-FFF2-40B4-BE49-F238E27FC236}">
-                <a16:creationId xmlns:a16="http://schemas.microsoft.com/office/drawing/2014/main" xmlns="" id="{FFC514B9-95FB-485B-B1AD-4193B2310907}"/>
+                <a16:creationId xmlns="" xmlns:a16="http://schemas.microsoft.com/office/drawing/2014/main" id="{FFC514B9-95FB-485B-B1AD-4193B2310907}"/>
               </a:ext>
             </a:extLst>
           </p:cNvPr>
@@ -7382,7 +7872,7 @@
           <p:cNvPr id="28" name="Text Placeholder 4">
             <a:extLst>
               <a:ext uri="{FF2B5EF4-FFF2-40B4-BE49-F238E27FC236}">
-                <a16:creationId xmlns:a16="http://schemas.microsoft.com/office/drawing/2014/main" xmlns="" id="{212267A8-F086-40EB-BC5F-D9FE81725052}"/>
+                <a16:creationId xmlns="" xmlns:a16="http://schemas.microsoft.com/office/drawing/2014/main" id="{212267A8-F086-40EB-BC5F-D9FE81725052}"/>
               </a:ext>
             </a:extLst>
           </p:cNvPr>
@@ -7445,7 +7935,7 @@
           <p:cNvPr id="29" name="Retângulo 43">
             <a:extLst>
               <a:ext uri="{FF2B5EF4-FFF2-40B4-BE49-F238E27FC236}">
-                <a16:creationId xmlns:a16="http://schemas.microsoft.com/office/drawing/2014/main" xmlns="" id="{834ADCB4-BFB1-450D-8F6D-64217F4CD92C}"/>
+                <a16:creationId xmlns="" xmlns:a16="http://schemas.microsoft.com/office/drawing/2014/main" id="{834ADCB4-BFB1-450D-8F6D-64217F4CD92C}"/>
               </a:ext>
             </a:extLst>
           </p:cNvPr>
@@ -7522,7 +8012,7 @@
           <p:cNvPr id="4" name="Title Placeholder 3">
             <a:extLst>
               <a:ext uri="{FF2B5EF4-FFF2-40B4-BE49-F238E27FC236}">
-                <a16:creationId xmlns:a16="http://schemas.microsoft.com/office/drawing/2014/main" xmlns="" id="{509B218C-0963-489A-AA77-3748FFA421C5}"/>
+                <a16:creationId xmlns="" xmlns:a16="http://schemas.microsoft.com/office/drawing/2014/main" id="{509B218C-0963-489A-AA77-3748FFA421C5}"/>
               </a:ext>
             </a:extLst>
           </p:cNvPr>
@@ -7561,7 +8051,7 @@
           <p:cNvPr id="5" name="Text Placeholder 4">
             <a:extLst>
               <a:ext uri="{FF2B5EF4-FFF2-40B4-BE49-F238E27FC236}">
-                <a16:creationId xmlns:a16="http://schemas.microsoft.com/office/drawing/2014/main" xmlns="" id="{A4D17236-A440-4453-A69C-BE3728C11608}"/>
+                <a16:creationId xmlns="" xmlns:a16="http://schemas.microsoft.com/office/drawing/2014/main" id="{A4D17236-A440-4453-A69C-BE3728C11608}"/>
               </a:ext>
             </a:extLst>
           </p:cNvPr>
@@ -8048,7 +8538,7 @@
           <p:cNvPr id="8" name="Title Placeholder 1">
             <a:extLst>
               <a:ext uri="{FF2B5EF4-FFF2-40B4-BE49-F238E27FC236}">
-                <a16:creationId xmlns:a16="http://schemas.microsoft.com/office/drawing/2014/main" xmlns="" id="{366C6B93-5A4F-43B7-84C4-C42EC870AB53}"/>
+                <a16:creationId xmlns="" xmlns:a16="http://schemas.microsoft.com/office/drawing/2014/main" id="{366C6B93-5A4F-43B7-84C4-C42EC870AB53}"/>
               </a:ext>
             </a:extLst>
           </p:cNvPr>
@@ -8092,7 +8582,7 @@
           <p:cNvPr id="9" name="Text Placeholder 2">
             <a:extLst>
               <a:ext uri="{FF2B5EF4-FFF2-40B4-BE49-F238E27FC236}">
-                <a16:creationId xmlns:a16="http://schemas.microsoft.com/office/drawing/2014/main" xmlns="" id="{AF310831-D03E-404B-934F-73B268225B7E}"/>
+                <a16:creationId xmlns="" xmlns:a16="http://schemas.microsoft.com/office/drawing/2014/main" id="{AF310831-D03E-404B-934F-73B268225B7E}"/>
               </a:ext>
             </a:extLst>
           </p:cNvPr>
@@ -8152,7 +8642,7 @@
           <p:cNvPr id="5" name="Graphic 4">
             <a:extLst>
               <a:ext uri="{FF2B5EF4-FFF2-40B4-BE49-F238E27FC236}">
-                <a16:creationId xmlns:a16="http://schemas.microsoft.com/office/drawing/2014/main" xmlns="" id="{25EEA1D4-3AF7-42D7-AE97-AE404AECFAEB}"/>
+                <a16:creationId xmlns="" xmlns:a16="http://schemas.microsoft.com/office/drawing/2014/main" id="{25EEA1D4-3AF7-42D7-AE97-AE404AECFAEB}"/>
               </a:ext>
             </a:extLst>
           </p:cNvPr>
@@ -8165,7 +8655,7 @@
           <a:blip r:embed="rId3" cstate="print">
             <a:extLst>
               <a:ext uri="{96DAC541-7B7A-43D3-8B79-37D633B846F1}">
-                <asvg:svgBlip xmlns:asvg="http://schemas.microsoft.com/office/drawing/2016/SVG/main" xmlns="" r:embed="rId4"/>
+                <asvg:svgBlip xmlns="" xmlns:asvg="http://schemas.microsoft.com/office/drawing/2016/SVG/main" r:embed="rId4"/>
               </a:ext>
             </a:extLst>
           </a:blip>
@@ -8563,7 +9053,7 @@
           <p:cNvPr id="2" name="Title Placeholder 1">
             <a:extLst>
               <a:ext uri="{FF2B5EF4-FFF2-40B4-BE49-F238E27FC236}">
-                <a16:creationId xmlns:a16="http://schemas.microsoft.com/office/drawing/2014/main" xmlns="" id="{F2EB016D-CF9A-4584-982E-40465F70132F}"/>
+                <a16:creationId xmlns="" xmlns:a16="http://schemas.microsoft.com/office/drawing/2014/main" id="{F2EB016D-CF9A-4584-982E-40465F70132F}"/>
               </a:ext>
             </a:extLst>
           </p:cNvPr>
@@ -8607,7 +9097,7 @@
           <p:cNvPr id="9" name="Graphic 4">
             <a:extLst>
               <a:ext uri="{FF2B5EF4-FFF2-40B4-BE49-F238E27FC236}">
-                <a16:creationId xmlns:a16="http://schemas.microsoft.com/office/drawing/2014/main" xmlns="" id="{25EEA1D4-3AF7-42D7-AE97-AE404AECFAEB}"/>
+                <a16:creationId xmlns="" xmlns:a16="http://schemas.microsoft.com/office/drawing/2014/main" id="{25EEA1D4-3AF7-42D7-AE97-AE404AECFAEB}"/>
               </a:ext>
             </a:extLst>
           </p:cNvPr>
@@ -8617,10 +9107,10 @@
           <p:nvPr/>
         </p:nvPicPr>
         <p:blipFill rotWithShape="1">
-          <a:blip r:embed="rId11" cstate="print">
+          <a:blip r:embed="rId13" cstate="print">
             <a:extLst>
               <a:ext uri="{96DAC541-7B7A-43D3-8B79-37D633B846F1}">
-                <asvg:svgBlip xmlns:asvg="http://schemas.microsoft.com/office/drawing/2016/SVG/main" xmlns="" r:embed="rId12"/>
+                <asvg:svgBlip xmlns="" xmlns:asvg="http://schemas.microsoft.com/office/drawing/2016/SVG/main" r:embed="rId14"/>
               </a:ext>
             </a:extLst>
           </a:blip>
@@ -8642,7 +9132,7 @@
           <p:cNvPr id="13" name="Text Placeholder 2">
             <a:extLst>
               <a:ext uri="{FF2B5EF4-FFF2-40B4-BE49-F238E27FC236}">
-                <a16:creationId xmlns:a16="http://schemas.microsoft.com/office/drawing/2014/main" xmlns="" id="{AF310831-D03E-404B-934F-73B268225B7E}"/>
+                <a16:creationId xmlns="" xmlns:a16="http://schemas.microsoft.com/office/drawing/2014/main" id="{AF310831-D03E-404B-934F-73B268225B7E}"/>
               </a:ext>
             </a:extLst>
           </p:cNvPr>
@@ -10362,6 +10852,8 @@
     <p:sldLayoutId id="2147483734" r:id="rId7"/>
     <p:sldLayoutId id="2147483735" r:id="rId8"/>
     <p:sldLayoutId id="2147483812" r:id="rId9"/>
+    <p:sldLayoutId id="2147483813" r:id="rId10"/>
+    <p:sldLayoutId id="2147483814" r:id="rId11"/>
   </p:sldLayoutIdLst>
   <p:txStyles>
     <p:titleStyle>
@@ -10794,7 +11286,7 @@
           <p:cNvPr id="13" name="Graphic 4">
             <a:extLst>
               <a:ext uri="{FF2B5EF4-FFF2-40B4-BE49-F238E27FC236}">
-                <a16:creationId xmlns:a16="http://schemas.microsoft.com/office/drawing/2014/main" xmlns="" id="{25EEA1D4-3AF7-42D7-AE97-AE404AECFAEB}"/>
+                <a16:creationId xmlns="" xmlns:a16="http://schemas.microsoft.com/office/drawing/2014/main" id="{25EEA1D4-3AF7-42D7-AE97-AE404AECFAEB}"/>
               </a:ext>
             </a:extLst>
           </p:cNvPr>
@@ -10807,7 +11299,7 @@
           <a:blip r:embed="rId2" cstate="print">
             <a:extLst>
               <a:ext uri="{96DAC541-7B7A-43D3-8B79-37D633B846F1}">
-                <asvg:svgBlip xmlns:asvg="http://schemas.microsoft.com/office/drawing/2016/SVG/main" xmlns="" r:embed="rId3"/>
+                <asvg:svgBlip xmlns="" xmlns:asvg="http://schemas.microsoft.com/office/drawing/2016/SVG/main" r:embed="rId3"/>
               </a:ext>
             </a:extLst>
           </a:blip>
@@ -10829,7 +11321,7 @@
           <p:cNvPr id="14" name="Title Placeholder 1">
             <a:extLst>
               <a:ext uri="{FF2B5EF4-FFF2-40B4-BE49-F238E27FC236}">
-                <a16:creationId xmlns:a16="http://schemas.microsoft.com/office/drawing/2014/main" xmlns="" id="{F2EB016D-CF9A-4584-982E-40465F70132F}"/>
+                <a16:creationId xmlns="" xmlns:a16="http://schemas.microsoft.com/office/drawing/2014/main" id="{F2EB016D-CF9A-4584-982E-40465F70132F}"/>
               </a:ext>
             </a:extLst>
           </p:cNvPr>
@@ -10873,7 +11365,7 @@
           <p:cNvPr id="15" name="Text Placeholder 2">
             <a:extLst>
               <a:ext uri="{FF2B5EF4-FFF2-40B4-BE49-F238E27FC236}">
-                <a16:creationId xmlns:a16="http://schemas.microsoft.com/office/drawing/2014/main" xmlns="" id="{AF310831-D03E-404B-934F-73B268225B7E}"/>
+                <a16:creationId xmlns="" xmlns:a16="http://schemas.microsoft.com/office/drawing/2014/main" id="{AF310831-D03E-404B-934F-73B268225B7E}"/>
               </a:ext>
             </a:extLst>
           </p:cNvPr>
@@ -13261,6 +13753,2021 @@
 </p:sld>
 </file>
 
+<file path=ppt/slides/slide10.xml><?xml version="1.0" encoding="utf-8"?>
+<p:sld xmlns:a="http://schemas.openxmlformats.org/drawingml/2006/main" xmlns:r="http://schemas.openxmlformats.org/officeDocument/2006/relationships" xmlns:p="http://schemas.openxmlformats.org/presentationml/2006/main">
+  <p:cSld>
+    <p:spTree>
+      <p:nvGrpSpPr>
+        <p:cNvPr id="1" name=""/>
+        <p:cNvGrpSpPr/>
+        <p:nvPr/>
+      </p:nvGrpSpPr>
+      <p:grpSpPr>
+        <a:xfrm>
+          <a:off x="0" y="0"/>
+          <a:ext cx="0" cy="0"/>
+          <a:chOff x="0" y="0"/>
+          <a:chExt cx="0" cy="0"/>
+        </a:xfrm>
+      </p:grpSpPr>
+      <p:sp>
+        <p:nvSpPr>
+          <p:cNvPr id="2" name="TextBox 1"/>
+          <p:cNvSpPr txBox="1"/>
+          <p:nvPr/>
+        </p:nvSpPr>
+        <p:spPr>
+          <a:xfrm>
+            <a:off x="839416" y="836712"/>
+            <a:ext cx="10081120" cy="5109091"/>
+          </a:xfrm>
+          <a:prstGeom prst="rect">
+            <a:avLst/>
+          </a:prstGeom>
+          <a:noFill/>
+        </p:spPr>
+        <p:txBody>
+          <a:bodyPr wrap="square" rtlCol="0">
+            <a:spAutoFit/>
+          </a:bodyPr>
+          <a:lstStyle/>
+          <a:p>
+            <a:r>
+              <a:rPr lang="en-US" dirty="0" smtClean="0"/>
+              <a:t>	</a:t>
+            </a:r>
+            <a:r>
+              <a:rPr lang="en-US" dirty="0"/>
+              <a:t>	</a:t>
+            </a:r>
+            <a:r>
+              <a:rPr lang="en-US" sz="3200" dirty="0" smtClean="0">
+                <a:latin typeface="+mj-lt"/>
+              </a:rPr>
+              <a:t>Services of Datalink Layer</a:t>
+            </a:r>
+          </a:p>
+          <a:p>
+            <a:endParaRPr lang="en-US" dirty="0" smtClean="0"/>
+          </a:p>
+          <a:p>
+            <a:pPr marL="285750" indent="-285750">
+              <a:buFont typeface="Wingdings" panose="05000000000000000000" pitchFamily="2" charset="2"/>
+              <a:buChar char="Ø"/>
+            </a:pPr>
+            <a:r>
+              <a:rPr lang="en-US" dirty="0" smtClean="0"/>
+              <a:t>Network </a:t>
+            </a:r>
+            <a:r>
+              <a:rPr lang="en-US" dirty="0"/>
+              <a:t>is responsible for transmission of data from one device to another device</a:t>
+            </a:r>
+            <a:r>
+              <a:rPr lang="en-US" dirty="0" smtClean="0"/>
+              <a:t>.</a:t>
+            </a:r>
+          </a:p>
+          <a:p>
+            <a:pPr marL="285750" indent="-285750">
+              <a:buFont typeface="Wingdings" panose="05000000000000000000" pitchFamily="2" charset="2"/>
+              <a:buChar char="Ø"/>
+            </a:pPr>
+            <a:r>
+              <a:rPr lang="en-US" dirty="0"/>
+              <a:t>Data can be corrupted during transmission. </a:t>
+            </a:r>
+            <a:endParaRPr lang="en-US" dirty="0" smtClean="0"/>
+          </a:p>
+          <a:p>
+            <a:pPr marL="285750" indent="-285750">
+              <a:buFont typeface="Wingdings" panose="05000000000000000000" pitchFamily="2" charset="2"/>
+              <a:buChar char="Ø"/>
+            </a:pPr>
+            <a:r>
+              <a:rPr lang="en-US" dirty="0" smtClean="0"/>
+              <a:t>Error </a:t>
+            </a:r>
+            <a:r>
+              <a:rPr lang="en-US" dirty="0"/>
+              <a:t>control is the process of detecting and correcting both the bit level and packet level errors.</a:t>
+            </a:r>
+            <a:endParaRPr lang="en-US" dirty="0" smtClean="0"/>
+          </a:p>
+          <a:p>
+            <a:endParaRPr lang="en-US" dirty="0" smtClean="0"/>
+          </a:p>
+          <a:p>
+            <a:r>
+              <a:rPr lang="en-US" sz="2400" dirty="0">
+                <a:latin typeface="+mj-lt"/>
+              </a:rPr>
+              <a:t>Types of </a:t>
+            </a:r>
+            <a:r>
+              <a:rPr lang="en-US" sz="2400" dirty="0" smtClean="0">
+                <a:latin typeface="+mj-lt"/>
+              </a:rPr>
+              <a:t>Errors:</a:t>
+            </a:r>
+            <a:endParaRPr lang="en-US" sz="2400" dirty="0">
+              <a:latin typeface="+mj-lt"/>
+            </a:endParaRPr>
+          </a:p>
+          <a:p>
+            <a:pPr marL="742950" lvl="1" indent="-285750">
+              <a:buFont typeface="Wingdings" panose="05000000000000000000" pitchFamily="2" charset="2"/>
+              <a:buChar char="Ø"/>
+            </a:pPr>
+            <a:r>
+              <a:rPr lang="en-US" dirty="0"/>
+              <a:t>Single Bit </a:t>
+            </a:r>
+            <a:r>
+              <a:rPr lang="en-US" dirty="0" smtClean="0"/>
+              <a:t>Error</a:t>
+            </a:r>
+          </a:p>
+          <a:p>
+            <a:pPr marL="742950" lvl="1" indent="-285750">
+              <a:buFont typeface="Wingdings" panose="05000000000000000000" pitchFamily="2" charset="2"/>
+              <a:buChar char="Ø"/>
+            </a:pPr>
+            <a:r>
+              <a:rPr lang="en-US" dirty="0"/>
+              <a:t>Multiple bits error</a:t>
+            </a:r>
+          </a:p>
+          <a:p>
+            <a:pPr marL="742950" lvl="1" indent="-285750">
+              <a:buFont typeface="Wingdings" panose="05000000000000000000" pitchFamily="2" charset="2"/>
+              <a:buChar char="Ø"/>
+            </a:pPr>
+            <a:r>
+              <a:rPr lang="en-US" dirty="0"/>
+              <a:t>Burst </a:t>
+            </a:r>
+            <a:r>
+              <a:rPr lang="en-US" dirty="0" smtClean="0"/>
+              <a:t>Error</a:t>
+            </a:r>
+          </a:p>
+          <a:p>
+            <a:endParaRPr lang="en-US" dirty="0"/>
+          </a:p>
+          <a:p>
+            <a:r>
+              <a:rPr lang="en-US" dirty="0"/>
+              <a:t>Error control mechanism may involve two possible ways:</a:t>
+            </a:r>
+          </a:p>
+          <a:p>
+            <a:pPr marL="742950" lvl="1" indent="-285750">
+              <a:buFont typeface="Wingdings" panose="05000000000000000000" pitchFamily="2" charset="2"/>
+              <a:buChar char="Ø"/>
+            </a:pPr>
+            <a:r>
+              <a:rPr lang="en-US" dirty="0" smtClean="0"/>
+              <a:t>Error </a:t>
+            </a:r>
+            <a:r>
+              <a:rPr lang="en-US" dirty="0"/>
+              <a:t>detection</a:t>
+            </a:r>
+          </a:p>
+          <a:p>
+            <a:pPr marL="742950" lvl="1" indent="-285750">
+              <a:buFont typeface="Wingdings" panose="05000000000000000000" pitchFamily="2" charset="2"/>
+              <a:buChar char="Ø"/>
+            </a:pPr>
+            <a:r>
+              <a:rPr lang="en-US" dirty="0" smtClean="0"/>
+              <a:t>Error </a:t>
+            </a:r>
+            <a:r>
+              <a:rPr lang="en-US" dirty="0"/>
+              <a:t>correction</a:t>
+            </a:r>
+          </a:p>
+          <a:p>
+            <a:endParaRPr lang="en-US" dirty="0" smtClean="0"/>
+          </a:p>
+          <a:p>
+            <a:endParaRPr lang="en-US" dirty="0"/>
+          </a:p>
+        </p:txBody>
+      </p:sp>
+    </p:spTree>
+    <p:extLst>
+      <p:ext uri="{BB962C8B-B14F-4D97-AF65-F5344CB8AC3E}">
+        <p14:creationId xmlns:p14="http://schemas.microsoft.com/office/powerpoint/2010/main" val="2873727199"/>
+      </p:ext>
+    </p:extLst>
+  </p:cSld>
+  <p:clrMapOvr>
+    <a:masterClrMapping/>
+  </p:clrMapOvr>
+</p:sld>
+</file>
+
+<file path=ppt/slides/slide11.xml><?xml version="1.0" encoding="utf-8"?>
+<p:sld xmlns:a="http://schemas.openxmlformats.org/drawingml/2006/main" xmlns:r="http://schemas.openxmlformats.org/officeDocument/2006/relationships" xmlns:p="http://schemas.openxmlformats.org/presentationml/2006/main">
+  <p:cSld>
+    <p:spTree>
+      <p:nvGrpSpPr>
+        <p:cNvPr id="1" name=""/>
+        <p:cNvGrpSpPr/>
+        <p:nvPr/>
+      </p:nvGrpSpPr>
+      <p:grpSpPr>
+        <a:xfrm>
+          <a:off x="0" y="0"/>
+          <a:ext cx="0" cy="0"/>
+          <a:chOff x="0" y="0"/>
+          <a:chExt cx="0" cy="0"/>
+        </a:xfrm>
+      </p:grpSpPr>
+      <p:sp>
+        <p:nvSpPr>
+          <p:cNvPr id="3" name="TextBox 2"/>
+          <p:cNvSpPr txBox="1"/>
+          <p:nvPr/>
+        </p:nvSpPr>
+        <p:spPr>
+          <a:xfrm>
+            <a:off x="623392" y="620688"/>
+            <a:ext cx="10225136" cy="4770537"/>
+          </a:xfrm>
+          <a:prstGeom prst="rect">
+            <a:avLst/>
+          </a:prstGeom>
+          <a:noFill/>
+        </p:spPr>
+        <p:txBody>
+          <a:bodyPr wrap="square" rtlCol="0">
+            <a:spAutoFit/>
+          </a:bodyPr>
+          <a:lstStyle/>
+          <a:p>
+            <a:r>
+              <a:rPr lang="en-US" sz="2400" dirty="0">
+                <a:latin typeface="+mj-lt"/>
+              </a:rPr>
+              <a:t>Error </a:t>
+            </a:r>
+            <a:r>
+              <a:rPr lang="en-US" sz="2400" dirty="0" smtClean="0">
+                <a:latin typeface="+mj-lt"/>
+              </a:rPr>
+              <a:t>detection:</a:t>
+            </a:r>
+          </a:p>
+          <a:p>
+            <a:r>
+              <a:rPr lang="en-US" dirty="0" smtClean="0"/>
+              <a:t>	Error </a:t>
+            </a:r>
+            <a:r>
+              <a:rPr lang="en-US" dirty="0"/>
+              <a:t>detection is the process of detecting the error during the transmission between the sender and the receiver.</a:t>
+            </a:r>
+          </a:p>
+          <a:p>
+            <a:endParaRPr lang="en-US" sz="2000" dirty="0" smtClean="0">
+              <a:latin typeface="+mj-lt"/>
+            </a:endParaRPr>
+          </a:p>
+          <a:p>
+            <a:endParaRPr lang="en-US" sz="2000" dirty="0" smtClean="0">
+              <a:latin typeface="+mj-lt"/>
+            </a:endParaRPr>
+          </a:p>
+          <a:p>
+            <a:r>
+              <a:rPr lang="en-US" sz="2000" dirty="0" smtClean="0">
+                <a:latin typeface="+mj-lt"/>
+              </a:rPr>
+              <a:t>Types </a:t>
+            </a:r>
+            <a:r>
+              <a:rPr lang="en-US" sz="2000" dirty="0">
+                <a:latin typeface="+mj-lt"/>
+              </a:rPr>
+              <a:t>of error detection</a:t>
+            </a:r>
+          </a:p>
+          <a:p>
+            <a:pPr marL="742950" lvl="1" indent="-285750">
+              <a:buFont typeface="Wingdings" panose="05000000000000000000" pitchFamily="2" charset="2"/>
+              <a:buChar char="Ø"/>
+            </a:pPr>
+            <a:r>
+              <a:rPr lang="en-US" dirty="0" smtClean="0"/>
+              <a:t>Parity </a:t>
+            </a:r>
+            <a:r>
+              <a:rPr lang="en-US" dirty="0"/>
+              <a:t>checking</a:t>
+            </a:r>
+          </a:p>
+          <a:p>
+            <a:pPr marL="742950" lvl="1" indent="-285750">
+              <a:buFont typeface="Wingdings" panose="05000000000000000000" pitchFamily="2" charset="2"/>
+              <a:buChar char="Ø"/>
+            </a:pPr>
+            <a:r>
+              <a:rPr lang="en-US" dirty="0" smtClean="0"/>
+              <a:t>Cyclic </a:t>
+            </a:r>
+            <a:r>
+              <a:rPr lang="en-US" dirty="0"/>
+              <a:t>Redundancy Check (CRC)</a:t>
+            </a:r>
+          </a:p>
+          <a:p>
+            <a:pPr marL="742950" lvl="1" indent="-285750">
+              <a:buFont typeface="Wingdings" panose="05000000000000000000" pitchFamily="2" charset="2"/>
+              <a:buChar char="Ø"/>
+            </a:pPr>
+            <a:r>
+              <a:rPr lang="en-US" dirty="0" smtClean="0"/>
+              <a:t>Checksum</a:t>
+            </a:r>
+            <a:endParaRPr lang="en-US" dirty="0"/>
+          </a:p>
+          <a:p>
+            <a:endParaRPr lang="en-US" b="1" dirty="0"/>
+          </a:p>
+          <a:p>
+            <a:endParaRPr lang="en-US" sz="2000" dirty="0" smtClean="0">
+              <a:latin typeface="+mj-lt"/>
+            </a:endParaRPr>
+          </a:p>
+          <a:p>
+            <a:r>
+              <a:rPr lang="en-US" sz="2000" dirty="0" smtClean="0">
+                <a:latin typeface="+mj-lt"/>
+              </a:rPr>
+              <a:t>Parity checking:</a:t>
+            </a:r>
+          </a:p>
+          <a:p>
+            <a:r>
+              <a:rPr lang="en-US" dirty="0" smtClean="0"/>
+              <a:t>Types of Parity Checking</a:t>
+            </a:r>
+            <a:endParaRPr lang="en-US" b="1" dirty="0" smtClean="0"/>
+          </a:p>
+          <a:p>
+            <a:pPr marL="742950" lvl="1" indent="-285750">
+              <a:buFont typeface="Wingdings" panose="05000000000000000000" pitchFamily="2" charset="2"/>
+              <a:buChar char="Ø"/>
+            </a:pPr>
+            <a:r>
+              <a:rPr lang="en-US" dirty="0" smtClean="0"/>
+              <a:t>Single </a:t>
+            </a:r>
+            <a:r>
+              <a:rPr lang="en-US" dirty="0"/>
+              <a:t>bit parity</a:t>
+            </a:r>
+          </a:p>
+          <a:p>
+            <a:pPr marL="742950" lvl="1" indent="-285750">
+              <a:buFont typeface="Wingdings" panose="05000000000000000000" pitchFamily="2" charset="2"/>
+              <a:buChar char="Ø"/>
+            </a:pPr>
+            <a:r>
+              <a:rPr lang="en-US" dirty="0" smtClean="0"/>
+              <a:t>Two </a:t>
+            </a:r>
+            <a:r>
+              <a:rPr lang="en-US" dirty="0"/>
+              <a:t>dimension </a:t>
+            </a:r>
+            <a:r>
+              <a:rPr lang="en-US" dirty="0" smtClean="0"/>
+              <a:t>parity</a:t>
+            </a:r>
+          </a:p>
+          <a:p>
+            <a:endParaRPr lang="en-US" dirty="0"/>
+          </a:p>
+        </p:txBody>
+      </p:sp>
+    </p:spTree>
+    <p:extLst>
+      <p:ext uri="{BB962C8B-B14F-4D97-AF65-F5344CB8AC3E}">
+        <p14:creationId xmlns:p14="http://schemas.microsoft.com/office/powerpoint/2010/main" val="3933759730"/>
+      </p:ext>
+    </p:extLst>
+  </p:cSld>
+  <p:clrMapOvr>
+    <a:masterClrMapping/>
+  </p:clrMapOvr>
+</p:sld>
+</file>
+
+<file path=ppt/slides/slide12.xml><?xml version="1.0" encoding="utf-8"?>
+<p:sld xmlns:a="http://schemas.openxmlformats.org/drawingml/2006/main" xmlns:r="http://schemas.openxmlformats.org/officeDocument/2006/relationships" xmlns:p="http://schemas.openxmlformats.org/presentationml/2006/main">
+  <p:cSld>
+    <p:spTree>
+      <p:nvGrpSpPr>
+        <p:cNvPr id="1" name=""/>
+        <p:cNvGrpSpPr/>
+        <p:nvPr/>
+      </p:nvGrpSpPr>
+      <p:grpSpPr>
+        <a:xfrm>
+          <a:off x="0" y="0"/>
+          <a:ext cx="0" cy="0"/>
+          <a:chOff x="0" y="0"/>
+          <a:chExt cx="0" cy="0"/>
+        </a:xfrm>
+      </p:grpSpPr>
+      <p:sp>
+        <p:nvSpPr>
+          <p:cNvPr id="2" name="TextBox 1"/>
+          <p:cNvSpPr txBox="1"/>
+          <p:nvPr/>
+        </p:nvSpPr>
+        <p:spPr>
+          <a:xfrm>
+            <a:off x="767408" y="908720"/>
+            <a:ext cx="10225136" cy="5386090"/>
+          </a:xfrm>
+          <a:prstGeom prst="rect">
+            <a:avLst/>
+          </a:prstGeom>
+          <a:noFill/>
+        </p:spPr>
+        <p:txBody>
+          <a:bodyPr wrap="square" rtlCol="0">
+            <a:spAutoFit/>
+          </a:bodyPr>
+          <a:lstStyle/>
+          <a:p>
+            <a:r>
+              <a:rPr lang="en-US" sz="2000" dirty="0"/>
+              <a:t>Single bit parity:</a:t>
+            </a:r>
+          </a:p>
+          <a:p>
+            <a:r>
+              <a:rPr lang="en-US" dirty="0"/>
+              <a:t>	One extra bit is sent along with the original bits to make number of 1s either even in case of even parity, or odd in case of odd parity.</a:t>
+            </a:r>
+          </a:p>
+          <a:p>
+            <a:endParaRPr lang="en-US" b="1" dirty="0" smtClean="0"/>
+          </a:p>
+          <a:p>
+            <a:endParaRPr lang="en-US" b="1" dirty="0" smtClean="0"/>
+          </a:p>
+          <a:p>
+            <a:endParaRPr lang="en-US" b="1" dirty="0"/>
+          </a:p>
+          <a:p>
+            <a:endParaRPr lang="en-US" b="1" dirty="0" smtClean="0"/>
+          </a:p>
+          <a:p>
+            <a:endParaRPr lang="en-US" b="1" dirty="0"/>
+          </a:p>
+          <a:p>
+            <a:endParaRPr lang="en-US" b="1" dirty="0" smtClean="0"/>
+          </a:p>
+          <a:p>
+            <a:endParaRPr lang="en-US" b="1" dirty="0"/>
+          </a:p>
+          <a:p>
+            <a:r>
+              <a:rPr lang="en-US" sz="2000" dirty="0" smtClean="0">
+                <a:latin typeface="+mj-lt"/>
+              </a:rPr>
+              <a:t>Two </a:t>
+            </a:r>
+            <a:r>
+              <a:rPr lang="en-US" sz="2000" dirty="0">
+                <a:latin typeface="+mj-lt"/>
+              </a:rPr>
+              <a:t>dimension </a:t>
+            </a:r>
+            <a:r>
+              <a:rPr lang="en-US" sz="2000" dirty="0" smtClean="0">
+                <a:latin typeface="+mj-lt"/>
+              </a:rPr>
+              <a:t>parity:</a:t>
+            </a:r>
+            <a:endParaRPr lang="en-US" sz="2000" dirty="0">
+              <a:latin typeface="+mj-lt"/>
+            </a:endParaRPr>
+          </a:p>
+          <a:p>
+            <a:r>
+              <a:rPr lang="en-US" dirty="0"/>
+              <a:t>	Parity check bits are calculated for each row, which is equivalent to a simple parity check bit. Parity check bits are also calculated for all columns, then both are sent along with the data. At the receiving end these are compared with the parity bits calculated on the received data.</a:t>
+            </a:r>
+          </a:p>
+          <a:p>
+            <a:endParaRPr lang="en-US" b="1" dirty="0" smtClean="0"/>
+          </a:p>
+          <a:p>
+            <a:endParaRPr lang="en-US" b="1" dirty="0"/>
+          </a:p>
+          <a:p>
+            <a:r>
+              <a:rPr lang="en-US" dirty="0"/>
+              <a:t> </a:t>
+            </a:r>
+            <a:endParaRPr lang="en-US" dirty="0" smtClean="0"/>
+          </a:p>
+          <a:p>
+            <a:endParaRPr lang="en-US" dirty="0" smtClean="0"/>
+          </a:p>
+        </p:txBody>
+      </p:sp>
+      <p:pic>
+        <p:nvPicPr>
+          <p:cNvPr id="3" name="Picture 2" descr="Even Parity"/>
+          <p:cNvPicPr>
+            <a:picLocks noChangeAspect="1" noChangeArrowheads="1"/>
+          </p:cNvPicPr>
+          <p:nvPr/>
+        </p:nvPicPr>
+        <p:blipFill>
+          <a:blip r:embed="rId2">
+            <a:extLst>
+              <a:ext uri="{28A0092B-C50C-407E-A947-70E740481C1C}">
+                <a14:useLocalDpi xmlns:a14="http://schemas.microsoft.com/office/drawing/2010/main" val="0"/>
+              </a:ext>
+            </a:extLst>
+          </a:blip>
+          <a:srcRect/>
+          <a:stretch>
+            <a:fillRect/>
+          </a:stretch>
+        </p:blipFill>
+        <p:spPr bwMode="auto">
+          <a:xfrm>
+            <a:off x="3071664" y="2348880"/>
+            <a:ext cx="4171950" cy="457200"/>
+          </a:xfrm>
+          <a:prstGeom prst="rect">
+            <a:avLst/>
+          </a:prstGeom>
+          <a:noFill/>
+          <a:extLst>
+            <a:ext uri="{909E8E84-426E-40DD-AFC4-6F175D3DCCD1}">
+              <a14:hiddenFill xmlns:a14="http://schemas.microsoft.com/office/drawing/2010/main">
+                <a:solidFill>
+                  <a:srgbClr val="FFFFFF"/>
+                </a:solidFill>
+              </a14:hiddenFill>
+            </a:ext>
+          </a:extLst>
+        </p:spPr>
+      </p:pic>
+    </p:spTree>
+    <p:extLst>
+      <p:ext uri="{BB962C8B-B14F-4D97-AF65-F5344CB8AC3E}">
+        <p14:creationId xmlns:p14="http://schemas.microsoft.com/office/powerpoint/2010/main" val="537822401"/>
+      </p:ext>
+    </p:extLst>
+  </p:cSld>
+  <p:clrMapOvr>
+    <a:masterClrMapping/>
+  </p:clrMapOvr>
+</p:sld>
+</file>
+
+<file path=ppt/slides/slide13.xml><?xml version="1.0" encoding="utf-8"?>
+<p:sld xmlns:a="http://schemas.openxmlformats.org/drawingml/2006/main" xmlns:r="http://schemas.openxmlformats.org/officeDocument/2006/relationships" xmlns:p="http://schemas.openxmlformats.org/presentationml/2006/main">
+  <p:cSld>
+    <p:spTree>
+      <p:nvGrpSpPr>
+        <p:cNvPr id="1" name=""/>
+        <p:cNvGrpSpPr/>
+        <p:nvPr/>
+      </p:nvGrpSpPr>
+      <p:grpSpPr>
+        <a:xfrm>
+          <a:off x="0" y="0"/>
+          <a:ext cx="0" cy="0"/>
+          <a:chOff x="0" y="0"/>
+          <a:chExt cx="0" cy="0"/>
+        </a:xfrm>
+      </p:grpSpPr>
+      <p:sp>
+        <p:nvSpPr>
+          <p:cNvPr id="2" name="TextBox 1"/>
+          <p:cNvSpPr txBox="1"/>
+          <p:nvPr/>
+        </p:nvSpPr>
+        <p:spPr>
+          <a:xfrm>
+            <a:off x="623392" y="260648"/>
+            <a:ext cx="10585176" cy="6309420"/>
+          </a:xfrm>
+          <a:prstGeom prst="rect">
+            <a:avLst/>
+          </a:prstGeom>
+          <a:noFill/>
+        </p:spPr>
+        <p:txBody>
+          <a:bodyPr wrap="square" rtlCol="0">
+            <a:spAutoFit/>
+          </a:bodyPr>
+          <a:lstStyle/>
+          <a:p>
+            <a:r>
+              <a:rPr lang="en-US" sz="2000" dirty="0">
+                <a:latin typeface="+mj-lt"/>
+              </a:rPr>
+              <a:t>Cyclic Redundancy Check (CRC</a:t>
+            </a:r>
+            <a:r>
+              <a:rPr lang="en-US" sz="2000" dirty="0" smtClean="0">
+                <a:latin typeface="+mj-lt"/>
+              </a:rPr>
+              <a:t>):</a:t>
+            </a:r>
+          </a:p>
+          <a:p>
+            <a:endParaRPr lang="en-US" sz="2000" dirty="0">
+              <a:latin typeface="+mj-lt"/>
+            </a:endParaRPr>
+          </a:p>
+          <a:p>
+            <a:pPr marL="285750" indent="-285750">
+              <a:buFont typeface="Wingdings" panose="05000000000000000000" pitchFamily="2" charset="2"/>
+              <a:buChar char="Ø"/>
+            </a:pPr>
+            <a:r>
+              <a:rPr lang="en-US" dirty="0"/>
+              <a:t>CRC is a different approach to detect if the received frame contains valid data. </a:t>
+            </a:r>
+            <a:endParaRPr lang="en-US" dirty="0" smtClean="0"/>
+          </a:p>
+          <a:p>
+            <a:pPr marL="285750" indent="-285750">
+              <a:buFont typeface="Wingdings" panose="05000000000000000000" pitchFamily="2" charset="2"/>
+              <a:buChar char="Ø"/>
+            </a:pPr>
+            <a:r>
+              <a:rPr lang="en-US" dirty="0" smtClean="0"/>
+              <a:t>This </a:t>
+            </a:r>
+            <a:r>
+              <a:rPr lang="en-US" dirty="0"/>
+              <a:t>technique involves binary division of the data bits being sent.</a:t>
+            </a:r>
+          </a:p>
+          <a:p>
+            <a:pPr marL="285750" indent="-285750">
+              <a:buFont typeface="Wingdings" panose="05000000000000000000" pitchFamily="2" charset="2"/>
+              <a:buChar char="Ø"/>
+            </a:pPr>
+            <a:r>
+              <a:rPr lang="en-US" dirty="0"/>
+              <a:t>The divisor is generated using polynomials.</a:t>
+            </a:r>
+            <a:endParaRPr lang="en-US" b="1" dirty="0"/>
+          </a:p>
+          <a:p>
+            <a:pPr marL="285750" indent="-285750">
+              <a:buFont typeface="Wingdings" panose="05000000000000000000" pitchFamily="2" charset="2"/>
+              <a:buChar char="Ø"/>
+            </a:pPr>
+            <a:r>
+              <a:rPr lang="en-US" dirty="0"/>
+              <a:t>Before sending the actual bits, the sender adds the remainder at the end of the actual bits. </a:t>
+            </a:r>
+          </a:p>
+          <a:p>
+            <a:pPr marL="285750" indent="-285750">
+              <a:buFont typeface="Wingdings" panose="05000000000000000000" pitchFamily="2" charset="2"/>
+              <a:buChar char="Ø"/>
+            </a:pPr>
+            <a:r>
+              <a:rPr lang="en-US" dirty="0"/>
+              <a:t>Actual data bits plus the remainder is called a codeword.</a:t>
+            </a:r>
+            <a:endParaRPr lang="en-US" b="1" dirty="0" smtClean="0"/>
+          </a:p>
+          <a:p>
+            <a:endParaRPr lang="en-US" b="1" dirty="0"/>
+          </a:p>
+          <a:p>
+            <a:r>
+              <a:rPr lang="en-US" sz="2000" dirty="0" smtClean="0">
+                <a:latin typeface="+mj-lt"/>
+              </a:rPr>
+              <a:t>Checksum</a:t>
+            </a:r>
+            <a:r>
+              <a:rPr lang="en-US" sz="2000" dirty="0" smtClean="0">
+                <a:latin typeface="+mj-lt"/>
+              </a:rPr>
+              <a:t>:</a:t>
+            </a:r>
+          </a:p>
+          <a:p>
+            <a:endParaRPr lang="en-US" sz="2000" dirty="0">
+              <a:latin typeface="+mj-lt"/>
+            </a:endParaRPr>
+          </a:p>
+          <a:p>
+            <a:pPr marL="285750" indent="-285750" fontAlgn="base">
+              <a:buFont typeface="Wingdings" panose="05000000000000000000" pitchFamily="2" charset="2"/>
+              <a:buChar char="Ø"/>
+            </a:pPr>
+            <a:r>
+              <a:rPr lang="en-US" dirty="0"/>
+              <a:t>In checksum error detection scheme, the data is divided into k segments each of m bits.</a:t>
+            </a:r>
+          </a:p>
+          <a:p>
+            <a:pPr marL="285750" indent="-285750" fontAlgn="base">
+              <a:buFont typeface="Wingdings" panose="05000000000000000000" pitchFamily="2" charset="2"/>
+              <a:buChar char="Ø"/>
+            </a:pPr>
+            <a:r>
+              <a:rPr lang="en-US" dirty="0"/>
+              <a:t>In the sender’s end the segments are added using 1’s complement arithmetic to get the sum. </a:t>
+            </a:r>
+            <a:endParaRPr lang="en-US" dirty="0" smtClean="0"/>
+          </a:p>
+          <a:p>
+            <a:pPr marL="285750" indent="-285750" fontAlgn="base">
+              <a:buFont typeface="Wingdings" panose="05000000000000000000" pitchFamily="2" charset="2"/>
+              <a:buChar char="Ø"/>
+            </a:pPr>
+            <a:r>
+              <a:rPr lang="en-US" dirty="0" smtClean="0"/>
+              <a:t>The </a:t>
+            </a:r>
+            <a:r>
+              <a:rPr lang="en-US" dirty="0"/>
+              <a:t>sum is complemented to get the checksum.</a:t>
+            </a:r>
+          </a:p>
+          <a:p>
+            <a:pPr marL="285750" indent="-285750" fontAlgn="base">
+              <a:buFont typeface="Wingdings" panose="05000000000000000000" pitchFamily="2" charset="2"/>
+              <a:buChar char="Ø"/>
+            </a:pPr>
+            <a:r>
+              <a:rPr lang="en-US" dirty="0"/>
+              <a:t>The checksum segment is sent along with the data segments.</a:t>
+            </a:r>
+          </a:p>
+          <a:p>
+            <a:pPr marL="285750" indent="-285750" fontAlgn="base">
+              <a:buFont typeface="Wingdings" panose="05000000000000000000" pitchFamily="2" charset="2"/>
+              <a:buChar char="Ø"/>
+            </a:pPr>
+            <a:r>
+              <a:rPr lang="en-US" dirty="0"/>
+              <a:t>At the receiver’s end, all received segments are added using 1’s complement arithmetic to get the sum. The sum is complemented.</a:t>
+            </a:r>
+          </a:p>
+          <a:p>
+            <a:pPr marL="285750" indent="-285750" fontAlgn="base">
+              <a:buFont typeface="Wingdings" panose="05000000000000000000" pitchFamily="2" charset="2"/>
+              <a:buChar char="Ø"/>
+            </a:pPr>
+            <a:r>
+              <a:rPr lang="en-US" dirty="0"/>
+              <a:t>If the result is zero, the received data is accepted; otherwise discarded.</a:t>
+            </a:r>
+          </a:p>
+          <a:p>
+            <a:endParaRPr lang="en-US" b="1" dirty="0"/>
+          </a:p>
+          <a:p>
+            <a:endParaRPr lang="en-US" dirty="0" smtClean="0"/>
+          </a:p>
+        </p:txBody>
+      </p:sp>
+    </p:spTree>
+    <p:extLst>
+      <p:ext uri="{BB962C8B-B14F-4D97-AF65-F5344CB8AC3E}">
+        <p14:creationId xmlns:p14="http://schemas.microsoft.com/office/powerpoint/2010/main" val="3482499208"/>
+      </p:ext>
+    </p:extLst>
+  </p:cSld>
+  <p:clrMapOvr>
+    <a:masterClrMapping/>
+  </p:clrMapOvr>
+</p:sld>
+</file>
+
+<file path=ppt/slides/slide14.xml><?xml version="1.0" encoding="utf-8"?>
+<p:sld xmlns:a="http://schemas.openxmlformats.org/drawingml/2006/main" xmlns:r="http://schemas.openxmlformats.org/officeDocument/2006/relationships" xmlns:p="http://schemas.openxmlformats.org/presentationml/2006/main">
+  <p:cSld>
+    <p:spTree>
+      <p:nvGrpSpPr>
+        <p:cNvPr id="1" name=""/>
+        <p:cNvGrpSpPr/>
+        <p:nvPr/>
+      </p:nvGrpSpPr>
+      <p:grpSpPr>
+        <a:xfrm>
+          <a:off x="0" y="0"/>
+          <a:ext cx="0" cy="0"/>
+          <a:chOff x="0" y="0"/>
+          <a:chExt cx="0" cy="0"/>
+        </a:xfrm>
+      </p:grpSpPr>
+      <p:sp>
+        <p:nvSpPr>
+          <p:cNvPr id="2" name="TextBox 1"/>
+          <p:cNvSpPr txBox="1"/>
+          <p:nvPr/>
+        </p:nvSpPr>
+        <p:spPr>
+          <a:xfrm>
+            <a:off x="695400" y="692696"/>
+            <a:ext cx="10657184" cy="6063198"/>
+          </a:xfrm>
+          <a:prstGeom prst="rect">
+            <a:avLst/>
+          </a:prstGeom>
+          <a:noFill/>
+        </p:spPr>
+        <p:txBody>
+          <a:bodyPr wrap="square" rtlCol="0">
+            <a:spAutoFit/>
+          </a:bodyPr>
+          <a:lstStyle/>
+          <a:p>
+            <a:r>
+              <a:rPr lang="en-US" sz="2000" dirty="0"/>
+              <a:t>Error </a:t>
+            </a:r>
+            <a:r>
+              <a:rPr lang="en-US" sz="2000" dirty="0" smtClean="0"/>
+              <a:t>Correction :</a:t>
+            </a:r>
+            <a:endParaRPr lang="en-US" sz="2000" dirty="0"/>
+          </a:p>
+          <a:p>
+            <a:r>
+              <a:rPr lang="en-US" dirty="0" smtClean="0"/>
+              <a:t>	In </a:t>
+            </a:r>
+            <a:r>
+              <a:rPr lang="en-US" dirty="0"/>
+              <a:t>the digital world, error correction can be done in two </a:t>
+            </a:r>
+            <a:r>
+              <a:rPr lang="en-US" dirty="0" smtClean="0"/>
+              <a:t>ways</a:t>
+            </a:r>
+            <a:endParaRPr lang="en-US" dirty="0"/>
+          </a:p>
+          <a:p>
+            <a:endParaRPr lang="en-US" sz="2000" dirty="0">
+              <a:latin typeface="+mj-lt"/>
+            </a:endParaRPr>
+          </a:p>
+          <a:p>
+            <a:r>
+              <a:rPr lang="en-US" sz="2000" dirty="0" smtClean="0">
+                <a:latin typeface="+mj-lt"/>
+              </a:rPr>
+              <a:t>Backward </a:t>
+            </a:r>
+            <a:r>
+              <a:rPr lang="en-US" sz="2000" dirty="0">
+                <a:latin typeface="+mj-lt"/>
+              </a:rPr>
+              <a:t>Error Correction :</a:t>
+            </a:r>
+          </a:p>
+          <a:p>
+            <a:r>
+              <a:rPr lang="en-US" dirty="0"/>
+              <a:t>When the receiver detects an error in the data received, it requests back the sender to retransmit the data unit.</a:t>
+            </a:r>
+          </a:p>
+          <a:p>
+            <a:endParaRPr lang="en-US" b="1" dirty="0" smtClean="0"/>
+          </a:p>
+          <a:p>
+            <a:endParaRPr lang="en-US" b="1" dirty="0"/>
+          </a:p>
+          <a:p>
+            <a:r>
+              <a:rPr lang="en-US" sz="2000" dirty="0">
+                <a:latin typeface="+mj-lt"/>
+              </a:rPr>
+              <a:t>Forward Error Correction :</a:t>
+            </a:r>
+          </a:p>
+          <a:p>
+            <a:r>
+              <a:rPr lang="en-US" dirty="0"/>
+              <a:t>When the receiver detects some error in the data received, it executes error-correcting code, which helps it to auto-recover and to correct some kinds of errors.</a:t>
+            </a:r>
+          </a:p>
+          <a:p>
+            <a:endParaRPr lang="en-US" b="1" dirty="0" smtClean="0"/>
+          </a:p>
+          <a:p>
+            <a:endParaRPr lang="en-US" b="1" dirty="0"/>
+          </a:p>
+          <a:p>
+            <a:r>
+              <a:rPr lang="en-US" sz="2000" dirty="0" smtClean="0">
+                <a:latin typeface="+mj-lt"/>
+              </a:rPr>
+              <a:t>Addressing :</a:t>
+            </a:r>
+            <a:endParaRPr lang="en-US" sz="2000" dirty="0">
+              <a:latin typeface="+mj-lt"/>
+            </a:endParaRPr>
+          </a:p>
+          <a:p>
+            <a:r>
+              <a:rPr lang="en-US" dirty="0"/>
+              <a:t>Data-link layer provides layer-2 hardware addressing mechanism. Hardware address is assumed to be unique on the link. It is encoded into hardware at the time of manufacturing.</a:t>
+            </a:r>
+          </a:p>
+          <a:p>
+            <a:r>
+              <a:rPr lang="en-US" dirty="0"/>
+              <a:t/>
+            </a:r>
+            <a:br>
+              <a:rPr lang="en-US" dirty="0"/>
+            </a:br>
+            <a:endParaRPr lang="en-US" dirty="0" smtClean="0"/>
+          </a:p>
+          <a:p>
+            <a:r>
+              <a:rPr lang="en-US" dirty="0"/>
+              <a:t/>
+            </a:r>
+            <a:br>
+              <a:rPr lang="en-US" dirty="0"/>
+            </a:br>
+            <a:endParaRPr lang="en-US" dirty="0"/>
+          </a:p>
+        </p:txBody>
+      </p:sp>
+    </p:spTree>
+    <p:extLst>
+      <p:ext uri="{BB962C8B-B14F-4D97-AF65-F5344CB8AC3E}">
+        <p14:creationId xmlns:p14="http://schemas.microsoft.com/office/powerpoint/2010/main" val="3045849868"/>
+      </p:ext>
+    </p:extLst>
+  </p:cSld>
+  <p:clrMapOvr>
+    <a:masterClrMapping/>
+  </p:clrMapOvr>
+</p:sld>
+</file>
+
+<file path=ppt/slides/slide15.xml><?xml version="1.0" encoding="utf-8"?>
+<p:sld xmlns:a="http://schemas.openxmlformats.org/drawingml/2006/main" xmlns:r="http://schemas.openxmlformats.org/officeDocument/2006/relationships" xmlns:p="http://schemas.openxmlformats.org/presentationml/2006/main">
+  <p:cSld>
+    <p:spTree>
+      <p:nvGrpSpPr>
+        <p:cNvPr id="1" name=""/>
+        <p:cNvGrpSpPr/>
+        <p:nvPr/>
+      </p:nvGrpSpPr>
+      <p:grpSpPr>
+        <a:xfrm>
+          <a:off x="0" y="0"/>
+          <a:ext cx="0" cy="0"/>
+          <a:chOff x="0" y="0"/>
+          <a:chExt cx="0" cy="0"/>
+        </a:xfrm>
+      </p:grpSpPr>
+      <p:sp>
+        <p:nvSpPr>
+          <p:cNvPr id="2" name="TextBox 1"/>
+          <p:cNvSpPr txBox="1"/>
+          <p:nvPr/>
+        </p:nvSpPr>
+        <p:spPr>
+          <a:xfrm>
+            <a:off x="479376" y="548680"/>
+            <a:ext cx="10729192" cy="4370427"/>
+          </a:xfrm>
+          <a:prstGeom prst="rect">
+            <a:avLst/>
+          </a:prstGeom>
+          <a:noFill/>
+        </p:spPr>
+        <p:txBody>
+          <a:bodyPr wrap="square" rtlCol="0">
+            <a:spAutoFit/>
+          </a:bodyPr>
+          <a:lstStyle/>
+          <a:p>
+            <a:r>
+              <a:rPr lang="en-US" sz="2000" dirty="0"/>
+              <a:t>Flow </a:t>
+            </a:r>
+            <a:r>
+              <a:rPr lang="en-US" sz="2000" dirty="0" smtClean="0"/>
+              <a:t>Control :</a:t>
+            </a:r>
+          </a:p>
+          <a:p>
+            <a:endParaRPr lang="en-US" sz="2000" dirty="0"/>
+          </a:p>
+          <a:p>
+            <a:pPr marL="285750" indent="-285750">
+              <a:buFont typeface="Wingdings" panose="05000000000000000000" pitchFamily="2" charset="2"/>
+              <a:buChar char="Ø"/>
+            </a:pPr>
+            <a:r>
+              <a:rPr lang="en-US" dirty="0" smtClean="0"/>
+              <a:t>When </a:t>
+            </a:r>
+            <a:r>
+              <a:rPr lang="en-US" dirty="0"/>
+              <a:t>a data frame (Layer-2 data) is sent from one host to another over a single medium, it is required that the sender and receiver should work at the same speed. </a:t>
+            </a:r>
+            <a:endParaRPr lang="en-US" dirty="0" smtClean="0"/>
+          </a:p>
+          <a:p>
+            <a:pPr marL="285750" indent="-285750">
+              <a:buFont typeface="Wingdings" panose="05000000000000000000" pitchFamily="2" charset="2"/>
+              <a:buChar char="Ø"/>
+            </a:pPr>
+            <a:r>
+              <a:rPr lang="en-US" dirty="0" smtClean="0"/>
+              <a:t>That </a:t>
+            </a:r>
+            <a:r>
+              <a:rPr lang="en-US" dirty="0"/>
+              <a:t>is, sender sends at a speed on which the receiver can process and accept the data. </a:t>
+            </a:r>
+            <a:endParaRPr lang="en-US" dirty="0" smtClean="0"/>
+          </a:p>
+          <a:p>
+            <a:pPr marL="285750" indent="-285750">
+              <a:buFont typeface="Wingdings" panose="05000000000000000000" pitchFamily="2" charset="2"/>
+              <a:buChar char="Ø"/>
+            </a:pPr>
+            <a:r>
+              <a:rPr lang="en-US" dirty="0" smtClean="0"/>
+              <a:t>What </a:t>
+            </a:r>
+            <a:r>
+              <a:rPr lang="en-US" dirty="0"/>
+              <a:t>if the speed (hardware/software) of the sender or receiver differs? If sender is sending too fast the receiver may be overloaded, (swamped) and data may be lost.</a:t>
+            </a:r>
+          </a:p>
+          <a:p>
+            <a:endParaRPr lang="en-US" dirty="0" smtClean="0"/>
+          </a:p>
+          <a:p>
+            <a:endParaRPr lang="en-US" dirty="0" smtClean="0"/>
+          </a:p>
+          <a:p>
+            <a:r>
+              <a:rPr lang="en-US" dirty="0" smtClean="0"/>
+              <a:t>Two </a:t>
+            </a:r>
+            <a:r>
+              <a:rPr lang="en-US" dirty="0"/>
+              <a:t>types of mechanisms can be deployed to control the </a:t>
+            </a:r>
+            <a:r>
+              <a:rPr lang="en-US" dirty="0" smtClean="0"/>
+              <a:t>flow</a:t>
+            </a:r>
+          </a:p>
+          <a:p>
+            <a:endParaRPr lang="en-US" dirty="0"/>
+          </a:p>
+          <a:p>
+            <a:endParaRPr lang="en-US" sz="2000" dirty="0" smtClean="0"/>
+          </a:p>
+          <a:p>
+            <a:r>
+              <a:rPr lang="en-US" sz="2000" dirty="0" smtClean="0"/>
+              <a:t>Stop </a:t>
+            </a:r>
+            <a:r>
+              <a:rPr lang="en-US" sz="2000" dirty="0"/>
+              <a:t>and </a:t>
+            </a:r>
+            <a:r>
+              <a:rPr lang="en-US" sz="2000" dirty="0" smtClean="0"/>
+              <a:t>Wait:</a:t>
+            </a:r>
+            <a:endParaRPr lang="en-US" sz="2000" dirty="0"/>
+          </a:p>
+          <a:p>
+            <a:r>
+              <a:rPr lang="en-US" dirty="0" smtClean="0"/>
+              <a:t>	This </a:t>
+            </a:r>
+            <a:r>
+              <a:rPr lang="en-US" dirty="0"/>
+              <a:t>flow control mechanism forces the sender after transmitting a data frame to stop and wait until the acknowledgement of the data-frame sent is received</a:t>
+            </a:r>
+            <a:r>
+              <a:rPr lang="en-US" dirty="0" smtClean="0"/>
+              <a:t>.</a:t>
+            </a:r>
+            <a:endParaRPr lang="en-US" dirty="0"/>
+          </a:p>
+        </p:txBody>
+      </p:sp>
+    </p:spTree>
+    <p:extLst>
+      <p:ext uri="{BB962C8B-B14F-4D97-AF65-F5344CB8AC3E}">
+        <p14:creationId xmlns:p14="http://schemas.microsoft.com/office/powerpoint/2010/main" val="2855540093"/>
+      </p:ext>
+    </p:extLst>
+  </p:cSld>
+  <p:clrMapOvr>
+    <a:masterClrMapping/>
+  </p:clrMapOvr>
+</p:sld>
+</file>
+
+<file path=ppt/slides/slide16.xml><?xml version="1.0" encoding="utf-8"?>
+<p:sld xmlns:a="http://schemas.openxmlformats.org/drawingml/2006/main" xmlns:r="http://schemas.openxmlformats.org/officeDocument/2006/relationships" xmlns:p="http://schemas.openxmlformats.org/presentationml/2006/main">
+  <p:cSld>
+    <p:spTree>
+      <p:nvGrpSpPr>
+        <p:cNvPr id="1" name=""/>
+        <p:cNvGrpSpPr/>
+        <p:nvPr/>
+      </p:nvGrpSpPr>
+      <p:grpSpPr>
+        <a:xfrm>
+          <a:off x="0" y="0"/>
+          <a:ext cx="0" cy="0"/>
+          <a:chOff x="0" y="0"/>
+          <a:chExt cx="0" cy="0"/>
+        </a:xfrm>
+      </p:grpSpPr>
+      <p:sp>
+        <p:nvSpPr>
+          <p:cNvPr id="2" name="TextBox 1"/>
+          <p:cNvSpPr txBox="1"/>
+          <p:nvPr/>
+        </p:nvSpPr>
+        <p:spPr>
+          <a:xfrm>
+            <a:off x="551384" y="3645024"/>
+            <a:ext cx="10873208" cy="2062103"/>
+          </a:xfrm>
+          <a:prstGeom prst="rect">
+            <a:avLst/>
+          </a:prstGeom>
+          <a:noFill/>
+        </p:spPr>
+        <p:txBody>
+          <a:bodyPr wrap="square" rtlCol="0">
+            <a:spAutoFit/>
+          </a:bodyPr>
+          <a:lstStyle/>
+          <a:p>
+            <a:endParaRPr lang="en-US" b="1" dirty="0"/>
+          </a:p>
+          <a:p>
+            <a:r>
+              <a:rPr lang="en-US" sz="2000" dirty="0" smtClean="0">
+                <a:latin typeface="+mj-lt"/>
+              </a:rPr>
+              <a:t>Sliding Window :</a:t>
+            </a:r>
+          </a:p>
+          <a:p>
+            <a:r>
+              <a:rPr lang="en-US" dirty="0" smtClean="0"/>
+              <a:t>	In </a:t>
+            </a:r>
+            <a:r>
+              <a:rPr lang="en-US" dirty="0"/>
+              <a:t>this flow control mechanism, both sender and receiver agree on the number of data-frames after which the acknowledgement should be sent. As we learnt, stop and wait flow control mechanism wastes resources, this protocol tries to make use of underlying resources as much as possible.</a:t>
+            </a:r>
+          </a:p>
+          <a:p>
+            <a:endParaRPr lang="en-US" dirty="0"/>
+          </a:p>
+        </p:txBody>
+      </p:sp>
+      <p:pic>
+        <p:nvPicPr>
+          <p:cNvPr id="3" name="Picture 2" descr="Stop and Wait"/>
+          <p:cNvPicPr>
+            <a:picLocks noChangeAspect="1" noChangeArrowheads="1"/>
+          </p:cNvPicPr>
+          <p:nvPr/>
+        </p:nvPicPr>
+        <p:blipFill>
+          <a:blip r:embed="rId2">
+            <a:extLst>
+              <a:ext uri="{28A0092B-C50C-407E-A947-70E740481C1C}">
+                <a14:useLocalDpi xmlns:a14="http://schemas.microsoft.com/office/drawing/2010/main" val="0"/>
+              </a:ext>
+            </a:extLst>
+          </a:blip>
+          <a:srcRect/>
+          <a:stretch>
+            <a:fillRect/>
+          </a:stretch>
+        </p:blipFill>
+        <p:spPr bwMode="auto">
+          <a:xfrm>
+            <a:off x="5663952" y="663714"/>
+            <a:ext cx="2448272" cy="2577529"/>
+          </a:xfrm>
+          <a:prstGeom prst="rect">
+            <a:avLst/>
+          </a:prstGeom>
+          <a:noFill/>
+          <a:extLst>
+            <a:ext uri="{909E8E84-426E-40DD-AFC4-6F175D3DCCD1}">
+              <a14:hiddenFill xmlns:a14="http://schemas.microsoft.com/office/drawing/2010/main">
+                <a:solidFill>
+                  <a:srgbClr val="FFFFFF"/>
+                </a:solidFill>
+              </a14:hiddenFill>
+            </a:ext>
+          </a:extLst>
+        </p:spPr>
+      </p:pic>
+      <p:sp>
+        <p:nvSpPr>
+          <p:cNvPr id="4" name="TextBox 3"/>
+          <p:cNvSpPr txBox="1"/>
+          <p:nvPr/>
+        </p:nvSpPr>
+        <p:spPr>
+          <a:xfrm>
+            <a:off x="695400" y="636657"/>
+            <a:ext cx="4608512" cy="400110"/>
+          </a:xfrm>
+          <a:prstGeom prst="rect">
+            <a:avLst/>
+          </a:prstGeom>
+          <a:noFill/>
+        </p:spPr>
+        <p:txBody>
+          <a:bodyPr wrap="square" rtlCol="0">
+            <a:spAutoFit/>
+          </a:bodyPr>
+          <a:lstStyle/>
+          <a:p>
+            <a:r>
+              <a:rPr lang="en-US" sz="2000" dirty="0" smtClean="0">
+                <a:latin typeface="+mj-lt"/>
+              </a:rPr>
+              <a:t>Example for Stop and Wait : </a:t>
+            </a:r>
+            <a:endParaRPr lang="en-US" sz="2000" dirty="0">
+              <a:latin typeface="+mj-lt"/>
+            </a:endParaRPr>
+          </a:p>
+        </p:txBody>
+      </p:sp>
+    </p:spTree>
+    <p:extLst>
+      <p:ext uri="{BB962C8B-B14F-4D97-AF65-F5344CB8AC3E}">
+        <p14:creationId xmlns:p14="http://schemas.microsoft.com/office/powerpoint/2010/main" val="4185381983"/>
+      </p:ext>
+    </p:extLst>
+  </p:cSld>
+  <p:clrMapOvr>
+    <a:masterClrMapping/>
+  </p:clrMapOvr>
+</p:sld>
+</file>
+
+<file path=ppt/slides/slide17.xml><?xml version="1.0" encoding="utf-8"?>
+<p:sld xmlns:a="http://schemas.openxmlformats.org/drawingml/2006/main" xmlns:r="http://schemas.openxmlformats.org/officeDocument/2006/relationships" xmlns:p="http://schemas.openxmlformats.org/presentationml/2006/main">
+  <p:cSld>
+    <p:spTree>
+      <p:nvGrpSpPr>
+        <p:cNvPr id="1" name=""/>
+        <p:cNvGrpSpPr/>
+        <p:nvPr/>
+      </p:nvGrpSpPr>
+      <p:grpSpPr>
+        <a:xfrm>
+          <a:off x="0" y="0"/>
+          <a:ext cx="0" cy="0"/>
+          <a:chOff x="0" y="0"/>
+          <a:chExt cx="0" cy="0"/>
+        </a:xfrm>
+      </p:grpSpPr>
+      <p:sp>
+        <p:nvSpPr>
+          <p:cNvPr id="4" name="TextBox 3"/>
+          <p:cNvSpPr txBox="1"/>
+          <p:nvPr/>
+        </p:nvSpPr>
+        <p:spPr>
+          <a:xfrm>
+            <a:off x="5231904" y="3212976"/>
+            <a:ext cx="10945216" cy="1015663"/>
+          </a:xfrm>
+          <a:prstGeom prst="rect">
+            <a:avLst/>
+          </a:prstGeom>
+          <a:noFill/>
+        </p:spPr>
+        <p:txBody>
+          <a:bodyPr wrap="square" rtlCol="0">
+            <a:spAutoFit/>
+          </a:bodyPr>
+          <a:lstStyle/>
+          <a:p>
+            <a:r>
+              <a:rPr lang="en-US" sz="6000" dirty="0" smtClean="0">
+                <a:solidFill>
+                  <a:schemeClr val="accent1">
+                    <a:lumMod val="60000"/>
+                    <a:lumOff val="40000"/>
+                  </a:schemeClr>
+                </a:solidFill>
+              </a:rPr>
+              <a:t>P</a:t>
+            </a:r>
+            <a:r>
+              <a:rPr lang="en-US" sz="4400" dirty="0" smtClean="0">
+                <a:solidFill>
+                  <a:schemeClr val="accent1">
+                    <a:lumMod val="60000"/>
+                    <a:lumOff val="40000"/>
+                  </a:schemeClr>
+                </a:solidFill>
+              </a:rPr>
+              <a:t>ROTOCOLS</a:t>
+            </a:r>
+            <a:endParaRPr lang="en-US" sz="6000" dirty="0">
+              <a:solidFill>
+                <a:schemeClr val="accent1">
+                  <a:lumMod val="60000"/>
+                  <a:lumOff val="40000"/>
+                </a:schemeClr>
+              </a:solidFill>
+            </a:endParaRPr>
+          </a:p>
+        </p:txBody>
+      </p:sp>
+    </p:spTree>
+    <p:extLst>
+      <p:ext uri="{BB962C8B-B14F-4D97-AF65-F5344CB8AC3E}">
+        <p14:creationId xmlns:p14="http://schemas.microsoft.com/office/powerpoint/2010/main" val="2523429137"/>
+      </p:ext>
+    </p:extLst>
+  </p:cSld>
+  <p:clrMapOvr>
+    <a:masterClrMapping/>
+  </p:clrMapOvr>
+</p:sld>
+</file>
+
+<file path=ppt/slides/slide18.xml><?xml version="1.0" encoding="utf-8"?>
+<p:sld xmlns:a="http://schemas.openxmlformats.org/drawingml/2006/main" xmlns:r="http://schemas.openxmlformats.org/officeDocument/2006/relationships" xmlns:p="http://schemas.openxmlformats.org/presentationml/2006/main">
+  <p:cSld>
+    <p:spTree>
+      <p:nvGrpSpPr>
+        <p:cNvPr id="1" name=""/>
+        <p:cNvGrpSpPr/>
+        <p:nvPr/>
+      </p:nvGrpSpPr>
+      <p:grpSpPr>
+        <a:xfrm>
+          <a:off x="0" y="0"/>
+          <a:ext cx="0" cy="0"/>
+          <a:chOff x="0" y="0"/>
+          <a:chExt cx="0" cy="0"/>
+        </a:xfrm>
+      </p:grpSpPr>
+      <p:sp>
+        <p:nvSpPr>
+          <p:cNvPr id="2" name="Title 1"/>
+          <p:cNvSpPr>
+            <a:spLocks noGrp="1"/>
+          </p:cNvSpPr>
+          <p:nvPr>
+            <p:ph type="ctrTitle"/>
+          </p:nvPr>
+        </p:nvSpPr>
+        <p:spPr>
+          <a:xfrm>
+            <a:off x="495333" y="209918"/>
+            <a:ext cx="9144000" cy="515155"/>
+          </a:xfrm>
+        </p:spPr>
+        <p:txBody>
+          <a:bodyPr>
+            <a:normAutofit/>
+          </a:bodyPr>
+          <a:lstStyle/>
+          <a:p>
+            <a:r>
+              <a:rPr lang="en-US" sz="2400" b="1" dirty="0" smtClean="0">
+                <a:latin typeface="Times New Roman" panose="02020603050405020304" pitchFamily="18" charset="0"/>
+                <a:cs typeface="Times New Roman" panose="02020603050405020304" pitchFamily="18" charset="0"/>
+              </a:rPr>
+              <a:t>ADDRESS RESOLUTION PROTOCOL</a:t>
+            </a:r>
+            <a:endParaRPr lang="en-US" sz="2400" b="1" dirty="0">
+              <a:latin typeface="Times New Roman" panose="02020603050405020304" pitchFamily="18" charset="0"/>
+              <a:cs typeface="Times New Roman" panose="02020603050405020304" pitchFamily="18" charset="0"/>
+            </a:endParaRPr>
+          </a:p>
+        </p:txBody>
+      </p:sp>
+      <p:sp>
+        <p:nvSpPr>
+          <p:cNvPr id="3" name="Subtitle 2"/>
+          <p:cNvSpPr>
+            <a:spLocks noGrp="1"/>
+          </p:cNvSpPr>
+          <p:nvPr>
+            <p:ph type="subTitle" idx="1"/>
+          </p:nvPr>
+        </p:nvSpPr>
+        <p:spPr>
+          <a:xfrm>
+            <a:off x="479376" y="695459"/>
+            <a:ext cx="11305256" cy="4562341"/>
+          </a:xfrm>
+        </p:spPr>
+        <p:txBody>
+          <a:bodyPr>
+            <a:normAutofit/>
+          </a:bodyPr>
+          <a:lstStyle/>
+          <a:p>
+            <a:pPr marL="342900" indent="-342900" algn="l">
+              <a:lnSpc>
+                <a:spcPct val="150000"/>
+              </a:lnSpc>
+              <a:buFont typeface="Wingdings" panose="05000000000000000000" pitchFamily="2" charset="2"/>
+              <a:buChar char="Ø"/>
+            </a:pPr>
+            <a:r>
+              <a:rPr lang="en-US" sz="2000" dirty="0">
+                <a:solidFill>
+                  <a:schemeClr val="tx1">
+                    <a:lumMod val="75000"/>
+                    <a:lumOff val="25000"/>
+                  </a:schemeClr>
+                </a:solidFill>
+              </a:rPr>
+              <a:t>Address Resolution </a:t>
+            </a:r>
+            <a:r>
+              <a:rPr lang="en-US" sz="2000" dirty="0" smtClean="0">
+                <a:solidFill>
+                  <a:schemeClr val="tx1">
+                    <a:lumMod val="75000"/>
+                    <a:lumOff val="25000"/>
+                  </a:schemeClr>
+                </a:solidFill>
+              </a:rPr>
+              <a:t>Protocol </a:t>
+            </a:r>
+            <a:r>
+              <a:rPr lang="en-US" sz="2000" dirty="0">
+                <a:solidFill>
+                  <a:schemeClr val="tx1">
+                    <a:lumMod val="75000"/>
+                    <a:lumOff val="25000"/>
+                  </a:schemeClr>
+                </a:solidFill>
+              </a:rPr>
+              <a:t>is a </a:t>
+            </a:r>
+            <a:r>
+              <a:rPr lang="en-US" sz="2000" dirty="0" smtClean="0">
+                <a:solidFill>
+                  <a:schemeClr val="tx1">
+                    <a:lumMod val="75000"/>
+                    <a:lumOff val="25000"/>
+                  </a:schemeClr>
+                </a:solidFill>
+              </a:rPr>
+              <a:t>protocol</a:t>
+            </a:r>
+            <a:r>
+              <a:rPr lang="en-US" sz="2000" dirty="0">
+                <a:solidFill>
+                  <a:schemeClr val="tx1">
+                    <a:lumMod val="75000"/>
+                    <a:lumOff val="25000"/>
+                  </a:schemeClr>
+                </a:solidFill>
+              </a:rPr>
+              <a:t> for mapping an Internet Protocol </a:t>
+            </a:r>
+            <a:r>
+              <a:rPr lang="en-US" sz="2000" dirty="0" smtClean="0">
+                <a:solidFill>
+                  <a:schemeClr val="tx1">
+                    <a:lumMod val="75000"/>
+                    <a:lumOff val="25000"/>
+                  </a:schemeClr>
+                </a:solidFill>
+              </a:rPr>
+              <a:t>address to </a:t>
+            </a:r>
+            <a:r>
+              <a:rPr lang="en-US" sz="2000" dirty="0">
+                <a:solidFill>
+                  <a:schemeClr val="tx1">
+                    <a:lumMod val="75000"/>
+                    <a:lumOff val="25000"/>
+                  </a:schemeClr>
+                </a:solidFill>
+              </a:rPr>
+              <a:t>a physical machine address </a:t>
+            </a:r>
+            <a:r>
+              <a:rPr lang="en-US" sz="2000" dirty="0" smtClean="0">
+                <a:solidFill>
+                  <a:schemeClr val="tx1">
+                    <a:lumMod val="75000"/>
+                    <a:lumOff val="25000"/>
+                  </a:schemeClr>
+                </a:solidFill>
+              </a:rPr>
+              <a:t>that </a:t>
+            </a:r>
+            <a:r>
+              <a:rPr lang="en-US" sz="2000" dirty="0">
+                <a:solidFill>
+                  <a:schemeClr val="tx1">
+                    <a:lumMod val="75000"/>
+                    <a:lumOff val="25000"/>
+                  </a:schemeClr>
+                </a:solidFill>
+              </a:rPr>
+              <a:t>is recognized in the local network</a:t>
+            </a:r>
+            <a:r>
+              <a:rPr lang="en-US" sz="2000" dirty="0" smtClean="0">
+                <a:solidFill>
+                  <a:schemeClr val="tx1">
+                    <a:lumMod val="75000"/>
+                    <a:lumOff val="25000"/>
+                  </a:schemeClr>
+                </a:solidFill>
+              </a:rPr>
+              <a:t>.</a:t>
+            </a:r>
+          </a:p>
+          <a:p>
+            <a:pPr marL="342900" indent="-342900" algn="l">
+              <a:lnSpc>
+                <a:spcPct val="150000"/>
+              </a:lnSpc>
+              <a:buFont typeface="Wingdings" panose="05000000000000000000" pitchFamily="2" charset="2"/>
+              <a:buChar char="Ø"/>
+            </a:pPr>
+            <a:r>
+              <a:rPr lang="en-US" sz="2000" dirty="0" smtClean="0">
+                <a:solidFill>
+                  <a:schemeClr val="tx1">
+                    <a:lumMod val="75000"/>
+                    <a:lumOff val="25000"/>
+                  </a:schemeClr>
+                </a:solidFill>
+              </a:rPr>
+              <a:t>The </a:t>
+            </a:r>
+            <a:r>
+              <a:rPr lang="en-US" sz="2000" dirty="0">
+                <a:solidFill>
+                  <a:schemeClr val="tx1">
+                    <a:lumMod val="75000"/>
+                    <a:lumOff val="25000"/>
+                  </a:schemeClr>
+                </a:solidFill>
+              </a:rPr>
+              <a:t>purpose of Address Resolution Protocol </a:t>
+            </a:r>
+            <a:r>
+              <a:rPr lang="en-US" sz="2000" dirty="0" smtClean="0">
+                <a:solidFill>
+                  <a:schemeClr val="tx1">
+                    <a:lumMod val="75000"/>
+                    <a:lumOff val="25000"/>
+                  </a:schemeClr>
+                </a:solidFill>
+              </a:rPr>
+              <a:t>ARP </a:t>
+            </a:r>
+            <a:r>
+              <a:rPr lang="en-US" sz="2000" dirty="0">
+                <a:solidFill>
+                  <a:schemeClr val="tx1">
+                    <a:lumMod val="75000"/>
+                    <a:lumOff val="25000"/>
+                  </a:schemeClr>
+                </a:solidFill>
+              </a:rPr>
+              <a:t>is to resolve an IPv4 address (32 bit Logical </a:t>
+            </a:r>
+            <a:r>
+              <a:rPr lang="en-US" sz="2000" dirty="0" smtClean="0">
+                <a:solidFill>
+                  <a:schemeClr val="tx1">
+                    <a:lumMod val="75000"/>
+                    <a:lumOff val="25000"/>
+                  </a:schemeClr>
+                </a:solidFill>
+              </a:rPr>
+              <a:t>Address to </a:t>
+            </a:r>
+            <a:r>
+              <a:rPr lang="en-US" sz="2000" dirty="0">
+                <a:solidFill>
+                  <a:schemeClr val="tx1">
+                    <a:lumMod val="75000"/>
+                    <a:lumOff val="25000"/>
+                  </a:schemeClr>
+                </a:solidFill>
+              </a:rPr>
+              <a:t>the physical </a:t>
+            </a:r>
+            <a:r>
+              <a:rPr lang="en-US" sz="2000" dirty="0" smtClean="0">
+                <a:solidFill>
+                  <a:schemeClr val="tx1">
+                    <a:lumMod val="75000"/>
+                    <a:lumOff val="25000"/>
+                  </a:schemeClr>
+                </a:solidFill>
+              </a:rPr>
+              <a:t>address </a:t>
+            </a:r>
+            <a:r>
+              <a:rPr lang="en-US" sz="2000" dirty="0">
+                <a:solidFill>
+                  <a:schemeClr val="tx1">
+                    <a:lumMod val="75000"/>
+                    <a:lumOff val="25000"/>
+                  </a:schemeClr>
+                </a:solidFill>
+              </a:rPr>
+              <a:t>(48 bit MAC </a:t>
+            </a:r>
+            <a:r>
+              <a:rPr lang="en-US" sz="2000" dirty="0" smtClean="0">
+                <a:solidFill>
+                  <a:schemeClr val="tx1">
+                    <a:lumMod val="75000"/>
+                    <a:lumOff val="25000"/>
+                  </a:schemeClr>
+                </a:solidFill>
+              </a:rPr>
+              <a:t>Address).</a:t>
+            </a:r>
+            <a:r>
+              <a:rPr lang="en-US" sz="2000" dirty="0">
+                <a:solidFill>
+                  <a:schemeClr val="tx1">
+                    <a:lumMod val="75000"/>
+                    <a:lumOff val="25000"/>
+                  </a:schemeClr>
+                </a:solidFill>
+              </a:rPr>
+              <a:t> </a:t>
+            </a:r>
+            <a:endParaRPr lang="en-US" sz="2000" dirty="0" smtClean="0">
+              <a:solidFill>
+                <a:schemeClr val="tx1">
+                  <a:lumMod val="75000"/>
+                  <a:lumOff val="25000"/>
+                </a:schemeClr>
+              </a:solidFill>
+            </a:endParaRPr>
+          </a:p>
+          <a:p>
+            <a:pPr marL="342900" indent="-342900" algn="l">
+              <a:lnSpc>
+                <a:spcPct val="150000"/>
+              </a:lnSpc>
+              <a:buFont typeface="Wingdings" panose="05000000000000000000" pitchFamily="2" charset="2"/>
+              <a:buChar char="Ø"/>
+            </a:pPr>
+            <a:r>
+              <a:rPr lang="en-US" sz="2000" dirty="0" smtClean="0">
+                <a:solidFill>
+                  <a:schemeClr val="tx1">
+                    <a:lumMod val="75000"/>
+                    <a:lumOff val="25000"/>
+                  </a:schemeClr>
+                </a:solidFill>
+              </a:rPr>
+              <a:t>Address Resolution protocol message format.                          </a:t>
+            </a:r>
+          </a:p>
+        </p:txBody>
+      </p:sp>
+      <p:pic>
+        <p:nvPicPr>
+          <p:cNvPr id="7" name="Picture 6" descr="Address Resolution Protocol ARP Message Format"/>
+          <p:cNvPicPr/>
+          <p:nvPr/>
+        </p:nvPicPr>
+        <p:blipFill>
+          <a:blip r:embed="rId2">
+            <a:extLst>
+              <a:ext uri="{28A0092B-C50C-407E-A947-70E740481C1C}">
+                <a14:useLocalDpi xmlns:a14="http://schemas.microsoft.com/office/drawing/2010/main" val="0"/>
+              </a:ext>
+            </a:extLst>
+          </a:blip>
+          <a:srcRect/>
+          <a:stretch>
+            <a:fillRect/>
+          </a:stretch>
+        </p:blipFill>
+        <p:spPr bwMode="auto">
+          <a:xfrm>
+            <a:off x="2055840" y="3157000"/>
+            <a:ext cx="8152327" cy="3734874"/>
+          </a:xfrm>
+          <a:prstGeom prst="rect">
+            <a:avLst/>
+          </a:prstGeom>
+          <a:noFill/>
+          <a:ln>
+            <a:noFill/>
+          </a:ln>
+        </p:spPr>
+      </p:pic>
+    </p:spTree>
+    <p:extLst>
+      <p:ext uri="{BB962C8B-B14F-4D97-AF65-F5344CB8AC3E}">
+        <p14:creationId xmlns:p14="http://schemas.microsoft.com/office/powerpoint/2010/main" val="313412926"/>
+      </p:ext>
+    </p:extLst>
+  </p:cSld>
+  <p:clrMapOvr>
+    <a:masterClrMapping/>
+  </p:clrMapOvr>
+</p:sld>
+</file>
+
+<file path=ppt/slides/slide19.xml><?xml version="1.0" encoding="utf-8"?>
+<p:sld xmlns:a="http://schemas.openxmlformats.org/drawingml/2006/main" xmlns:r="http://schemas.openxmlformats.org/officeDocument/2006/relationships" xmlns:p="http://schemas.openxmlformats.org/presentationml/2006/main">
+  <p:cSld>
+    <p:spTree>
+      <p:nvGrpSpPr>
+        <p:cNvPr id="1" name=""/>
+        <p:cNvGrpSpPr/>
+        <p:nvPr/>
+      </p:nvGrpSpPr>
+      <p:grpSpPr>
+        <a:xfrm>
+          <a:off x="0" y="0"/>
+          <a:ext cx="0" cy="0"/>
+          <a:chOff x="0" y="0"/>
+          <a:chExt cx="0" cy="0"/>
+        </a:xfrm>
+      </p:grpSpPr>
+      <p:sp>
+        <p:nvSpPr>
+          <p:cNvPr id="2" name="Title 1"/>
+          <p:cNvSpPr>
+            <a:spLocks noGrp="1"/>
+          </p:cNvSpPr>
+          <p:nvPr>
+            <p:ph type="title"/>
+          </p:nvPr>
+        </p:nvSpPr>
+        <p:spPr>
+          <a:xfrm>
+            <a:off x="-1320824" y="260648"/>
+            <a:ext cx="10515600" cy="356092"/>
+          </a:xfrm>
+        </p:spPr>
+        <p:txBody>
+          <a:bodyPr>
+            <a:normAutofit fontScale="90000"/>
+          </a:bodyPr>
+          <a:lstStyle/>
+          <a:p>
+            <a:r>
+              <a:rPr lang="en-US" dirty="0" smtClean="0"/>
+              <a:t>                    </a:t>
+            </a:r>
+            <a:r>
+              <a:rPr lang="en-US" sz="2700" b="1" dirty="0" smtClean="0">
+                <a:latin typeface="Times New Roman" panose="02020603050405020304" pitchFamily="18" charset="0"/>
+                <a:cs typeface="Times New Roman" panose="02020603050405020304" pitchFamily="18" charset="0"/>
+              </a:rPr>
+              <a:t>ASYNCHRONOUS TRANSFER MODE</a:t>
+            </a:r>
+            <a:endParaRPr lang="en-US" sz="2700" b="1" dirty="0">
+              <a:latin typeface="Times New Roman" panose="02020603050405020304" pitchFamily="18" charset="0"/>
+              <a:cs typeface="Times New Roman" panose="02020603050405020304" pitchFamily="18" charset="0"/>
+            </a:endParaRPr>
+          </a:p>
+        </p:txBody>
+      </p:sp>
+      <p:sp>
+        <p:nvSpPr>
+          <p:cNvPr id="3" name="Content Placeholder 2"/>
+          <p:cNvSpPr>
+            <a:spLocks noGrp="1"/>
+          </p:cNvSpPr>
+          <p:nvPr>
+            <p:ph idx="1"/>
+          </p:nvPr>
+        </p:nvSpPr>
+        <p:spPr>
+          <a:xfrm>
+            <a:off x="838200" y="940158"/>
+            <a:ext cx="10515600" cy="5236805"/>
+          </a:xfrm>
+        </p:spPr>
+        <p:txBody>
+          <a:bodyPr>
+            <a:normAutofit/>
+          </a:bodyPr>
+          <a:lstStyle/>
+          <a:p>
+            <a:r>
+              <a:rPr lang="en-US" sz="2400" dirty="0">
+                <a:latin typeface="Times New Roman" panose="02020603050405020304" pitchFamily="18" charset="0"/>
+                <a:cs typeface="Times New Roman" panose="02020603050405020304" pitchFamily="18" charset="0"/>
+              </a:rPr>
+              <a:t>Asynchronous transfer </a:t>
+            </a:r>
+            <a:r>
+              <a:rPr lang="en-US" sz="2400" dirty="0" smtClean="0">
+                <a:latin typeface="Times New Roman" panose="02020603050405020304" pitchFamily="18" charset="0"/>
+                <a:cs typeface="Times New Roman" panose="02020603050405020304" pitchFamily="18" charset="0"/>
+              </a:rPr>
+              <a:t>mode is </a:t>
+            </a:r>
+            <a:r>
+              <a:rPr lang="en-US" sz="2400" dirty="0">
+                <a:latin typeface="Times New Roman" panose="02020603050405020304" pitchFamily="18" charset="0"/>
+                <a:cs typeface="Times New Roman" panose="02020603050405020304" pitchFamily="18" charset="0"/>
+              </a:rPr>
+              <a:t>a switching technique used by telecommunication networks that uses asynchronous time-division multiplexing to encode data into small, fixed-sized </a:t>
+            </a:r>
+            <a:r>
+              <a:rPr lang="en-US" sz="2400" dirty="0" smtClean="0">
+                <a:latin typeface="Times New Roman" panose="02020603050405020304" pitchFamily="18" charset="0"/>
+                <a:cs typeface="Times New Roman" panose="02020603050405020304" pitchFamily="18" charset="0"/>
+              </a:rPr>
+              <a:t>cells</a:t>
+            </a:r>
+            <a:r>
+              <a:rPr lang="en-US" sz="2400" dirty="0" smtClean="0">
+                <a:latin typeface="Times New Roman" panose="02020603050405020304" pitchFamily="18" charset="0"/>
+                <a:cs typeface="Times New Roman" panose="02020603050405020304" pitchFamily="18" charset="0"/>
+              </a:rPr>
+              <a:t>.</a:t>
+            </a:r>
+          </a:p>
+          <a:p>
+            <a:pPr>
+              <a:lnSpc>
+                <a:spcPct val="150000"/>
+              </a:lnSpc>
+            </a:pPr>
+            <a:endParaRPr lang="en-US" sz="2400" dirty="0" smtClean="0">
+              <a:latin typeface="Times New Roman" panose="02020603050405020304" pitchFamily="18" charset="0"/>
+              <a:cs typeface="Times New Roman" panose="02020603050405020304" pitchFamily="18" charset="0"/>
+            </a:endParaRPr>
+          </a:p>
+          <a:p>
+            <a:pPr>
+              <a:lnSpc>
+                <a:spcPct val="150000"/>
+              </a:lnSpc>
+            </a:pPr>
+            <a:r>
+              <a:rPr lang="en-US" sz="2000" dirty="0"/>
+              <a:t>U</a:t>
+            </a:r>
+            <a:r>
+              <a:rPr lang="en-US" sz="2000" dirty="0" smtClean="0"/>
+              <a:t>se </a:t>
+            </a:r>
+            <a:r>
+              <a:rPr lang="en-US" sz="2000" dirty="0"/>
+              <a:t>variable packet sizes for data or frames. </a:t>
+            </a:r>
+            <a:endParaRPr lang="en-US" sz="2000" dirty="0" smtClean="0"/>
+          </a:p>
+          <a:p>
+            <a:pPr>
+              <a:lnSpc>
+                <a:spcPct val="150000"/>
+              </a:lnSpc>
+            </a:pPr>
+            <a:r>
+              <a:rPr lang="en-US" sz="2000" dirty="0"/>
+              <a:t>ATM services generally have four different bit rate choices:</a:t>
+            </a:r>
+          </a:p>
+          <a:p>
+            <a:pPr>
+              <a:lnSpc>
+                <a:spcPct val="150000"/>
+              </a:lnSpc>
+              <a:buFont typeface="Wingdings" panose="05000000000000000000" pitchFamily="2" charset="2"/>
+              <a:buChar char="ü"/>
+            </a:pPr>
+            <a:r>
+              <a:rPr lang="en-US" sz="2000" dirty="0" smtClean="0"/>
+              <a:t>Available </a:t>
+            </a:r>
+            <a:r>
+              <a:rPr lang="en-US" sz="2000" dirty="0"/>
+              <a:t>Bit </a:t>
+            </a:r>
+            <a:r>
+              <a:rPr lang="en-US" sz="2000" dirty="0" smtClean="0"/>
+              <a:t>Rate </a:t>
+            </a:r>
+          </a:p>
+          <a:p>
+            <a:pPr>
+              <a:lnSpc>
+                <a:spcPct val="150000"/>
+              </a:lnSpc>
+              <a:buFont typeface="Wingdings" panose="05000000000000000000" pitchFamily="2" charset="2"/>
+              <a:buChar char="ü"/>
+            </a:pPr>
+            <a:r>
+              <a:rPr lang="en-US" sz="2000" dirty="0" smtClean="0"/>
+              <a:t>Constant </a:t>
+            </a:r>
+            <a:r>
+              <a:rPr lang="en-US" sz="2000" dirty="0"/>
+              <a:t>Bit </a:t>
+            </a:r>
+            <a:r>
+              <a:rPr lang="en-US" sz="2000" dirty="0" smtClean="0"/>
+              <a:t>Rate</a:t>
+            </a:r>
+          </a:p>
+          <a:p>
+            <a:pPr>
+              <a:lnSpc>
+                <a:spcPct val="150000"/>
+              </a:lnSpc>
+              <a:buFont typeface="Wingdings" panose="05000000000000000000" pitchFamily="2" charset="2"/>
+              <a:buChar char="ü"/>
+            </a:pPr>
+            <a:r>
+              <a:rPr lang="en-US" sz="2000" dirty="0" smtClean="0"/>
+              <a:t>Unspecified </a:t>
+            </a:r>
+            <a:r>
+              <a:rPr lang="en-US" sz="2000" dirty="0"/>
+              <a:t>Bit </a:t>
+            </a:r>
+            <a:r>
+              <a:rPr lang="en-US" sz="2000" dirty="0" smtClean="0"/>
+              <a:t>Rate</a:t>
+            </a:r>
+          </a:p>
+          <a:p>
+            <a:pPr>
+              <a:lnSpc>
+                <a:spcPct val="150000"/>
+              </a:lnSpc>
+              <a:buFont typeface="Wingdings" panose="05000000000000000000" pitchFamily="2" charset="2"/>
+              <a:buChar char="ü"/>
+            </a:pPr>
+            <a:r>
+              <a:rPr lang="en-US" sz="2000" dirty="0" smtClean="0"/>
+              <a:t>Variable Bit Rate (VBR)</a:t>
+            </a:r>
+          </a:p>
+        </p:txBody>
+      </p:sp>
+    </p:spTree>
+    <p:extLst>
+      <p:ext uri="{BB962C8B-B14F-4D97-AF65-F5344CB8AC3E}">
+        <p14:creationId xmlns:p14="http://schemas.microsoft.com/office/powerpoint/2010/main" val="1076633368"/>
+      </p:ext>
+    </p:extLst>
+  </p:cSld>
+  <p:clrMapOvr>
+    <a:masterClrMapping/>
+  </p:clrMapOvr>
+</p:sld>
+</file>
+
 <file path=ppt/slides/slide2.xml><?xml version="1.0" encoding="utf-8"?>
 <p:sld xmlns:a="http://schemas.openxmlformats.org/drawingml/2006/main" xmlns:r="http://schemas.openxmlformats.org/officeDocument/2006/relationships" xmlns:p="http://schemas.openxmlformats.org/presentationml/2006/main">
   <p:cSld>
@@ -13327,6 +15834,273 @@
     <p:extLst>
       <p:ext uri="{BB962C8B-B14F-4D97-AF65-F5344CB8AC3E}">
         <p14:creationId xmlns:p14="http://schemas.microsoft.com/office/powerpoint/2010/main" val="531039535"/>
+      </p:ext>
+    </p:extLst>
+  </p:cSld>
+  <p:clrMapOvr>
+    <a:masterClrMapping/>
+  </p:clrMapOvr>
+</p:sld>
+</file>
+
+<file path=ppt/slides/slide20.xml><?xml version="1.0" encoding="utf-8"?>
+<p:sld xmlns:a="http://schemas.openxmlformats.org/drawingml/2006/main" xmlns:r="http://schemas.openxmlformats.org/officeDocument/2006/relationships" xmlns:p="http://schemas.openxmlformats.org/presentationml/2006/main">
+  <p:cSld>
+    <p:spTree>
+      <p:nvGrpSpPr>
+        <p:cNvPr id="1" name=""/>
+        <p:cNvGrpSpPr/>
+        <p:nvPr/>
+      </p:nvGrpSpPr>
+      <p:grpSpPr>
+        <a:xfrm>
+          <a:off x="0" y="0"/>
+          <a:ext cx="0" cy="0"/>
+          <a:chOff x="0" y="0"/>
+          <a:chExt cx="0" cy="0"/>
+        </a:xfrm>
+      </p:grpSpPr>
+      <p:sp>
+        <p:nvSpPr>
+          <p:cNvPr id="2" name="Title 1"/>
+          <p:cNvSpPr>
+            <a:spLocks noGrp="1"/>
+          </p:cNvSpPr>
+          <p:nvPr>
+            <p:ph type="title"/>
+          </p:nvPr>
+        </p:nvSpPr>
+        <p:spPr>
+          <a:xfrm>
+            <a:off x="-2760984" y="335191"/>
+            <a:ext cx="9769699" cy="734096"/>
+          </a:xfrm>
+        </p:spPr>
+        <p:txBody>
+          <a:bodyPr>
+            <a:normAutofit/>
+          </a:bodyPr>
+          <a:lstStyle/>
+          <a:p>
+            <a:r>
+              <a:rPr lang="en-US" sz="2400" b="1" dirty="0" smtClean="0">
+                <a:latin typeface="Times New Roman" panose="02020603050405020304" pitchFamily="18" charset="0"/>
+                <a:cs typeface="Times New Roman" panose="02020603050405020304" pitchFamily="18" charset="0"/>
+              </a:rPr>
+              <a:t>                                                 </a:t>
+            </a:r>
+            <a:r>
+              <a:rPr lang="en-US" sz="2800" b="1" dirty="0" smtClean="0">
+                <a:latin typeface="Times New Roman" panose="02020603050405020304" pitchFamily="18" charset="0"/>
+                <a:cs typeface="Times New Roman" panose="02020603050405020304" pitchFamily="18" charset="0"/>
+              </a:rPr>
+              <a:t>ETHERNET</a:t>
+            </a:r>
+            <a:endParaRPr lang="en-US" sz="2800" b="1" dirty="0">
+              <a:latin typeface="Times New Roman" panose="02020603050405020304" pitchFamily="18" charset="0"/>
+              <a:cs typeface="Times New Roman" panose="02020603050405020304" pitchFamily="18" charset="0"/>
+            </a:endParaRPr>
+          </a:p>
+        </p:txBody>
+      </p:sp>
+      <p:pic>
+        <p:nvPicPr>
+          <p:cNvPr id="4" name="Content Placeholder 3" descr="Image result for ethernet protocol"/>
+          <p:cNvPicPr>
+            <a:picLocks noGrp="1"/>
+          </p:cNvPicPr>
+          <p:nvPr>
+            <p:ph idx="1"/>
+          </p:nvPr>
+        </p:nvPicPr>
+        <p:blipFill rotWithShape="1">
+          <a:blip r:embed="rId2">
+            <a:extLst>
+              <a:ext uri="{28A0092B-C50C-407E-A947-70E740481C1C}">
+                <a14:useLocalDpi xmlns:a14="http://schemas.microsoft.com/office/drawing/2010/main" val="0"/>
+              </a:ext>
+            </a:extLst>
+          </a:blip>
+          <a:srcRect l="-1405" t="16364" r="1" b="-411"/>
+          <a:stretch/>
+        </p:blipFill>
+        <p:spPr bwMode="auto">
+          <a:xfrm>
+            <a:off x="263352" y="908720"/>
+            <a:ext cx="11377264" cy="5357610"/>
+          </a:xfrm>
+          <a:prstGeom prst="rect">
+            <a:avLst/>
+          </a:prstGeom>
+          <a:noFill/>
+          <a:ln>
+            <a:noFill/>
+          </a:ln>
+        </p:spPr>
+      </p:pic>
+    </p:spTree>
+    <p:extLst>
+      <p:ext uri="{BB962C8B-B14F-4D97-AF65-F5344CB8AC3E}">
+        <p14:creationId xmlns:p14="http://schemas.microsoft.com/office/powerpoint/2010/main" val="1290170245"/>
+      </p:ext>
+    </p:extLst>
+  </p:cSld>
+  <p:clrMapOvr>
+    <a:masterClrMapping/>
+  </p:clrMapOvr>
+</p:sld>
+</file>
+
+<file path=ppt/slides/slide21.xml><?xml version="1.0" encoding="utf-8"?>
+<p:sld xmlns:a="http://schemas.openxmlformats.org/drawingml/2006/main" xmlns:r="http://schemas.openxmlformats.org/officeDocument/2006/relationships" xmlns:p="http://schemas.openxmlformats.org/presentationml/2006/main">
+  <p:cSld>
+    <p:spTree>
+      <p:nvGrpSpPr>
+        <p:cNvPr id="1" name=""/>
+        <p:cNvGrpSpPr/>
+        <p:nvPr/>
+      </p:nvGrpSpPr>
+      <p:grpSpPr>
+        <a:xfrm>
+          <a:off x="0" y="0"/>
+          <a:ext cx="0" cy="0"/>
+          <a:chOff x="0" y="0"/>
+          <a:chExt cx="0" cy="0"/>
+        </a:xfrm>
+      </p:grpSpPr>
+      <p:sp>
+        <p:nvSpPr>
+          <p:cNvPr id="2" name="Title 1"/>
+          <p:cNvSpPr>
+            <a:spLocks noGrp="1"/>
+          </p:cNvSpPr>
+          <p:nvPr>
+            <p:ph type="title"/>
+          </p:nvPr>
+        </p:nvSpPr>
+        <p:spPr>
+          <a:xfrm>
+            <a:off x="-2832992" y="365125"/>
+            <a:ext cx="10515600" cy="549275"/>
+          </a:xfrm>
+        </p:spPr>
+        <p:txBody>
+          <a:bodyPr>
+            <a:normAutofit/>
+          </a:bodyPr>
+          <a:lstStyle/>
+          <a:p>
+            <a:r>
+              <a:rPr lang="en-US" dirty="0" smtClean="0"/>
+              <a:t>                              </a:t>
+            </a:r>
+            <a:r>
+              <a:rPr lang="en-US" sz="2700" b="1" dirty="0" smtClean="0">
+                <a:latin typeface="Times New Roman" panose="02020603050405020304" pitchFamily="18" charset="0"/>
+                <a:cs typeface="Times New Roman" panose="02020603050405020304" pitchFamily="18" charset="0"/>
+              </a:rPr>
+              <a:t>POINT TO POINT PROTOCOL(PPP)</a:t>
+            </a:r>
+            <a:endParaRPr lang="en-US" sz="2700" b="1" dirty="0">
+              <a:latin typeface="Times New Roman" panose="02020603050405020304" pitchFamily="18" charset="0"/>
+              <a:cs typeface="Times New Roman" panose="02020603050405020304" pitchFamily="18" charset="0"/>
+            </a:endParaRPr>
+          </a:p>
+        </p:txBody>
+      </p:sp>
+      <p:sp>
+        <p:nvSpPr>
+          <p:cNvPr id="3" name="Content Placeholder 2"/>
+          <p:cNvSpPr>
+            <a:spLocks noGrp="1"/>
+          </p:cNvSpPr>
+          <p:nvPr>
+            <p:ph idx="1"/>
+          </p:nvPr>
+        </p:nvSpPr>
+        <p:spPr>
+          <a:xfrm>
+            <a:off x="623392" y="914400"/>
+            <a:ext cx="11018440" cy="5262563"/>
+          </a:xfrm>
+        </p:spPr>
+        <p:txBody>
+          <a:bodyPr>
+            <a:normAutofit/>
+          </a:bodyPr>
+          <a:lstStyle/>
+          <a:p>
+            <a:r>
+              <a:rPr lang="en-US" dirty="0"/>
+              <a:t>I</a:t>
+            </a:r>
+            <a:r>
+              <a:rPr lang="en-US" dirty="0" smtClean="0"/>
+              <a:t>s </a:t>
+            </a:r>
+            <a:r>
+              <a:rPr lang="en-US" dirty="0"/>
+              <a:t>a data link-layer protocol used to encapsulate higher network-layer protocols to pass over synchronous and asynchronous communication lines. </a:t>
+            </a:r>
+            <a:endParaRPr lang="en-US" dirty="0" smtClean="0"/>
+          </a:p>
+          <a:p>
+            <a:r>
+              <a:rPr lang="en-US" dirty="0"/>
+              <a:t>PPP uses the High-Level Data-Link Control (HDLC) protocol as the basis to encapsulate its data during transmission.</a:t>
+            </a:r>
+          </a:p>
+          <a:p>
+            <a:r>
+              <a:rPr lang="en-US" dirty="0"/>
+              <a:t>PPP uses the Link Control Protocol (LCP) to establish, test, and configure the data link connection.</a:t>
+            </a:r>
+          </a:p>
+          <a:p>
+            <a:r>
+              <a:rPr lang="en-US" dirty="0"/>
+              <a:t>Various network control protocols (NCPs) are used to configure the different communications protocols. This system enables the use of different protocols, such as TCP/IP and IPX, over the same line simultaneously.</a:t>
+            </a:r>
+          </a:p>
+          <a:p>
+            <a:endParaRPr lang="en-US" sz="2000" dirty="0"/>
+          </a:p>
+        </p:txBody>
+      </p:sp>
+      <p:pic>
+        <p:nvPicPr>
+          <p:cNvPr id="4" name="Picture 3"/>
+          <p:cNvPicPr>
+            <a:picLocks noChangeAspect="1"/>
+          </p:cNvPicPr>
+          <p:nvPr/>
+        </p:nvPicPr>
+        <p:blipFill>
+          <a:blip r:embed="rId2">
+            <a:extLst>
+              <a:ext uri="{28A0092B-C50C-407E-A947-70E740481C1C}">
+                <a14:useLocalDpi xmlns:a14="http://schemas.microsoft.com/office/drawing/2010/main" val="0"/>
+              </a:ext>
+            </a:extLst>
+          </a:blip>
+          <a:stretch>
+            <a:fillRect/>
+          </a:stretch>
+        </p:blipFill>
+        <p:spPr>
+          <a:xfrm>
+            <a:off x="2086377" y="3869699"/>
+            <a:ext cx="7225048" cy="2692778"/>
+          </a:xfrm>
+          <a:prstGeom prst="rect">
+            <a:avLst/>
+          </a:prstGeom>
+        </p:spPr>
+      </p:pic>
+    </p:spTree>
+    <p:extLst>
+      <p:ext uri="{BB962C8B-B14F-4D97-AF65-F5344CB8AC3E}">
+        <p14:creationId xmlns:p14="http://schemas.microsoft.com/office/powerpoint/2010/main" val="2367067548"/>
       </p:ext>
     </p:extLst>
   </p:cSld>
@@ -13743,7 +16517,7 @@
         <p:spPr>
           <a:xfrm>
             <a:off x="528354" y="1601521"/>
-            <a:ext cx="4055216" cy="2664297"/>
+            <a:ext cx="4221892" cy="2773804"/>
           </a:xfrm>
           <a:prstGeom prst="rect">
             <a:avLst/>
@@ -13758,7 +16532,7 @@
         </p:nvSpPr>
         <p:spPr>
           <a:xfrm>
-            <a:off x="6656342" y="548680"/>
+            <a:off x="6656342" y="1887150"/>
             <a:ext cx="3816424" cy="792088"/>
           </a:xfrm>
           <a:prstGeom prst="ellipse">
@@ -13796,14 +16570,14 @@
         <p:nvCxnSpPr>
           <p:cNvPr id="10" name="Straight Connector 9"/>
           <p:cNvCxnSpPr>
-            <a:endCxn id="24" idx="6"/>
+            <a:endCxn id="19" idx="6"/>
           </p:cNvCxnSpPr>
           <p:nvPr/>
         </p:nvCxnSpPr>
         <p:spPr>
           <a:xfrm>
-            <a:off x="8564554" y="1340768"/>
-            <a:ext cx="0" cy="3756220"/>
+            <a:off x="8564554" y="2679238"/>
+            <a:ext cx="0" cy="1962948"/>
           </a:xfrm>
           <a:prstGeom prst="line">
             <a:avLst/>
@@ -13832,7 +16606,7 @@
         </p:nvSpPr>
         <p:spPr>
           <a:xfrm>
-            <a:off x="8564554" y="1520788"/>
+            <a:off x="8564554" y="2859258"/>
             <a:ext cx="2664296" cy="720080"/>
           </a:xfrm>
           <a:prstGeom prst="ellipse">
@@ -13879,7 +16653,7 @@
         </p:nvSpPr>
         <p:spPr>
           <a:xfrm>
-            <a:off x="5900258" y="2184514"/>
+            <a:off x="5900258" y="3522984"/>
             <a:ext cx="2664296" cy="576064"/>
           </a:xfrm>
           <a:prstGeom prst="ellipse">
@@ -13926,7 +16700,7 @@
         </p:nvSpPr>
         <p:spPr>
           <a:xfrm>
-            <a:off x="8564554" y="2533263"/>
+            <a:off x="8564554" y="3871733"/>
             <a:ext cx="2664296" cy="576064"/>
           </a:xfrm>
           <a:prstGeom prst="ellipse">
@@ -13978,7 +16752,7 @@
         </p:nvSpPr>
         <p:spPr>
           <a:xfrm>
-            <a:off x="5900258" y="3015684"/>
+            <a:off x="5900258" y="4354154"/>
             <a:ext cx="2664296" cy="576064"/>
           </a:xfrm>
           <a:prstGeom prst="ellipse">
@@ -14013,209 +16787,6 @@
                 </a:solidFill>
               </a:rPr>
               <a:t>Ethernet</a:t>
-            </a:r>
-            <a:endParaRPr lang="en-US" dirty="0">
-              <a:solidFill>
-                <a:schemeClr val="bg1"/>
-              </a:solidFill>
-            </a:endParaRPr>
-          </a:p>
-        </p:txBody>
-      </p:sp>
-      <p:sp>
-        <p:nvSpPr>
-          <p:cNvPr id="21" name="Oval 20"/>
-          <p:cNvSpPr/>
-          <p:nvPr/>
-        </p:nvSpPr>
-        <p:spPr>
-          <a:xfrm>
-            <a:off x="8564554" y="3401722"/>
-            <a:ext cx="2664296" cy="576064"/>
-          </a:xfrm>
-          <a:prstGeom prst="ellipse">
-            <a:avLst/>
-          </a:prstGeom>
-        </p:spPr>
-        <p:style>
-          <a:lnRef idx="2">
-            <a:schemeClr val="accent1">
-              <a:shade val="50000"/>
-            </a:schemeClr>
-          </a:lnRef>
-          <a:fillRef idx="1">
-            <a:schemeClr val="accent1"/>
-          </a:fillRef>
-          <a:effectRef idx="0">
-            <a:schemeClr val="accent1"/>
-          </a:effectRef>
-          <a:fontRef idx="minor">
-            <a:schemeClr val="lt1"/>
-          </a:fontRef>
-        </p:style>
-        <p:txBody>
-          <a:bodyPr rtlCol="0" anchor="ctr"/>
-          <a:lstStyle/>
-          <a:p>
-            <a:pPr algn="ctr"/>
-            <a:r>
-              <a:rPr lang="en-US" dirty="0" smtClean="0">
-                <a:solidFill>
-                  <a:schemeClr val="bg1"/>
-                </a:solidFill>
-              </a:rPr>
-              <a:t>HDLC</a:t>
-            </a:r>
-            <a:endParaRPr lang="en-US" dirty="0">
-              <a:solidFill>
-                <a:schemeClr val="bg1"/>
-              </a:solidFill>
-            </a:endParaRPr>
-          </a:p>
-        </p:txBody>
-      </p:sp>
-      <p:sp>
-        <p:nvSpPr>
-          <p:cNvPr id="22" name="Oval 21"/>
-          <p:cNvSpPr/>
-          <p:nvPr/>
-        </p:nvSpPr>
-        <p:spPr>
-          <a:xfrm>
-            <a:off x="5900258" y="3977786"/>
-            <a:ext cx="2664296" cy="576064"/>
-          </a:xfrm>
-          <a:prstGeom prst="ellipse">
-            <a:avLst/>
-          </a:prstGeom>
-        </p:spPr>
-        <p:style>
-          <a:lnRef idx="2">
-            <a:schemeClr val="accent1">
-              <a:shade val="50000"/>
-            </a:schemeClr>
-          </a:lnRef>
-          <a:fillRef idx="1">
-            <a:schemeClr val="accent1"/>
-          </a:fillRef>
-          <a:effectRef idx="0">
-            <a:schemeClr val="accent1"/>
-          </a:effectRef>
-          <a:fontRef idx="minor">
-            <a:schemeClr val="lt1"/>
-          </a:fontRef>
-        </p:style>
-        <p:txBody>
-          <a:bodyPr rtlCol="0" anchor="ctr"/>
-          <a:lstStyle/>
-          <a:p>
-            <a:pPr algn="ctr"/>
-            <a:r>
-              <a:rPr lang="en-US" smtClean="0">
-                <a:solidFill>
-                  <a:schemeClr val="bg1"/>
-                </a:solidFill>
-              </a:rPr>
-              <a:t>FDDI</a:t>
-            </a:r>
-            <a:endParaRPr lang="en-US" dirty="0">
-              <a:solidFill>
-                <a:schemeClr val="bg1"/>
-              </a:solidFill>
-            </a:endParaRPr>
-          </a:p>
-        </p:txBody>
-      </p:sp>
-      <p:sp>
-        <p:nvSpPr>
-          <p:cNvPr id="23" name="Oval 22"/>
-          <p:cNvSpPr/>
-          <p:nvPr/>
-        </p:nvSpPr>
-        <p:spPr>
-          <a:xfrm>
-            <a:off x="8541228" y="4383836"/>
-            <a:ext cx="2664296" cy="576064"/>
-          </a:xfrm>
-          <a:prstGeom prst="ellipse">
-            <a:avLst/>
-          </a:prstGeom>
-        </p:spPr>
-        <p:style>
-          <a:lnRef idx="2">
-            <a:schemeClr val="accent1">
-              <a:shade val="50000"/>
-            </a:schemeClr>
-          </a:lnRef>
-          <a:fillRef idx="1">
-            <a:schemeClr val="accent1"/>
-          </a:fillRef>
-          <a:effectRef idx="0">
-            <a:schemeClr val="accent1"/>
-          </a:effectRef>
-          <a:fontRef idx="minor">
-            <a:schemeClr val="lt1"/>
-          </a:fontRef>
-        </p:style>
-        <p:txBody>
-          <a:bodyPr rtlCol="0" anchor="ctr"/>
-          <a:lstStyle/>
-          <a:p>
-            <a:pPr algn="ctr"/>
-            <a:r>
-              <a:rPr lang="en-US" dirty="0">
-                <a:solidFill>
-                  <a:schemeClr val="bg1"/>
-                </a:solidFill>
-              </a:rPr>
-              <a:t>Frame relay</a:t>
-            </a:r>
-          </a:p>
-        </p:txBody>
-      </p:sp>
-      <p:sp>
-        <p:nvSpPr>
-          <p:cNvPr id="24" name="Oval 23"/>
-          <p:cNvSpPr/>
-          <p:nvPr/>
-        </p:nvSpPr>
-        <p:spPr>
-          <a:xfrm>
-            <a:off x="5900258" y="4808956"/>
-            <a:ext cx="2664296" cy="576064"/>
-          </a:xfrm>
-          <a:prstGeom prst="ellipse">
-            <a:avLst/>
-          </a:prstGeom>
-        </p:spPr>
-        <p:style>
-          <a:lnRef idx="2">
-            <a:schemeClr val="accent1">
-              <a:shade val="50000"/>
-            </a:schemeClr>
-          </a:lnRef>
-          <a:fillRef idx="1">
-            <a:schemeClr val="accent1"/>
-          </a:fillRef>
-          <a:effectRef idx="0">
-            <a:schemeClr val="accent1"/>
-          </a:effectRef>
-          <a:fontRef idx="minor">
-            <a:schemeClr val="lt1"/>
-          </a:fontRef>
-        </p:style>
-        <p:txBody>
-          <a:bodyPr rtlCol="0" anchor="ctr"/>
-          <a:lstStyle/>
-          <a:p>
-            <a:pPr algn="ctr"/>
-            <a:r>
-              <a:rPr lang="en-US" dirty="0" smtClean="0">
-                <a:solidFill>
-                  <a:schemeClr val="bg1"/>
-                </a:solidFill>
-              </a:rPr>
-              <a:t>MPLS</a:t>
             </a:r>
             <a:endParaRPr lang="en-US" dirty="0">
               <a:solidFill>
@@ -14337,6 +16908,821 @@
   <p:clrMapOvr>
     <a:masterClrMapping/>
   </p:clrMapOvr>
+</p:sld>
+</file>
+
+<file path=ppt/slides/slide7.xml><?xml version="1.0" encoding="utf-8"?>
+<p:sld xmlns:a="http://schemas.openxmlformats.org/drawingml/2006/main" xmlns:r="http://schemas.openxmlformats.org/officeDocument/2006/relationships" xmlns:p="http://schemas.openxmlformats.org/presentationml/2006/main">
+  <p:cSld>
+    <p:spTree>
+      <p:nvGrpSpPr>
+        <p:cNvPr id="1" name=""/>
+        <p:cNvGrpSpPr/>
+        <p:nvPr/>
+      </p:nvGrpSpPr>
+      <p:grpSpPr>
+        <a:xfrm>
+          <a:off x="0" y="0"/>
+          <a:ext cx="0" cy="0"/>
+          <a:chOff x="0" y="0"/>
+          <a:chExt cx="0" cy="0"/>
+        </a:xfrm>
+      </p:grpSpPr>
+      <p:sp>
+        <p:nvSpPr>
+          <p:cNvPr id="4" name="TextBox 3"/>
+          <p:cNvSpPr txBox="1"/>
+          <p:nvPr/>
+        </p:nvSpPr>
+        <p:spPr>
+          <a:xfrm>
+            <a:off x="911424" y="476672"/>
+            <a:ext cx="9674727" cy="7048083"/>
+          </a:xfrm>
+          <a:prstGeom prst="rect">
+            <a:avLst/>
+          </a:prstGeom>
+          <a:noFill/>
+        </p:spPr>
+        <p:txBody>
+          <a:bodyPr wrap="square" rtlCol="0">
+            <a:spAutoFit/>
+          </a:bodyPr>
+          <a:lstStyle/>
+          <a:p>
+            <a:r>
+              <a:rPr lang="en-US" sz="2800" dirty="0">
+                <a:solidFill>
+                  <a:schemeClr val="accent1">
+                    <a:lumMod val="60000"/>
+                    <a:lumOff val="40000"/>
+                  </a:schemeClr>
+                </a:solidFill>
+              </a:rPr>
+              <a:t>           </a:t>
+            </a:r>
+            <a:r>
+              <a:rPr lang="en-US" sz="2800" dirty="0" smtClean="0">
+                <a:solidFill>
+                  <a:schemeClr val="accent1">
+                    <a:lumMod val="60000"/>
+                    <a:lumOff val="40000"/>
+                  </a:schemeClr>
+                </a:solidFill>
+              </a:rPr>
+              <a:t>  </a:t>
+            </a:r>
+            <a:r>
+              <a:rPr lang="en-US" sz="2800" dirty="0">
+                <a:solidFill>
+                  <a:schemeClr val="accent1">
+                    <a:lumMod val="60000"/>
+                    <a:lumOff val="40000"/>
+                  </a:schemeClr>
+                </a:solidFill>
+              </a:rPr>
+              <a:t>Sublayers of datalink layer</a:t>
+            </a:r>
+          </a:p>
+          <a:p>
+            <a:endParaRPr lang="en-US" sz="2800" dirty="0"/>
+          </a:p>
+          <a:p>
+            <a:r>
+              <a:rPr lang="en-US" sz="2000" dirty="0"/>
+              <a:t>The data link layer functionality is usually split it </a:t>
+            </a:r>
+            <a:r>
+              <a:rPr lang="en-US" sz="2000" dirty="0"/>
+              <a:t>into 2 </a:t>
+            </a:r>
+            <a:r>
+              <a:rPr lang="en-US" sz="2000" dirty="0"/>
+              <a:t>logical </a:t>
+            </a:r>
+            <a:r>
+              <a:rPr lang="en-US" sz="2000" dirty="0"/>
+              <a:t>sub-layers.</a:t>
+            </a:r>
+          </a:p>
+          <a:p>
+            <a:pPr marL="342900" indent="-342900">
+              <a:buFont typeface="Wingdings" panose="05000000000000000000" pitchFamily="2" charset="2"/>
+              <a:buChar char="Ø"/>
+            </a:pPr>
+            <a:r>
+              <a:rPr lang="en-US" sz="2000" dirty="0"/>
+              <a:t>LLC</a:t>
+            </a:r>
+          </a:p>
+          <a:p>
+            <a:pPr marL="342900" indent="-342900">
+              <a:buFont typeface="Wingdings" panose="05000000000000000000" pitchFamily="2" charset="2"/>
+              <a:buChar char="Ø"/>
+            </a:pPr>
+            <a:r>
+              <a:rPr lang="en-US" sz="2000" dirty="0"/>
+              <a:t>MAC</a:t>
+            </a:r>
+          </a:p>
+          <a:p>
+            <a:endParaRPr lang="en-US" sz="2800" dirty="0"/>
+          </a:p>
+          <a:p>
+            <a:endParaRPr lang="en-US" sz="2800" dirty="0"/>
+          </a:p>
+          <a:p>
+            <a:endParaRPr lang="en-US" sz="2800" dirty="0"/>
+          </a:p>
+          <a:p>
+            <a:endParaRPr lang="en-US" sz="2800" dirty="0"/>
+          </a:p>
+          <a:p>
+            <a:endParaRPr lang="en-US" sz="2800" dirty="0"/>
+          </a:p>
+          <a:p>
+            <a:endParaRPr lang="en-US" sz="2800" dirty="0"/>
+          </a:p>
+          <a:p>
+            <a:endParaRPr lang="en-US" sz="2800" dirty="0"/>
+          </a:p>
+          <a:p>
+            <a:endParaRPr lang="en-US" sz="2800" dirty="0"/>
+          </a:p>
+          <a:p>
+            <a:endParaRPr lang="en-US" sz="2800" dirty="0"/>
+          </a:p>
+          <a:p>
+            <a:endParaRPr lang="en-US" sz="2800" dirty="0"/>
+          </a:p>
+          <a:p>
+            <a:endParaRPr lang="en-US" sz="2800" dirty="0"/>
+          </a:p>
+          <a:p>
+            <a:endParaRPr lang="en-US" sz="2800" dirty="0"/>
+          </a:p>
+        </p:txBody>
+      </p:sp>
+      <p:pic>
+        <p:nvPicPr>
+          <p:cNvPr id="1026" name="Picture 2"/>
+          <p:cNvPicPr>
+            <a:picLocks noChangeAspect="1" noChangeArrowheads="1"/>
+          </p:cNvPicPr>
+          <p:nvPr/>
+        </p:nvPicPr>
+        <p:blipFill>
+          <a:blip r:embed="rId2">
+            <a:extLst>
+              <a:ext uri="{28A0092B-C50C-407E-A947-70E740481C1C}">
+                <a14:useLocalDpi xmlns:a14="http://schemas.microsoft.com/office/drawing/2010/main" val="0"/>
+              </a:ext>
+            </a:extLst>
+          </a:blip>
+          <a:srcRect/>
+          <a:stretch>
+            <a:fillRect/>
+          </a:stretch>
+        </p:blipFill>
+        <p:spPr bwMode="auto">
+          <a:xfrm>
+            <a:off x="2999656" y="2132856"/>
+            <a:ext cx="6336704" cy="4226167"/>
+          </a:xfrm>
+          <a:prstGeom prst="rect">
+            <a:avLst/>
+          </a:prstGeom>
+          <a:noFill/>
+          <a:ln>
+            <a:noFill/>
+          </a:ln>
+          <a:extLst>
+            <a:ext uri="{909E8E84-426E-40DD-AFC4-6F175D3DCCD1}">
+              <a14:hiddenFill xmlns:a14="http://schemas.microsoft.com/office/drawing/2010/main">
+                <a:solidFill>
+                  <a:schemeClr val="accent1"/>
+                </a:solidFill>
+              </a14:hiddenFill>
+            </a:ext>
+            <a:ext uri="{91240B29-F687-4F45-9708-019B960494DF}">
+              <a14:hiddenLine xmlns:a14="http://schemas.microsoft.com/office/drawing/2010/main" w="9525">
+                <a:solidFill>
+                  <a:schemeClr val="tx1"/>
+                </a:solidFill>
+                <a:miter lim="800000"/>
+                <a:headEnd/>
+                <a:tailEnd/>
+              </a14:hiddenLine>
+            </a:ext>
+          </a:extLst>
+        </p:spPr>
+      </p:pic>
+    </p:spTree>
+    <p:extLst>
+      <p:ext uri="{BB962C8B-B14F-4D97-AF65-F5344CB8AC3E}">
+        <p14:creationId xmlns:p14="http://schemas.microsoft.com/office/powerpoint/2010/main" val="1832202710"/>
+      </p:ext>
+    </p:extLst>
+  </p:cSld>
+  <p:clrMapOvr>
+    <a:masterClrMapping/>
+  </p:clrMapOvr>
+  <p:timing>
+    <p:tnLst>
+      <p:par>
+        <p:cTn id="1" dur="indefinite" restart="never" nodeType="tmRoot"/>
+      </p:par>
+    </p:tnLst>
+  </p:timing>
+</p:sld>
+</file>
+
+<file path=ppt/slides/slide8.xml><?xml version="1.0" encoding="utf-8"?>
+<p:sld xmlns:a="http://schemas.openxmlformats.org/drawingml/2006/main" xmlns:r="http://schemas.openxmlformats.org/officeDocument/2006/relationships" xmlns:p="http://schemas.openxmlformats.org/presentationml/2006/main">
+  <p:cSld>
+    <p:spTree>
+      <p:nvGrpSpPr>
+        <p:cNvPr id="1" name=""/>
+        <p:cNvGrpSpPr/>
+        <p:nvPr/>
+      </p:nvGrpSpPr>
+      <p:grpSpPr>
+        <a:xfrm>
+          <a:off x="0" y="0"/>
+          <a:ext cx="0" cy="0"/>
+          <a:chOff x="0" y="0"/>
+          <a:chExt cx="0" cy="0"/>
+        </a:xfrm>
+      </p:grpSpPr>
+      <p:sp>
+        <p:nvSpPr>
+          <p:cNvPr id="4" name="TextBox 3"/>
+          <p:cNvSpPr txBox="1"/>
+          <p:nvPr/>
+        </p:nvSpPr>
+        <p:spPr>
+          <a:xfrm>
+            <a:off x="1199456" y="404664"/>
+            <a:ext cx="10513168" cy="10018127"/>
+          </a:xfrm>
+          <a:prstGeom prst="rect">
+            <a:avLst/>
+          </a:prstGeom>
+          <a:noFill/>
+        </p:spPr>
+        <p:txBody>
+          <a:bodyPr wrap="square" rtlCol="0">
+            <a:spAutoFit/>
+          </a:bodyPr>
+          <a:lstStyle/>
+          <a:p>
+            <a:r>
+              <a:rPr lang="en-US" sz="3200" dirty="0">
+                <a:solidFill>
+                  <a:schemeClr val="accent1">
+                    <a:lumMod val="60000"/>
+                    <a:lumOff val="40000"/>
+                  </a:schemeClr>
+                </a:solidFill>
+              </a:rPr>
+              <a:t>LLC:</a:t>
+            </a:r>
+          </a:p>
+          <a:p>
+            <a:pPr marL="457200" indent="-457200">
+              <a:lnSpc>
+                <a:spcPct val="150000"/>
+              </a:lnSpc>
+              <a:buFont typeface="Wingdings" panose="05000000000000000000" pitchFamily="2" charset="2"/>
+              <a:buChar char="Ø"/>
+            </a:pPr>
+            <a:r>
+              <a:rPr lang="en-US" dirty="0"/>
+              <a:t>Logical Link Layer.</a:t>
+            </a:r>
+          </a:p>
+          <a:p>
+            <a:pPr marL="457200" indent="-457200">
+              <a:lnSpc>
+                <a:spcPct val="150000"/>
+              </a:lnSpc>
+              <a:buFont typeface="Wingdings" panose="05000000000000000000" pitchFamily="2" charset="2"/>
+              <a:buChar char="Ø"/>
+            </a:pPr>
+            <a:r>
+              <a:rPr lang="en-US" dirty="0"/>
+              <a:t>It interacts with the network layer.</a:t>
+            </a:r>
+          </a:p>
+          <a:p>
+            <a:pPr marL="342900" indent="-342900">
+              <a:lnSpc>
+                <a:spcPct val="150000"/>
+              </a:lnSpc>
+              <a:buFont typeface="Wingdings" panose="05000000000000000000" pitchFamily="2" charset="2"/>
+              <a:buChar char="Ø"/>
+            </a:pPr>
+            <a:r>
+              <a:rPr lang="en-US" dirty="0"/>
+              <a:t> </a:t>
+            </a:r>
+            <a:r>
+              <a:rPr lang="en-US" dirty="0"/>
+              <a:t> It </a:t>
+            </a:r>
+            <a:r>
+              <a:rPr lang="en-US" dirty="0"/>
+              <a:t>is responsible for handling multiple </a:t>
+            </a:r>
+            <a:r>
+              <a:rPr lang="en-US" dirty="0"/>
+              <a:t>Layer protocols   (multiplexing/de-       multiplexing</a:t>
+            </a:r>
+            <a:r>
+              <a:rPr lang="en-US" dirty="0"/>
+              <a:t>) and link services like reliability and flow </a:t>
+            </a:r>
+            <a:r>
+              <a:rPr lang="en-US" dirty="0"/>
+              <a:t>control.</a:t>
+            </a:r>
+          </a:p>
+          <a:p>
+            <a:pPr marL="342900" indent="-342900">
+              <a:lnSpc>
+                <a:spcPct val="150000"/>
+              </a:lnSpc>
+              <a:buFont typeface="Wingdings" panose="05000000000000000000" pitchFamily="2" charset="2"/>
+              <a:buChar char="Ø"/>
+            </a:pPr>
+            <a:r>
+              <a:rPr lang="en-US" dirty="0"/>
+              <a:t> It talks </a:t>
+            </a:r>
+            <a:r>
+              <a:rPr lang="en-US" dirty="0"/>
+              <a:t>about WAN protocols (PPP, HDLC, Frame-relay</a:t>
+            </a:r>
+            <a:r>
+              <a:rPr lang="en-US" dirty="0"/>
+              <a:t>).</a:t>
+            </a:r>
+          </a:p>
+          <a:p>
+            <a:endParaRPr lang="en-US" sz="2400" dirty="0"/>
+          </a:p>
+          <a:p>
+            <a:r>
+              <a:rPr lang="en-US" sz="2400" dirty="0"/>
+              <a:t>The </a:t>
+            </a:r>
+            <a:r>
+              <a:rPr lang="en-US" sz="2400" dirty="0"/>
+              <a:t>primary responsibilities of LLC are</a:t>
+            </a:r>
+            <a:r>
+              <a:rPr lang="en-US" sz="2400" dirty="0" smtClean="0"/>
+              <a:t>:</a:t>
+            </a:r>
+          </a:p>
+          <a:p>
+            <a:endParaRPr lang="en-US" sz="2400" dirty="0"/>
+          </a:p>
+          <a:p>
+            <a:pPr marL="342900" indent="-342900">
+              <a:buFont typeface="Wingdings" panose="05000000000000000000" pitchFamily="2" charset="2"/>
+              <a:buChar char="Ø"/>
+            </a:pPr>
+            <a:r>
+              <a:rPr lang="en-US" dirty="0"/>
+              <a:t>Network Layer protocol Multiplexing/De-Multiplexing</a:t>
+            </a:r>
+          </a:p>
+          <a:p>
+            <a:pPr marL="342900" indent="-342900">
+              <a:buFont typeface="Wingdings" panose="05000000000000000000" pitchFamily="2" charset="2"/>
+              <a:buChar char="Ø"/>
+            </a:pPr>
+            <a:r>
+              <a:rPr lang="en-US" dirty="0"/>
+              <a:t>Logical </a:t>
+            </a:r>
+            <a:r>
+              <a:rPr lang="en-US" dirty="0"/>
+              <a:t>Link </a:t>
+            </a:r>
+            <a:r>
+              <a:rPr lang="en-US" dirty="0"/>
+              <a:t>Services</a:t>
+            </a:r>
+          </a:p>
+          <a:p>
+            <a:pPr marL="800100" lvl="1" indent="-342900">
+              <a:lnSpc>
+                <a:spcPct val="150000"/>
+              </a:lnSpc>
+              <a:buFont typeface="Wingdings" panose="05000000000000000000" pitchFamily="2" charset="2"/>
+              <a:buChar char="Ø"/>
+            </a:pPr>
+            <a:r>
+              <a:rPr lang="en-US" dirty="0"/>
+              <a:t> </a:t>
+            </a:r>
+            <a:r>
+              <a:rPr lang="en-US" sz="1600" dirty="0"/>
+              <a:t>Connectionless </a:t>
+            </a:r>
+            <a:r>
+              <a:rPr lang="en-US" sz="1600" dirty="0"/>
+              <a:t> Unacknowledged </a:t>
+            </a:r>
+            <a:r>
+              <a:rPr lang="en-US" sz="1600" dirty="0"/>
+              <a:t>Service</a:t>
+            </a:r>
+          </a:p>
+          <a:p>
+            <a:pPr marL="742950" lvl="1" indent="-285750">
+              <a:lnSpc>
+                <a:spcPct val="150000"/>
+              </a:lnSpc>
+              <a:buFont typeface="Wingdings" panose="05000000000000000000" pitchFamily="2" charset="2"/>
+              <a:buChar char="Ø"/>
+            </a:pPr>
+            <a:r>
+              <a:rPr lang="en-US" sz="1600" dirty="0"/>
+              <a:t>  Connectionless </a:t>
+            </a:r>
+            <a:r>
+              <a:rPr lang="en-US" sz="1600" dirty="0"/>
+              <a:t> Acknowledged Service</a:t>
+            </a:r>
+          </a:p>
+          <a:p>
+            <a:pPr marL="742950" lvl="1" indent="-285750">
+              <a:lnSpc>
+                <a:spcPct val="150000"/>
+              </a:lnSpc>
+              <a:buFont typeface="Wingdings" panose="05000000000000000000" pitchFamily="2" charset="2"/>
+              <a:buChar char="Ø"/>
+            </a:pPr>
+            <a:r>
+              <a:rPr lang="en-US" sz="1600" dirty="0"/>
+              <a:t> </a:t>
+            </a:r>
+            <a:r>
+              <a:rPr lang="en-US" sz="1600" dirty="0" smtClean="0"/>
+              <a:t> </a:t>
+            </a:r>
+            <a:r>
+              <a:rPr lang="en-US" sz="1600" dirty="0"/>
+              <a:t>Connection oriented service </a:t>
+            </a:r>
+            <a:r>
+              <a:rPr lang="en-US" sz="1600" dirty="0"/>
+              <a:t>With Acknowledgment</a:t>
+            </a:r>
+          </a:p>
+          <a:p>
+            <a:pPr marL="742950" lvl="1" indent="-285750">
+              <a:lnSpc>
+                <a:spcPct val="150000"/>
+              </a:lnSpc>
+              <a:buFont typeface="Wingdings" panose="05000000000000000000" pitchFamily="2" charset="2"/>
+              <a:buChar char="Ø"/>
+            </a:pPr>
+            <a:r>
+              <a:rPr lang="en-US" sz="1600" dirty="0"/>
+              <a:t> </a:t>
+            </a:r>
+            <a:r>
+              <a:rPr lang="en-US" sz="1600" dirty="0" smtClean="0"/>
+              <a:t> </a:t>
+            </a:r>
+            <a:r>
+              <a:rPr lang="en-US" sz="1600" dirty="0"/>
+              <a:t>Connection </a:t>
+            </a:r>
+            <a:r>
+              <a:rPr lang="en-US" sz="1600" dirty="0"/>
+              <a:t>oriented service Without Acknowledgment</a:t>
+            </a:r>
+          </a:p>
+          <a:p>
+            <a:pPr marL="457200" indent="-457200">
+              <a:buFont typeface="Wingdings" panose="05000000000000000000" pitchFamily="2" charset="2"/>
+              <a:buChar char="Ø"/>
+            </a:pPr>
+            <a:endParaRPr lang="en-US" sz="3200" dirty="0"/>
+          </a:p>
+          <a:p>
+            <a:endParaRPr lang="en-US" sz="3200" dirty="0"/>
+          </a:p>
+          <a:p>
+            <a:endParaRPr lang="en-US" sz="3200" dirty="0"/>
+          </a:p>
+          <a:p>
+            <a:endParaRPr lang="en-US" sz="3200" dirty="0"/>
+          </a:p>
+          <a:p>
+            <a:endParaRPr lang="en-US" sz="3200" dirty="0"/>
+          </a:p>
+          <a:p>
+            <a:endParaRPr lang="en-US" sz="3200" dirty="0"/>
+          </a:p>
+          <a:p>
+            <a:endParaRPr lang="en-US" sz="3200" dirty="0"/>
+          </a:p>
+          <a:p>
+            <a:endParaRPr lang="en-US" sz="3200" dirty="0"/>
+          </a:p>
+        </p:txBody>
+      </p:sp>
+    </p:spTree>
+    <p:extLst>
+      <p:ext uri="{BB962C8B-B14F-4D97-AF65-F5344CB8AC3E}">
+        <p14:creationId xmlns:p14="http://schemas.microsoft.com/office/powerpoint/2010/main" val="3419667976"/>
+      </p:ext>
+    </p:extLst>
+  </p:cSld>
+  <p:clrMapOvr>
+    <a:masterClrMapping/>
+  </p:clrMapOvr>
+  <p:timing>
+    <p:tnLst>
+      <p:par>
+        <p:cTn id="1" dur="indefinite" restart="never" nodeType="tmRoot"/>
+      </p:par>
+    </p:tnLst>
+  </p:timing>
+</p:sld>
+</file>
+
+<file path=ppt/slides/slide9.xml><?xml version="1.0" encoding="utf-8"?>
+<p:sld xmlns:a="http://schemas.openxmlformats.org/drawingml/2006/main" xmlns:r="http://schemas.openxmlformats.org/officeDocument/2006/relationships" xmlns:p="http://schemas.openxmlformats.org/presentationml/2006/main">
+  <p:cSld>
+    <p:spTree>
+      <p:nvGrpSpPr>
+        <p:cNvPr id="1" name=""/>
+        <p:cNvGrpSpPr/>
+        <p:nvPr/>
+      </p:nvGrpSpPr>
+      <p:grpSpPr>
+        <a:xfrm>
+          <a:off x="0" y="0"/>
+          <a:ext cx="0" cy="0"/>
+          <a:chOff x="0" y="0"/>
+          <a:chExt cx="0" cy="0"/>
+        </a:xfrm>
+      </p:grpSpPr>
+      <p:sp>
+        <p:nvSpPr>
+          <p:cNvPr id="4" name="TextBox 3"/>
+          <p:cNvSpPr txBox="1"/>
+          <p:nvPr/>
+        </p:nvSpPr>
+        <p:spPr>
+          <a:xfrm>
+            <a:off x="839416" y="260648"/>
+            <a:ext cx="10657184" cy="7894469"/>
+          </a:xfrm>
+          <a:prstGeom prst="rect">
+            <a:avLst/>
+          </a:prstGeom>
+          <a:noFill/>
+        </p:spPr>
+        <p:txBody>
+          <a:bodyPr wrap="square" rtlCol="0">
+            <a:spAutoFit/>
+          </a:bodyPr>
+          <a:lstStyle/>
+          <a:p>
+            <a:r>
+              <a:rPr lang="en-US" sz="2800" dirty="0" smtClean="0">
+                <a:solidFill>
+                  <a:schemeClr val="accent1">
+                    <a:lumMod val="60000"/>
+                    <a:lumOff val="40000"/>
+                  </a:schemeClr>
+                </a:solidFill>
+              </a:rPr>
+              <a:t>MAC</a:t>
+            </a:r>
+            <a:r>
+              <a:rPr lang="en-US" sz="3600" dirty="0">
+                <a:solidFill>
+                  <a:schemeClr val="accent1">
+                    <a:lumMod val="60000"/>
+                    <a:lumOff val="40000"/>
+                  </a:schemeClr>
+                </a:solidFill>
+              </a:rPr>
+              <a:t>:</a:t>
+            </a:r>
+            <a:endParaRPr lang="en-US" dirty="0">
+              <a:solidFill>
+                <a:schemeClr val="accent1">
+                  <a:lumMod val="60000"/>
+                  <a:lumOff val="40000"/>
+                </a:schemeClr>
+              </a:solidFill>
+            </a:endParaRPr>
+          </a:p>
+          <a:p>
+            <a:endParaRPr lang="en-US" dirty="0"/>
+          </a:p>
+          <a:p>
+            <a:pPr marL="285750" indent="-285750">
+              <a:buFont typeface="Wingdings" panose="05000000000000000000" pitchFamily="2" charset="2"/>
+              <a:buChar char="Ø"/>
+            </a:pPr>
+            <a:r>
+              <a:rPr lang="en-US" dirty="0"/>
+              <a:t>Media Access Control.</a:t>
+            </a:r>
+          </a:p>
+          <a:p>
+            <a:pPr marL="285750" indent="-285750">
+              <a:buFont typeface="Wingdings" panose="05000000000000000000" pitchFamily="2" charset="2"/>
+              <a:buChar char="Ø"/>
+            </a:pPr>
+            <a:r>
+              <a:rPr lang="en-US" dirty="0"/>
+              <a:t>It interacts with the physical layer.</a:t>
+            </a:r>
+          </a:p>
+          <a:p>
+            <a:pPr marL="285750" indent="-285750">
+              <a:buFont typeface="Wingdings" panose="05000000000000000000" pitchFamily="2" charset="2"/>
+              <a:buChar char="Ø"/>
+            </a:pPr>
+            <a:r>
+              <a:rPr lang="en-US" dirty="0"/>
+              <a:t>It is </a:t>
+            </a:r>
+            <a:r>
+              <a:rPr lang="en-US" dirty="0"/>
+              <a:t>responsible for framing and media access control for broadcast </a:t>
+            </a:r>
+            <a:r>
+              <a:rPr lang="en-US" dirty="0"/>
+              <a:t>media.</a:t>
+            </a:r>
+          </a:p>
+          <a:p>
+            <a:pPr marL="285750" indent="-285750">
+              <a:buFont typeface="Wingdings" panose="05000000000000000000" pitchFamily="2" charset="2"/>
+              <a:buChar char="Ø"/>
+            </a:pPr>
+            <a:r>
+              <a:rPr lang="en-US" dirty="0"/>
+              <a:t>It talks about the physical address.</a:t>
+            </a:r>
+          </a:p>
+          <a:p>
+            <a:pPr marL="285750" indent="-285750">
+              <a:buFont typeface="Wingdings" panose="05000000000000000000" pitchFamily="2" charset="2"/>
+              <a:buChar char="Ø"/>
+            </a:pPr>
+            <a:r>
+              <a:rPr lang="en-US" dirty="0"/>
+              <a:t>It’s a 48 bit address.</a:t>
+            </a:r>
+          </a:p>
+          <a:p>
+            <a:pPr marL="285750" indent="-285750">
+              <a:buFont typeface="Wingdings" panose="05000000000000000000" pitchFamily="2" charset="2"/>
+              <a:buChar char="Ø"/>
+            </a:pPr>
+            <a:r>
+              <a:rPr lang="en-US" dirty="0"/>
+              <a:t>It is responsible for error detection.</a:t>
+            </a:r>
+          </a:p>
+          <a:p>
+            <a:pPr marL="285750" indent="-285750">
+              <a:buFont typeface="Wingdings" panose="05000000000000000000" pitchFamily="2" charset="2"/>
+              <a:buChar char="Ø"/>
+            </a:pPr>
+            <a:r>
+              <a:rPr lang="en-US" dirty="0"/>
+              <a:t>MAC addresses are </a:t>
+            </a:r>
+            <a:r>
+              <a:rPr lang="en-US" dirty="0"/>
+              <a:t>permanent.</a:t>
+            </a:r>
+            <a:endParaRPr lang="en-US" dirty="0"/>
+          </a:p>
+          <a:p>
+            <a:pPr marL="285750" indent="-285750">
+              <a:buFont typeface="Wingdings" panose="05000000000000000000" pitchFamily="2" charset="2"/>
+              <a:buChar char="Ø"/>
+            </a:pPr>
+            <a:endParaRPr lang="en-US" dirty="0"/>
+          </a:p>
+          <a:p>
+            <a:endParaRPr lang="en-US" dirty="0"/>
+          </a:p>
+          <a:p>
+            <a:r>
+              <a:rPr lang="en-US" sz="2400" dirty="0"/>
+              <a:t>The primary responsibilities of MAC are</a:t>
+            </a:r>
+            <a:r>
+              <a:rPr lang="en-US" sz="2400" dirty="0" smtClean="0"/>
+              <a:t>:</a:t>
+            </a:r>
+          </a:p>
+          <a:p>
+            <a:endParaRPr lang="en-US" dirty="0"/>
+          </a:p>
+          <a:p>
+            <a:pPr marL="285750" indent="-285750">
+              <a:buFont typeface="Wingdings" panose="05000000000000000000" pitchFamily="2" charset="2"/>
+              <a:buChar char="Ø"/>
+            </a:pPr>
+            <a:r>
+              <a:rPr lang="en-US" dirty="0"/>
+              <a:t>Framing/De-Framing</a:t>
+            </a:r>
+          </a:p>
+          <a:p>
+            <a:pPr marL="285750" indent="-285750">
+              <a:buFont typeface="Wingdings" panose="05000000000000000000" pitchFamily="2" charset="2"/>
+              <a:buChar char="Ø"/>
+            </a:pPr>
+            <a:r>
+              <a:rPr lang="en-US" dirty="0"/>
+              <a:t>Collision Resolution </a:t>
+            </a:r>
+            <a:endParaRPr lang="en-US" dirty="0"/>
+          </a:p>
+          <a:p>
+            <a:endParaRPr lang="en-US" dirty="0"/>
+          </a:p>
+          <a:p>
+            <a:r>
+              <a:rPr lang="en-US" sz="2400" dirty="0"/>
+              <a:t>MAC Filtering:</a:t>
+            </a:r>
+          </a:p>
+          <a:p>
+            <a:pPr>
+              <a:lnSpc>
+                <a:spcPct val="150000"/>
+              </a:lnSpc>
+            </a:pPr>
+            <a:r>
+              <a:rPr lang="en-US" dirty="0"/>
+              <a:t>It refers to   security access control method whereby the 48 bit address assigned to every </a:t>
+            </a:r>
+          </a:p>
+          <a:p>
+            <a:pPr>
+              <a:lnSpc>
+                <a:spcPct val="150000"/>
+              </a:lnSpc>
+            </a:pPr>
+            <a:r>
+              <a:rPr lang="en-US" dirty="0"/>
+              <a:t>NIC is used to determine access to network  i.e. it may permit or deny the network access.</a:t>
+            </a:r>
+          </a:p>
+          <a:p>
+            <a:endParaRPr lang="en-US" dirty="0"/>
+          </a:p>
+          <a:p>
+            <a:endParaRPr lang="en-US" dirty="0"/>
+          </a:p>
+          <a:p>
+            <a:endParaRPr lang="en-US" dirty="0"/>
+          </a:p>
+          <a:p>
+            <a:endParaRPr lang="en-US" dirty="0"/>
+          </a:p>
+          <a:p>
+            <a:endParaRPr lang="en-US" dirty="0"/>
+          </a:p>
+        </p:txBody>
+      </p:sp>
+    </p:spTree>
+    <p:extLst>
+      <p:ext uri="{BB962C8B-B14F-4D97-AF65-F5344CB8AC3E}">
+        <p14:creationId xmlns:p14="http://schemas.microsoft.com/office/powerpoint/2010/main" val="772144534"/>
+      </p:ext>
+    </p:extLst>
+  </p:cSld>
+  <p:clrMapOvr>
+    <a:masterClrMapping/>
+  </p:clrMapOvr>
+  <p:timing>
+    <p:tnLst>
+      <p:par>
+        <p:cTn id="1" dur="indefinite" restart="never" nodeType="tmRoot"/>
+      </p:par>
+    </p:tnLst>
+  </p:timing>
 </p:sld>
 </file>
 
